--- a/hw08/Project8_第32組_小組報告/report/Project8_第32組.pptx
+++ b/hw08/Project8_第32組_小組報告/report/Project8_第32組.pptx
@@ -8,13 +8,15 @@
     <p:sldId id="256" r:id="rId2"/>
     <p:sldId id="257" r:id="rId3"/>
     <p:sldId id="260" r:id="rId4"/>
-    <p:sldId id="258" r:id="rId5"/>
-    <p:sldId id="259" r:id="rId6"/>
-    <p:sldId id="261" r:id="rId7"/>
-    <p:sldId id="262" r:id="rId8"/>
-    <p:sldId id="264" r:id="rId9"/>
-    <p:sldId id="263" r:id="rId10"/>
-    <p:sldId id="265" r:id="rId11"/>
+    <p:sldId id="266" r:id="rId5"/>
+    <p:sldId id="258" r:id="rId6"/>
+    <p:sldId id="259" r:id="rId7"/>
+    <p:sldId id="267" r:id="rId8"/>
+    <p:sldId id="261" r:id="rId9"/>
+    <p:sldId id="262" r:id="rId10"/>
+    <p:sldId id="264" r:id="rId11"/>
+    <p:sldId id="263" r:id="rId12"/>
+    <p:sldId id="265" r:id="rId13"/>
   </p:sldIdLst>
   <p:sldSz cx="12192000" cy="6858000"/>
   <p:notesSz cx="6858000" cy="9144000"/>
@@ -6408,6 +6410,477 @@
           <a:lstStyle/>
           <a:p>
             <a:r>
+              <a:rPr lang="zh-TW" altLang="en-US" dirty="0"/>
+              <a:t>討論分析</a:t>
+            </a:r>
+          </a:p>
+        </p:txBody>
+      </p:sp>
+      <p:sp>
+        <p:nvSpPr>
+          <p:cNvPr id="3" name="內容版面配置區 2"/>
+          <p:cNvSpPr>
+            <a:spLocks noGrp="1"/>
+          </p:cNvSpPr>
+          <p:nvPr>
+            <p:ph sz="quarter" idx="13"/>
+          </p:nvPr>
+        </p:nvSpPr>
+        <p:spPr/>
+        <p:txBody>
+          <a:bodyPr>
+            <a:normAutofit lnSpcReduction="10000"/>
+          </a:bodyPr>
+          <a:lstStyle/>
+          <a:p>
+            <a:r>
+              <a:rPr lang="zh-TW" altLang="en-US" cap="none" dirty="0" smtClean="0"/>
+              <a:t>有在網路上查找資料，似乎 </a:t>
+            </a:r>
+            <a:r>
+              <a:rPr lang="en-US" altLang="zh-TW" cap="none" dirty="0" smtClean="0"/>
+              <a:t>LSTM</a:t>
+            </a:r>
+            <a:r>
+              <a:rPr lang="zh-TW" altLang="en-US" cap="none" dirty="0" smtClean="0"/>
+              <a:t> 只有在一個參數預測一個參數時，能得出參數結果。</a:t>
+            </a:r>
+            <a:endParaRPr lang="en-US" altLang="zh-TW" cap="none" dirty="0" smtClean="0"/>
+          </a:p>
+          <a:p>
+            <a:r>
+              <a:rPr lang="zh-TW" altLang="en-US" cap="none" dirty="0" smtClean="0"/>
+              <a:t>還沒有在網路上看到有兩參數預測 </a:t>
+            </a:r>
+            <a:r>
+              <a:rPr lang="en-US" altLang="zh-TW" cap="none" dirty="0" smtClean="0"/>
+              <a:t>LSTM</a:t>
+            </a:r>
+            <a:r>
+              <a:rPr lang="zh-TW" altLang="en-US" cap="none" dirty="0" smtClean="0"/>
+              <a:t> 的資料。</a:t>
+            </a:r>
+            <a:endParaRPr lang="en-US" altLang="zh-TW" cap="none" dirty="0" smtClean="0"/>
+          </a:p>
+          <a:p>
+            <a:pPr lvl="1"/>
+            <a:r>
+              <a:rPr lang="zh-TW" altLang="en-US" cap="none" dirty="0" smtClean="0"/>
+              <a:t>如果使用兩參數進行預測，則 </a:t>
+            </a:r>
+            <a:r>
+              <a:rPr lang="en-US" altLang="zh-TW" cap="none" dirty="0" smtClean="0"/>
+              <a:t>dense</a:t>
+            </a:r>
+            <a:r>
+              <a:rPr lang="zh-TW" altLang="en-US" cap="none" dirty="0" smtClean="0"/>
+              <a:t> 中 </a:t>
+            </a:r>
+            <a:r>
+              <a:rPr lang="en-US" altLang="zh-TW" cap="none" dirty="0" err="1" smtClean="0"/>
+              <a:t>return_sequence</a:t>
+            </a:r>
+            <a:r>
+              <a:rPr lang="en-US" altLang="zh-TW" cap="none" dirty="0" smtClean="0"/>
+              <a:t> </a:t>
+            </a:r>
+            <a:r>
+              <a:rPr lang="zh-TW" altLang="en-US" cap="none" dirty="0" smtClean="0"/>
+              <a:t>必須設置為 </a:t>
+            </a:r>
+            <a:r>
+              <a:rPr lang="en-US" altLang="zh-TW" cap="none" dirty="0" smtClean="0"/>
+              <a:t>false</a:t>
+            </a:r>
+          </a:p>
+          <a:p>
+            <a:pPr lvl="1"/>
+            <a:r>
+              <a:rPr lang="zh-TW" altLang="en-US" cap="none" dirty="0" smtClean="0"/>
+              <a:t>如果使用兩參數預測，那我們則沒辦法將數值規一化</a:t>
+            </a:r>
+            <a:endParaRPr lang="en-US" altLang="zh-TW" cap="none" dirty="0" smtClean="0"/>
+          </a:p>
+          <a:p>
+            <a:pPr lvl="1"/>
+            <a:r>
+              <a:rPr lang="zh-TW" altLang="en-US" cap="none" dirty="0" smtClean="0"/>
+              <a:t>一定可以用 </a:t>
+            </a:r>
+            <a:r>
+              <a:rPr lang="en-US" altLang="zh-TW" cap="none" dirty="0" smtClean="0"/>
+              <a:t>LSTM</a:t>
+            </a:r>
+            <a:r>
+              <a:rPr lang="zh-TW" altLang="en-US" cap="none" dirty="0" smtClean="0"/>
+              <a:t> 與兩參數預測，但必須在前面做 </a:t>
+            </a:r>
+            <a:r>
+              <a:rPr lang="en-US" altLang="zh-TW" cap="none" dirty="0" err="1" smtClean="0"/>
+              <a:t>num.reshape</a:t>
+            </a:r>
+            <a:r>
+              <a:rPr lang="en-US" altLang="zh-TW" cap="none" dirty="0" smtClean="0"/>
+              <a:t>()</a:t>
+            </a:r>
+            <a:r>
+              <a:rPr lang="zh-TW" altLang="en-US" cap="none" dirty="0" smtClean="0"/>
+              <a:t>，預測完的資料要如何解讀，也是一大困難點，我想網路上才較少 </a:t>
+            </a:r>
+            <a:r>
+              <a:rPr lang="en-US" altLang="zh-TW" cap="none" dirty="0" smtClean="0"/>
+              <a:t>LSTM</a:t>
+            </a:r>
+            <a:r>
+              <a:rPr lang="zh-TW" altLang="en-US" cap="none" dirty="0" smtClean="0"/>
+              <a:t> 做多 </a:t>
+            </a:r>
+            <a:r>
+              <a:rPr lang="en-US" altLang="zh-TW" cap="none" dirty="0" smtClean="0"/>
+              <a:t>feature</a:t>
+            </a:r>
+            <a:r>
+              <a:rPr lang="zh-TW" altLang="en-US" cap="none" dirty="0" smtClean="0"/>
+              <a:t> 預測。</a:t>
+            </a:r>
+            <a:endParaRPr lang="en-US" altLang="zh-TW" cap="none" dirty="0" smtClean="0"/>
+          </a:p>
+          <a:p>
+            <a:pPr lvl="1"/>
+            <a:endParaRPr lang="en-US" altLang="zh-TW" cap="none" dirty="0" smtClean="0"/>
+          </a:p>
+          <a:p>
+            <a:r>
+              <a:rPr lang="zh-TW" altLang="en-US" cap="none" dirty="0" smtClean="0"/>
+              <a:t>大部分的人會針對參數進行濾波等調整。</a:t>
+            </a:r>
+            <a:endParaRPr lang="en-US" altLang="zh-TW" cap="none" dirty="0" smtClean="0"/>
+          </a:p>
+          <a:p>
+            <a:endParaRPr lang="en-US" altLang="zh-TW" dirty="0" smtClean="0"/>
+          </a:p>
+        </p:txBody>
+      </p:sp>
+    </p:spTree>
+    <p:extLst>
+      <p:ext uri="{BB962C8B-B14F-4D97-AF65-F5344CB8AC3E}">
+        <p14:creationId xmlns:p14="http://schemas.microsoft.com/office/powerpoint/2010/main" val="1954017825"/>
+      </p:ext>
+    </p:extLst>
+  </p:cSld>
+  <p:clrMapOvr>
+    <a:masterClrMapping/>
+  </p:clrMapOvr>
+</p:sld>
+</file>
+
+<file path=ppt/slides/slide11.xml><?xml version="1.0" encoding="utf-8"?>
+<p:sld xmlns:a="http://schemas.openxmlformats.org/drawingml/2006/main" xmlns:r="http://schemas.openxmlformats.org/officeDocument/2006/relationships" xmlns:p="http://schemas.openxmlformats.org/presentationml/2006/main">
+  <p:cSld>
+    <p:spTree>
+      <p:nvGrpSpPr>
+        <p:cNvPr id="1" name=""/>
+        <p:cNvGrpSpPr/>
+        <p:nvPr/>
+      </p:nvGrpSpPr>
+      <p:grpSpPr>
+        <a:xfrm>
+          <a:off x="0" y="0"/>
+          <a:ext cx="0" cy="0"/>
+          <a:chOff x="0" y="0"/>
+          <a:chExt cx="0" cy="0"/>
+        </a:xfrm>
+      </p:grpSpPr>
+      <p:sp>
+        <p:nvSpPr>
+          <p:cNvPr id="2" name="標題 1"/>
+          <p:cNvSpPr>
+            <a:spLocks noGrp="1"/>
+          </p:cNvSpPr>
+          <p:nvPr>
+            <p:ph type="title"/>
+          </p:nvPr>
+        </p:nvSpPr>
+        <p:spPr/>
+        <p:txBody>
+          <a:bodyPr/>
+          <a:lstStyle/>
+          <a:p>
+            <a:r>
+              <a:rPr lang="zh-TW" altLang="en-US" dirty="0" smtClean="0"/>
+              <a:t>程式執行遇到的困難點</a:t>
+            </a:r>
+            <a:endParaRPr lang="zh-TW" altLang="en-US" dirty="0"/>
+          </a:p>
+        </p:txBody>
+      </p:sp>
+      <p:sp>
+        <p:nvSpPr>
+          <p:cNvPr id="3" name="內容版面配置區 2"/>
+          <p:cNvSpPr>
+            <a:spLocks noGrp="1"/>
+          </p:cNvSpPr>
+          <p:nvPr>
+            <p:ph sz="quarter" idx="13"/>
+          </p:nvPr>
+        </p:nvSpPr>
+        <p:spPr/>
+        <p:txBody>
+          <a:bodyPr/>
+          <a:lstStyle/>
+          <a:p>
+            <a:r>
+              <a:rPr lang="zh-TW" altLang="en-US" cap="none" dirty="0" smtClean="0">
+                <a:solidFill>
+                  <a:srgbClr val="0070C0"/>
+                </a:solidFill>
+              </a:rPr>
+              <a:t>助教這次給的 </a:t>
+            </a:r>
+            <a:r>
+              <a:rPr lang="en-US" altLang="zh-TW" cap="none" dirty="0" smtClean="0">
+                <a:solidFill>
+                  <a:srgbClr val="0070C0"/>
+                </a:solidFill>
+              </a:rPr>
+              <a:t>code</a:t>
+            </a:r>
+            <a:r>
+              <a:rPr lang="zh-TW" altLang="en-US" cap="none" dirty="0" smtClean="0">
+                <a:solidFill>
+                  <a:srgbClr val="0070C0"/>
+                </a:solidFill>
+              </a:rPr>
+              <a:t>，相當好理解。小組們則是針對助教沒有給的函式去網路上查詢其用意為和。</a:t>
+            </a:r>
+            <a:endParaRPr lang="en-US" altLang="zh-TW" cap="none" dirty="0" smtClean="0">
+              <a:solidFill>
+                <a:srgbClr val="0070C0"/>
+              </a:solidFill>
+            </a:endParaRPr>
+          </a:p>
+          <a:p>
+            <a:r>
+              <a:rPr lang="en-US" altLang="zh-TW" cap="none" dirty="0" smtClean="0"/>
+              <a:t>google </a:t>
+            </a:r>
+            <a:r>
+              <a:rPr lang="en-US" altLang="zh-TW" cap="none" dirty="0" err="1" smtClean="0"/>
+              <a:t>colab</a:t>
+            </a:r>
+            <a:r>
+              <a:rPr lang="en-US" altLang="zh-TW" cap="none" dirty="0" smtClean="0"/>
+              <a:t> </a:t>
+            </a:r>
+            <a:r>
+              <a:rPr lang="zh-TW" altLang="en-US" cap="none" dirty="0" smtClean="0"/>
+              <a:t>再 </a:t>
+            </a:r>
+            <a:r>
+              <a:rPr lang="en-US" altLang="zh-TW" cap="none" dirty="0" err="1" smtClean="0"/>
+              <a:t>dataframe</a:t>
+            </a:r>
+            <a:r>
+              <a:rPr lang="en-US" altLang="zh-TW" cap="none" dirty="0" smtClean="0"/>
+              <a:t> </a:t>
+            </a:r>
+            <a:r>
+              <a:rPr lang="zh-TW" altLang="en-US" cap="none" dirty="0" smtClean="0"/>
+              <a:t>多 </a:t>
+            </a:r>
+            <a:r>
+              <a:rPr lang="en-US" altLang="zh-TW" cap="none" dirty="0" smtClean="0"/>
+              <a:t>columns </a:t>
+            </a:r>
+            <a:r>
+              <a:rPr lang="zh-TW" altLang="en-US" cap="none" dirty="0" smtClean="0"/>
+              <a:t>與 </a:t>
+            </a:r>
+            <a:r>
+              <a:rPr lang="en-US" altLang="zh-TW" cap="none" dirty="0" smtClean="0"/>
+              <a:t>rows </a:t>
+            </a:r>
+            <a:r>
+              <a:rPr lang="zh-TW" altLang="en-US" cap="none" dirty="0" smtClean="0"/>
+              <a:t>會隱藏資訊不是很好</a:t>
+            </a:r>
+            <a:r>
+              <a:rPr lang="en-US" altLang="zh-TW" cap="none" dirty="0" smtClean="0"/>
+              <a:t>…</a:t>
+            </a:r>
+            <a:r>
+              <a:rPr lang="zh-TW" altLang="en-US" cap="none" dirty="0" smtClean="0"/>
+              <a:t>。但是他提供強大運算，超讚的拉！</a:t>
+            </a:r>
+            <a:endParaRPr lang="en-US" altLang="zh-TW" cap="none" dirty="0" smtClean="0"/>
+          </a:p>
+          <a:p>
+            <a:r>
+              <a:rPr lang="en-US" altLang="zh-TW" cap="none" dirty="0" err="1" smtClean="0"/>
+              <a:t>np.reshape</a:t>
+            </a:r>
+            <a:r>
+              <a:rPr lang="en-US" altLang="zh-TW" cap="none" dirty="0" smtClean="0"/>
+              <a:t> </a:t>
+            </a:r>
+            <a:r>
+              <a:rPr lang="zh-TW" altLang="en-US" cap="none" dirty="0" smtClean="0"/>
+              <a:t>中必須放入需要 </a:t>
+            </a:r>
+            <a:r>
+              <a:rPr lang="en-US" altLang="zh-TW" cap="none" dirty="0" smtClean="0"/>
+              <a:t>reshape</a:t>
+            </a:r>
+            <a:r>
+              <a:rPr lang="zh-TW" altLang="en-US" cap="none" dirty="0" smtClean="0"/>
+              <a:t> 的 </a:t>
+            </a:r>
+            <a:r>
+              <a:rPr lang="en-US" altLang="zh-TW" cap="none" dirty="0" err="1" smtClean="0"/>
+              <a:t>np.array</a:t>
+            </a:r>
+            <a:endParaRPr lang="en-US" altLang="zh-TW" cap="none" dirty="0" smtClean="0"/>
+          </a:p>
+          <a:p>
+            <a:r>
+              <a:rPr lang="en-US" altLang="zh-TW" cap="none" dirty="0" smtClean="0"/>
+              <a:t>PY </a:t>
+            </a:r>
+            <a:r>
+              <a:rPr lang="zh-TW" altLang="en-US" cap="none" dirty="0" smtClean="0"/>
+              <a:t>的 </a:t>
+            </a:r>
+            <a:r>
+              <a:rPr lang="en-US" altLang="zh-TW" cap="none" dirty="0" err="1" smtClean="0"/>
+              <a:t>dataframe</a:t>
+            </a:r>
+            <a:r>
+              <a:rPr lang="zh-TW" altLang="en-US" cap="none" dirty="0" smtClean="0"/>
+              <a:t> 與 </a:t>
+            </a:r>
+            <a:r>
+              <a:rPr lang="en-US" altLang="zh-TW" cap="none" dirty="0" smtClean="0"/>
+              <a:t>R</a:t>
+            </a:r>
+            <a:r>
+              <a:rPr lang="zh-TW" altLang="en-US" cap="none" dirty="0" smtClean="0"/>
+              <a:t> 的 </a:t>
+            </a:r>
+            <a:r>
+              <a:rPr lang="en-US" altLang="zh-TW" cap="none" dirty="0" err="1" smtClean="0"/>
+              <a:t>dataframe</a:t>
+            </a:r>
+            <a:r>
+              <a:rPr lang="zh-TW" altLang="en-US" cap="none" dirty="0" smtClean="0"/>
+              <a:t> 格式不同。</a:t>
+            </a:r>
+            <a:r>
+              <a:rPr lang="en-US" altLang="zh-TW" cap="none" dirty="0" smtClean="0"/>
+              <a:t/>
+            </a:r>
+            <a:br>
+              <a:rPr lang="en-US" altLang="zh-TW" cap="none" dirty="0" smtClean="0"/>
+            </a:br>
+            <a:r>
+              <a:rPr lang="zh-TW" altLang="en-US" cap="none" dirty="0" smtClean="0"/>
+              <a:t>我一開始在寫時，常常腦袋轉不過來。</a:t>
+            </a:r>
+            <a:endParaRPr lang="en-US" altLang="zh-TW" cap="none" dirty="0" smtClean="0"/>
+          </a:p>
+          <a:p>
+            <a:endParaRPr lang="en-US" altLang="zh-TW" cap="none" dirty="0" smtClean="0"/>
+          </a:p>
+        </p:txBody>
+      </p:sp>
+      <p:pic>
+        <p:nvPicPr>
+          <p:cNvPr id="5" name="圖片 4"/>
+          <p:cNvPicPr>
+            <a:picLocks noChangeAspect="1"/>
+          </p:cNvPicPr>
+          <p:nvPr/>
+        </p:nvPicPr>
+        <p:blipFill rotWithShape="1">
+          <a:blip r:embed="rId2">
+            <a:extLst>
+              <a:ext uri="{28A0092B-C50C-407E-A947-70E740481C1C}">
+                <a14:useLocalDpi xmlns:a14="http://schemas.microsoft.com/office/drawing/2010/main" val="0"/>
+              </a:ext>
+            </a:extLst>
+          </a:blip>
+          <a:srcRect t="40497" r="29212"/>
+          <a:stretch/>
+        </p:blipFill>
+        <p:spPr>
+          <a:xfrm>
+            <a:off x="7578797" y="3727938"/>
+            <a:ext cx="3171774" cy="2330799"/>
+          </a:xfrm>
+          <a:prstGeom prst="rect">
+            <a:avLst/>
+          </a:prstGeom>
+          <a:ln w="38100" cap="sq">
+            <a:solidFill>
+              <a:srgbClr val="000000"/>
+            </a:solidFill>
+            <a:prstDash val="solid"/>
+            <a:miter lim="800000"/>
+          </a:ln>
+          <a:effectLst>
+            <a:outerShdw blurRad="50800" dist="38100" dir="2700000" algn="tl" rotWithShape="0">
+              <a:srgbClr val="000000">
+                <a:alpha val="43000"/>
+              </a:srgbClr>
+            </a:outerShdw>
+          </a:effectLst>
+        </p:spPr>
+      </p:pic>
+    </p:spTree>
+    <p:extLst>
+      <p:ext uri="{BB962C8B-B14F-4D97-AF65-F5344CB8AC3E}">
+        <p14:creationId xmlns:p14="http://schemas.microsoft.com/office/powerpoint/2010/main" val="3741302329"/>
+      </p:ext>
+    </p:extLst>
+  </p:cSld>
+  <p:clrMapOvr>
+    <a:masterClrMapping/>
+  </p:clrMapOvr>
+</p:sld>
+</file>
+
+<file path=ppt/slides/slide12.xml><?xml version="1.0" encoding="utf-8"?>
+<p:sld xmlns:a="http://schemas.openxmlformats.org/drawingml/2006/main" xmlns:r="http://schemas.openxmlformats.org/officeDocument/2006/relationships" xmlns:p="http://schemas.openxmlformats.org/presentationml/2006/main">
+  <p:cSld>
+    <p:spTree>
+      <p:nvGrpSpPr>
+        <p:cNvPr id="1" name=""/>
+        <p:cNvGrpSpPr/>
+        <p:nvPr/>
+      </p:nvGrpSpPr>
+      <p:grpSpPr>
+        <a:xfrm>
+          <a:off x="0" y="0"/>
+          <a:ext cx="0" cy="0"/>
+          <a:chOff x="0" y="0"/>
+          <a:chExt cx="0" cy="0"/>
+        </a:xfrm>
+      </p:grpSpPr>
+      <p:sp>
+        <p:nvSpPr>
+          <p:cNvPr id="2" name="標題 1"/>
+          <p:cNvSpPr>
+            <a:spLocks noGrp="1"/>
+          </p:cNvSpPr>
+          <p:nvPr>
+            <p:ph type="title"/>
+          </p:nvPr>
+        </p:nvSpPr>
+        <p:spPr/>
+        <p:txBody>
+          <a:bodyPr/>
+          <a:lstStyle/>
+          <a:p>
+            <a:r>
               <a:rPr lang="zh-TW" altLang="en-US" dirty="0" smtClean="0"/>
               <a:t>參考連結</a:t>
             </a:r>
@@ -6897,6 +7370,332 @@
           <a:p>
             <a:r>
               <a:rPr lang="zh-TW" altLang="en-US" dirty="0" smtClean="0"/>
+              <a:t>印度 </a:t>
+            </a:r>
+            <a:r>
+              <a:rPr lang="en-US" altLang="zh-TW" dirty="0" smtClean="0"/>
+              <a:t>50</a:t>
+            </a:r>
+            <a:r>
+              <a:rPr lang="zh-TW" altLang="en-US" dirty="0" smtClean="0"/>
+              <a:t> 指數期貨</a:t>
+            </a:r>
+            <a:endParaRPr lang="zh-TW" altLang="en-US" dirty="0"/>
+          </a:p>
+        </p:txBody>
+      </p:sp>
+      <p:sp>
+        <p:nvSpPr>
+          <p:cNvPr id="3" name="內容版面配置區 2"/>
+          <p:cNvSpPr>
+            <a:spLocks noGrp="1"/>
+          </p:cNvSpPr>
+          <p:nvPr>
+            <p:ph sz="quarter" idx="13"/>
+          </p:nvPr>
+        </p:nvSpPr>
+        <p:spPr>
+          <a:xfrm>
+            <a:off x="913774" y="2367092"/>
+            <a:ext cx="10363826" cy="4288685"/>
+          </a:xfrm>
+        </p:spPr>
+        <p:txBody>
+          <a:bodyPr>
+            <a:normAutofit/>
+          </a:bodyPr>
+          <a:lstStyle/>
+          <a:p>
+            <a:r>
+              <a:rPr lang="zh-TW" altLang="en-US" cap="none" dirty="0"/>
+              <a:t>期貨是投資人的博弈賽局，成交快、價格漲幅快。</a:t>
+            </a:r>
+            <a:endParaRPr lang="en-US" altLang="zh-TW" dirty="0"/>
+          </a:p>
+          <a:p>
+            <a:r>
+              <a:rPr lang="zh-TW" altLang="en-US" dirty="0" smtClean="0"/>
+              <a:t>類似於台灣</a:t>
+            </a:r>
+            <a:r>
+              <a:rPr lang="zh-TW" altLang="en-US" dirty="0"/>
+              <a:t> </a:t>
+            </a:r>
+            <a:r>
+              <a:rPr lang="en-US" altLang="zh-TW" dirty="0" smtClean="0"/>
+              <a:t>0050</a:t>
+            </a:r>
+            <a:r>
+              <a:rPr lang="zh-TW" altLang="en-US" dirty="0" smtClean="0"/>
+              <a:t>，</a:t>
+            </a:r>
+            <a:r>
+              <a:rPr lang="zh-TW" altLang="en-US" dirty="0"/>
+              <a:t>印度 </a:t>
+            </a:r>
+            <a:r>
+              <a:rPr lang="en-US" altLang="zh-TW" dirty="0" smtClean="0"/>
+              <a:t>50</a:t>
+            </a:r>
+            <a:r>
+              <a:rPr lang="zh-TW" altLang="en-US" dirty="0" smtClean="0"/>
+              <a:t> 指數選出印度前 </a:t>
+            </a:r>
+            <a:r>
+              <a:rPr lang="en-US" altLang="zh-TW" dirty="0" smtClean="0"/>
+              <a:t>50</a:t>
+            </a:r>
+            <a:r>
+              <a:rPr lang="zh-TW" altLang="en-US" dirty="0" smtClean="0"/>
+              <a:t> 間最具代表性的公司</a:t>
+            </a:r>
+            <a:endParaRPr lang="en-US" altLang="zh-TW" dirty="0" smtClean="0"/>
+          </a:p>
+          <a:p>
+            <a:r>
+              <a:rPr lang="zh-TW" altLang="en-US" dirty="0" smtClean="0"/>
+              <a:t>但印度 </a:t>
+            </a:r>
+            <a:r>
+              <a:rPr lang="en-US" altLang="zh-TW" dirty="0" smtClean="0"/>
+              <a:t>50</a:t>
+            </a:r>
+            <a:r>
+              <a:rPr lang="zh-TW" altLang="en-US" dirty="0" smtClean="0"/>
+              <a:t> 是期貨，具有高避險性，但對部分投資人而言有高投機性。</a:t>
+            </a:r>
+            <a:endParaRPr lang="en-US" altLang="zh-TW" dirty="0" smtClean="0"/>
+          </a:p>
+          <a:p>
+            <a:r>
+              <a:rPr lang="zh-TW" altLang="en-US" cap="none" dirty="0" smtClean="0"/>
+              <a:t>如果</a:t>
+            </a:r>
+            <a:r>
+              <a:rPr lang="zh-TW" altLang="en-US" cap="none" dirty="0"/>
+              <a:t>我們可以用 </a:t>
+            </a:r>
+            <a:r>
+              <a:rPr lang="en-US" altLang="zh-TW" cap="none" dirty="0">
+                <a:solidFill>
+                  <a:schemeClr val="accent6">
+                    <a:lumMod val="75000"/>
+                  </a:schemeClr>
+                </a:solidFill>
+              </a:rPr>
+              <a:t>LSTM</a:t>
+            </a:r>
+            <a:r>
+              <a:rPr lang="zh-TW" altLang="en-US" cap="none" dirty="0">
+                <a:solidFill>
+                  <a:schemeClr val="accent6">
+                    <a:lumMod val="75000"/>
+                  </a:schemeClr>
+                </a:solidFill>
+              </a:rPr>
+              <a:t> 學習出價格的走勢</a:t>
+            </a:r>
+            <a:r>
+              <a:rPr lang="en-US" altLang="zh-TW" cap="none" dirty="0" smtClean="0"/>
+              <a:t>(</a:t>
+            </a:r>
+            <a:r>
+              <a:rPr lang="zh-TW" altLang="en-US" cap="none" dirty="0" smtClean="0"/>
+              <a:t>期貨投資人</a:t>
+            </a:r>
+            <a:r>
+              <a:rPr lang="zh-TW" altLang="en-US" cap="none" dirty="0"/>
+              <a:t>的想法</a:t>
+            </a:r>
+            <a:r>
+              <a:rPr lang="en-US" altLang="zh-TW" cap="none" dirty="0"/>
+              <a:t>)</a:t>
+            </a:r>
+            <a:r>
+              <a:rPr lang="zh-TW" altLang="en-US" cap="none" dirty="0"/>
+              <a:t>，是不是就能預測期貨走勢</a:t>
+            </a:r>
+            <a:r>
+              <a:rPr lang="zh-TW" altLang="en-US" cap="none" dirty="0" smtClean="0"/>
+              <a:t>。</a:t>
+            </a:r>
+            <a:endParaRPr lang="en-US" altLang="zh-TW" cap="none" dirty="0" smtClean="0"/>
+          </a:p>
+          <a:p>
+            <a:r>
+              <a:rPr lang="zh-TW" altLang="en-US" cap="none" dirty="0"/>
+              <a:t>我們只需要在 </a:t>
+            </a:r>
+            <a:r>
+              <a:rPr lang="en-US" altLang="zh-TW" cap="none" dirty="0" err="1"/>
+              <a:t>Colab</a:t>
+            </a:r>
+            <a:r>
+              <a:rPr lang="zh-TW" altLang="en-US" cap="none" dirty="0"/>
+              <a:t> </a:t>
+            </a:r>
+            <a:r>
+              <a:rPr lang="en-US" altLang="zh-TW" cap="none" dirty="0"/>
+              <a:t>post API </a:t>
+            </a:r>
+            <a:r>
+              <a:rPr lang="zh-TW" altLang="en-US" cap="none" dirty="0"/>
+              <a:t>請求就能夠獲得資料。</a:t>
+            </a:r>
+            <a:endParaRPr lang="en-US" altLang="zh-TW" cap="none" dirty="0"/>
+          </a:p>
+          <a:p>
+            <a:r>
+              <a:rPr lang="zh-TW" altLang="en-US" cap="none" dirty="0"/>
+              <a:t>在 </a:t>
+            </a:r>
+            <a:r>
+              <a:rPr lang="en-US" altLang="zh-TW" cap="none" dirty="0" err="1"/>
+              <a:t>Colab</a:t>
+            </a:r>
+            <a:r>
+              <a:rPr lang="zh-TW" altLang="en-US" cap="none" dirty="0"/>
+              <a:t> 上使用再適合不過</a:t>
+            </a:r>
+            <a:r>
+              <a:rPr lang="zh-TW" altLang="en-US" cap="none" dirty="0" smtClean="0"/>
+              <a:t>！</a:t>
+            </a:r>
+            <a:endParaRPr lang="en-US" altLang="zh-TW" cap="none" dirty="0" smtClean="0"/>
+          </a:p>
+          <a:p>
+            <a:r>
+              <a:rPr lang="zh-TW" altLang="en-US" cap="none" dirty="0" smtClean="0">
+                <a:hlinkClick r:id="rId2"/>
+              </a:rPr>
+              <a:t>資料來源</a:t>
+            </a:r>
+            <a:r>
+              <a:rPr lang="zh-TW" altLang="en-US" cap="none" dirty="0">
+                <a:hlinkClick r:id="rId2"/>
+              </a:rPr>
+              <a:t>：</a:t>
+            </a:r>
+            <a:r>
+              <a:rPr lang="zh-TW" altLang="en-US" dirty="0" smtClean="0">
+                <a:hlinkClick r:id="rId2"/>
+              </a:rPr>
+              <a:t>印度</a:t>
+            </a:r>
+            <a:r>
+              <a:rPr lang="en-US" altLang="zh-TW" dirty="0">
+                <a:hlinkClick r:id="rId2"/>
+              </a:rPr>
+              <a:t>NIFTY 50</a:t>
+            </a:r>
+            <a:r>
+              <a:rPr lang="zh-TW" altLang="en-US" dirty="0">
+                <a:hlinkClick r:id="rId2"/>
+              </a:rPr>
+              <a:t>指數期貨 </a:t>
+            </a:r>
+            <a:r>
+              <a:rPr lang="en-US" altLang="zh-TW" dirty="0">
+                <a:hlinkClick r:id="rId2"/>
+              </a:rPr>
+              <a:t>2021</a:t>
+            </a:r>
+            <a:r>
+              <a:rPr lang="zh-TW" altLang="en-US" dirty="0">
+                <a:hlinkClick r:id="rId2"/>
+              </a:rPr>
+              <a:t>年</a:t>
+            </a:r>
+            <a:r>
+              <a:rPr lang="en-US" altLang="zh-TW" dirty="0">
+                <a:hlinkClick r:id="rId2"/>
+              </a:rPr>
+              <a:t>6</a:t>
+            </a:r>
+            <a:r>
+              <a:rPr lang="zh-TW" altLang="en-US" dirty="0" smtClean="0">
+                <a:hlinkClick r:id="rId2"/>
+              </a:rPr>
+              <a:t>月</a:t>
+            </a:r>
+            <a:r>
+              <a:rPr lang="zh-TW" altLang="en-US" dirty="0">
+                <a:hlinkClick r:id="rId2"/>
+              </a:rPr>
+              <a:t> </a:t>
+            </a:r>
+            <a:r>
+              <a:rPr lang="en-US" altLang="zh-TW" dirty="0" smtClean="0">
+                <a:hlinkClick r:id="rId2"/>
+              </a:rPr>
+              <a:t>by InvetING.com</a:t>
+            </a:r>
+            <a:endParaRPr lang="en-US" altLang="zh-TW" cap="none" dirty="0"/>
+          </a:p>
+          <a:p>
+            <a:endParaRPr lang="en-US" altLang="zh-TW" cap="none" dirty="0" smtClean="0"/>
+          </a:p>
+          <a:p>
+            <a:endParaRPr lang="en-US" altLang="zh-TW" dirty="0" smtClean="0"/>
+          </a:p>
+          <a:p>
+            <a:endParaRPr lang="en-US" altLang="zh-TW" dirty="0" smtClean="0"/>
+          </a:p>
+          <a:p>
+            <a:endParaRPr lang="en-US" altLang="zh-TW" dirty="0" smtClean="0"/>
+          </a:p>
+          <a:p>
+            <a:endParaRPr lang="zh-TW" altLang="en-US" dirty="0"/>
+          </a:p>
+        </p:txBody>
+      </p:sp>
+    </p:spTree>
+    <p:extLst>
+      <p:ext uri="{BB962C8B-B14F-4D97-AF65-F5344CB8AC3E}">
+        <p14:creationId xmlns:p14="http://schemas.microsoft.com/office/powerpoint/2010/main" val="3370652069"/>
+      </p:ext>
+    </p:extLst>
+  </p:cSld>
+  <p:clrMapOvr>
+    <a:masterClrMapping/>
+  </p:clrMapOvr>
+</p:sld>
+</file>
+
+<file path=ppt/slides/slide5.xml><?xml version="1.0" encoding="utf-8"?>
+<p:sld xmlns:a="http://schemas.openxmlformats.org/drawingml/2006/main" xmlns:r="http://schemas.openxmlformats.org/officeDocument/2006/relationships" xmlns:p="http://schemas.openxmlformats.org/presentationml/2006/main" show="0">
+  <p:cSld>
+    <p:spTree>
+      <p:nvGrpSpPr>
+        <p:cNvPr id="1" name=""/>
+        <p:cNvGrpSpPr/>
+        <p:nvPr/>
+      </p:nvGrpSpPr>
+      <p:grpSpPr>
+        <a:xfrm>
+          <a:off x="0" y="0"/>
+          <a:ext cx="0" cy="0"/>
+          <a:chOff x="0" y="0"/>
+          <a:chExt cx="0" cy="0"/>
+        </a:xfrm>
+      </p:grpSpPr>
+      <p:sp>
+        <p:nvSpPr>
+          <p:cNvPr id="2" name="標題 1"/>
+          <p:cNvSpPr>
+            <a:spLocks noGrp="1"/>
+          </p:cNvSpPr>
+          <p:nvPr>
+            <p:ph type="title"/>
+          </p:nvPr>
+        </p:nvSpPr>
+        <p:spPr/>
+        <p:txBody>
+          <a:bodyPr/>
+          <a:lstStyle/>
+          <a:p>
+            <a:r>
+              <a:rPr lang="zh-TW" altLang="en-US" dirty="0" smtClean="0"/>
               <a:t>選擇資料集－</a:t>
             </a:r>
             <a:r>
@@ -7103,11 +7902,19 @@
   <p:clrMapOvr>
     <a:masterClrMapping/>
   </p:clrMapOvr>
+  <mc:AlternateContent xmlns:mc="http://schemas.openxmlformats.org/markup-compatibility/2006">
+    <mc:Choice xmlns:p14="http://schemas.microsoft.com/office/powerpoint/2010/main" Requires="p14">
+      <p:transition spd="slow" p14:dur="2000"/>
+    </mc:Choice>
+    <mc:Fallback>
+      <p:transition spd="slow"/>
+    </mc:Fallback>
+  </mc:AlternateContent>
 </p:sld>
 </file>
 
-<file path=ppt/slides/slide5.xml><?xml version="1.0" encoding="utf-8"?>
-<p:sld xmlns:a="http://schemas.openxmlformats.org/drawingml/2006/main" xmlns:r="http://schemas.openxmlformats.org/officeDocument/2006/relationships" xmlns:p="http://schemas.openxmlformats.org/presentationml/2006/main">
+<file path=ppt/slides/slide6.xml><?xml version="1.0" encoding="utf-8"?>
+<p:sld xmlns:a="http://schemas.openxmlformats.org/drawingml/2006/main" xmlns:r="http://schemas.openxmlformats.org/officeDocument/2006/relationships" xmlns:p="http://schemas.openxmlformats.org/presentationml/2006/main" show="0">
   <p:cSld>
     <p:spTree>
       <p:nvGrpSpPr>
@@ -7233,10 +8040,18 @@
   <p:clrMapOvr>
     <a:masterClrMapping/>
   </p:clrMapOvr>
+  <mc:AlternateContent xmlns:mc="http://schemas.openxmlformats.org/markup-compatibility/2006">
+    <mc:Choice xmlns:p14="http://schemas.microsoft.com/office/powerpoint/2010/main" Requires="p14">
+      <p:transition spd="slow" p14:dur="2000"/>
+    </mc:Choice>
+    <mc:Fallback>
+      <p:transition spd="slow"/>
+    </mc:Fallback>
+  </mc:AlternateContent>
 </p:sld>
 </file>
 
-<file path=ppt/slides/slide6.xml><?xml version="1.0" encoding="utf-8"?>
+<file path=ppt/slides/slide7.xml><?xml version="1.0" encoding="utf-8"?>
 <p:sld xmlns:a="http://schemas.openxmlformats.org/drawingml/2006/main" xmlns:r="http://schemas.openxmlformats.org/officeDocument/2006/relationships" xmlns:p="http://schemas.openxmlformats.org/presentationml/2006/main">
   <p:cSld>
     <p:spTree>
@@ -7269,8 +8084,20 @@
           <a:lstStyle/>
           <a:p>
             <a:r>
+              <a:rPr lang="zh-TW" altLang="en-US" dirty="0"/>
+              <a:t>印度 </a:t>
+            </a:r>
+            <a:r>
+              <a:rPr lang="en-US" altLang="zh-TW" dirty="0"/>
+              <a:t>50</a:t>
+            </a:r>
+            <a:r>
+              <a:rPr lang="zh-TW" altLang="en-US" dirty="0"/>
+              <a:t> 指數</a:t>
+            </a:r>
+            <a:r>
               <a:rPr lang="zh-TW" altLang="en-US" dirty="0" smtClean="0"/>
-              <a:t>程式執行結果</a:t>
+              <a:t>期貨－資料格式</a:t>
             </a:r>
             <a:endParaRPr lang="zh-TW" altLang="en-US" dirty="0"/>
           </a:p>
@@ -7287,21 +8114,116 @@
           </p:nvPr>
         </p:nvPicPr>
         <p:blipFill>
-          <a:blip r:embed="rId2">
-            <a:extLst>
-              <a:ext uri="{28A0092B-C50C-407E-A947-70E740481C1C}">
-                <a14:useLocalDpi xmlns:a14="http://schemas.microsoft.com/office/drawing/2010/main" val="0"/>
-              </a:ext>
-            </a:extLst>
-          </a:blip>
+          <a:blip r:embed="rId2"/>
           <a:stretch>
             <a:fillRect/>
           </a:stretch>
         </p:blipFill>
         <p:spPr>
           <a:xfrm>
-            <a:off x="913775" y="2410924"/>
-            <a:ext cx="5725979" cy="3424237"/>
+            <a:off x="913775" y="2599043"/>
+            <a:ext cx="6858000" cy="3276600"/>
+          </a:xfrm>
+          <a:prstGeom prst="rect">
+            <a:avLst/>
+          </a:prstGeom>
+          <a:ln w="38100" cap="sq">
+            <a:solidFill>
+              <a:srgbClr val="000000"/>
+            </a:solidFill>
+            <a:prstDash val="solid"/>
+            <a:miter lim="800000"/>
+          </a:ln>
+          <a:effectLst>
+            <a:outerShdw blurRad="50800" dist="38100" dir="2700000" algn="tl" rotWithShape="0">
+              <a:srgbClr val="000000">
+                <a:alpha val="43000"/>
+              </a:srgbClr>
+            </a:outerShdw>
+          </a:effectLst>
+        </p:spPr>
+      </p:pic>
+    </p:spTree>
+    <p:extLst>
+      <p:ext uri="{BB962C8B-B14F-4D97-AF65-F5344CB8AC3E}">
+        <p14:creationId xmlns:p14="http://schemas.microsoft.com/office/powerpoint/2010/main" val="3735543046"/>
+      </p:ext>
+    </p:extLst>
+  </p:cSld>
+  <p:clrMapOvr>
+    <a:masterClrMapping/>
+  </p:clrMapOvr>
+</p:sld>
+</file>
+
+<file path=ppt/slides/slide8.xml><?xml version="1.0" encoding="utf-8"?>
+<p:sld xmlns:a="http://schemas.openxmlformats.org/drawingml/2006/main" xmlns:r="http://schemas.openxmlformats.org/officeDocument/2006/relationships" xmlns:p="http://schemas.openxmlformats.org/presentationml/2006/main">
+  <p:cSld>
+    <p:spTree>
+      <p:nvGrpSpPr>
+        <p:cNvPr id="1" name=""/>
+        <p:cNvGrpSpPr/>
+        <p:nvPr/>
+      </p:nvGrpSpPr>
+      <p:grpSpPr>
+        <a:xfrm>
+          <a:off x="0" y="0"/>
+          <a:ext cx="0" cy="0"/>
+          <a:chOff x="0" y="0"/>
+          <a:chExt cx="0" cy="0"/>
+        </a:xfrm>
+      </p:grpSpPr>
+      <p:sp>
+        <p:nvSpPr>
+          <p:cNvPr id="2" name="標題 1"/>
+          <p:cNvSpPr>
+            <a:spLocks noGrp="1"/>
+          </p:cNvSpPr>
+          <p:nvPr>
+            <p:ph type="title"/>
+          </p:nvPr>
+        </p:nvSpPr>
+        <p:spPr/>
+        <p:txBody>
+          <a:bodyPr/>
+          <a:lstStyle/>
+          <a:p>
+            <a:r>
+              <a:rPr lang="en-US" altLang="zh-TW" dirty="0" smtClean="0"/>
+              <a:t>LSTM</a:t>
+            </a:r>
+            <a:r>
+              <a:rPr lang="zh-TW" altLang="en-US" dirty="0" smtClean="0"/>
+              <a:t> 程式</a:t>
+            </a:r>
+            <a:r>
+              <a:rPr lang="zh-TW" altLang="en-US" dirty="0" smtClean="0"/>
+              <a:t>執行結果</a:t>
+            </a:r>
+            <a:endParaRPr lang="zh-TW" altLang="en-US" dirty="0"/>
+          </a:p>
+        </p:txBody>
+      </p:sp>
+      <p:pic>
+        <p:nvPicPr>
+          <p:cNvPr id="5" name="內容版面配置區 4"/>
+          <p:cNvPicPr>
+            <a:picLocks noGrp="1" noChangeAspect="1"/>
+          </p:cNvPicPr>
+          <p:nvPr>
+            <p:ph sz="quarter" idx="13"/>
+          </p:nvPr>
+        </p:nvPicPr>
+        <p:blipFill>
+          <a:blip r:embed="rId2"/>
+          <a:stretch>
+            <a:fillRect/>
+          </a:stretch>
+        </p:blipFill>
+        <p:spPr>
+          <a:xfrm>
+            <a:off x="913775" y="2214694"/>
+            <a:ext cx="5732383" cy="3424237"/>
           </a:xfrm>
           <a:prstGeom prst="rect">
             <a:avLst/>
@@ -7335,352 +8257,6 @@
 </p:sld>
 </file>
 
-<file path=ppt/slides/slide7.xml><?xml version="1.0" encoding="utf-8"?>
-<p:sld xmlns:a="http://schemas.openxmlformats.org/drawingml/2006/main" xmlns:r="http://schemas.openxmlformats.org/officeDocument/2006/relationships" xmlns:p="http://schemas.openxmlformats.org/presentationml/2006/main">
-  <p:cSld>
-    <p:spTree>
-      <p:nvGrpSpPr>
-        <p:cNvPr id="1" name=""/>
-        <p:cNvGrpSpPr/>
-        <p:nvPr/>
-      </p:nvGrpSpPr>
-      <p:grpSpPr>
-        <a:xfrm>
-          <a:off x="0" y="0"/>
-          <a:ext cx="0" cy="0"/>
-          <a:chOff x="0" y="0"/>
-          <a:chExt cx="0" cy="0"/>
-        </a:xfrm>
-      </p:grpSpPr>
-      <p:sp>
-        <p:nvSpPr>
-          <p:cNvPr id="2" name="標題 1"/>
-          <p:cNvSpPr>
-            <a:spLocks noGrp="1"/>
-          </p:cNvSpPr>
-          <p:nvPr>
-            <p:ph type="title"/>
-          </p:nvPr>
-        </p:nvSpPr>
-        <p:spPr/>
-        <p:txBody>
-          <a:bodyPr/>
-          <a:lstStyle/>
-          <a:p>
-            <a:r>
-              <a:rPr lang="zh-TW" altLang="en-US" dirty="0" smtClean="0"/>
-              <a:t>討論分析</a:t>
-            </a:r>
-            <a:endParaRPr lang="zh-TW" altLang="en-US" dirty="0"/>
-          </a:p>
-        </p:txBody>
-      </p:sp>
-      <p:sp>
-        <p:nvSpPr>
-          <p:cNvPr id="3" name="內容版面配置區 2"/>
-          <p:cNvSpPr>
-            <a:spLocks noGrp="1"/>
-          </p:cNvSpPr>
-          <p:nvPr>
-            <p:ph sz="quarter" idx="13"/>
-          </p:nvPr>
-        </p:nvSpPr>
-        <p:spPr/>
-        <p:txBody>
-          <a:bodyPr>
-            <a:normAutofit/>
-          </a:bodyPr>
-          <a:lstStyle/>
-          <a:p>
-            <a:r>
-              <a:rPr lang="en-US" altLang="zh-TW" dirty="0" smtClean="0"/>
-              <a:t>LSTM</a:t>
-            </a:r>
-            <a:r>
-              <a:rPr lang="zh-TW" altLang="en-US" dirty="0" smtClean="0"/>
-              <a:t> 花的時間比起 </a:t>
-            </a:r>
-            <a:r>
-              <a:rPr lang="en-US" altLang="zh-TW" dirty="0" smtClean="0"/>
-              <a:t>YOLO</a:t>
-            </a:r>
-            <a:r>
-              <a:rPr lang="zh-TW" altLang="en-US" dirty="0" smtClean="0"/>
-              <a:t> 快上許多，也許可以嘗試在效能好的電腦上運行。</a:t>
-            </a:r>
-            <a:endParaRPr lang="en-US" altLang="zh-TW" dirty="0" smtClean="0"/>
-          </a:p>
-          <a:p>
-            <a:r>
-              <a:rPr lang="en-US" altLang="zh-TW" dirty="0" smtClean="0"/>
-              <a:t>Epoch</a:t>
-            </a:r>
-            <a:r>
-              <a:rPr lang="zh-TW" altLang="en-US" dirty="0" smtClean="0"/>
-              <a:t> 是疊代次數，如果設定 </a:t>
-            </a:r>
-            <a:r>
-              <a:rPr lang="en-US" altLang="zh-TW" dirty="0" smtClean="0"/>
-              <a:t>300</a:t>
-            </a:r>
-            <a:r>
-              <a:rPr lang="zh-TW" altLang="en-US" dirty="0" smtClean="0"/>
-              <a:t>，並且資料量很大時那每次的疊代運性速度就會極差</a:t>
-            </a:r>
-            <a:r>
-              <a:rPr lang="en-US" altLang="zh-TW" dirty="0" smtClean="0"/>
-              <a:t>!</a:t>
-            </a:r>
-          </a:p>
-          <a:p>
-            <a:r>
-              <a:rPr lang="zh-TW" altLang="en-US" dirty="0" smtClean="0"/>
-              <a:t>可以發現預測走勢相當準確，但如果要預估當天價格並不是相當適用。</a:t>
-            </a:r>
-            <a:endParaRPr lang="en-US" altLang="zh-TW" dirty="0" smtClean="0"/>
-          </a:p>
-          <a:p>
-            <a:r>
-              <a:rPr lang="zh-TW" altLang="en-US" dirty="0" smtClean="0"/>
-              <a:t>可以考慮對期貨做波段，或是提取昨天的期貨每 </a:t>
-            </a:r>
-            <a:r>
-              <a:rPr lang="en-US" altLang="zh-TW" dirty="0" smtClean="0"/>
-              <a:t>10s</a:t>
-            </a:r>
-            <a:r>
-              <a:rPr lang="zh-TW" altLang="en-US" dirty="0" smtClean="0"/>
-              <a:t> 的資料進行今日的期貨當天走勢，進行當沖！</a:t>
-            </a:r>
-            <a:endParaRPr lang="en-US" altLang="zh-TW" dirty="0" smtClean="0"/>
-          </a:p>
-          <a:p>
-            <a:r>
-              <a:rPr lang="zh-TW" altLang="en-US" dirty="0" smtClean="0"/>
-              <a:t>只要資料給的好 </a:t>
-            </a:r>
-            <a:r>
-              <a:rPr lang="en-US" altLang="zh-TW" dirty="0" smtClean="0"/>
-              <a:t>Loss</a:t>
-            </a:r>
-            <a:r>
-              <a:rPr lang="zh-TW" altLang="en-US" dirty="0" smtClean="0"/>
-              <a:t> 比例不會大。</a:t>
-            </a:r>
-            <a:endParaRPr lang="en-US" altLang="zh-TW" dirty="0"/>
-          </a:p>
-        </p:txBody>
-      </p:sp>
-    </p:spTree>
-    <p:extLst>
-      <p:ext uri="{BB962C8B-B14F-4D97-AF65-F5344CB8AC3E}">
-        <p14:creationId xmlns:p14="http://schemas.microsoft.com/office/powerpoint/2010/main" val="1452382151"/>
-      </p:ext>
-    </p:extLst>
-  </p:cSld>
-  <p:clrMapOvr>
-    <a:masterClrMapping/>
-  </p:clrMapOvr>
-</p:sld>
-</file>
-
-<file path=ppt/slides/slide8.xml><?xml version="1.0" encoding="utf-8"?>
-<p:sld xmlns:a="http://schemas.openxmlformats.org/drawingml/2006/main" xmlns:r="http://schemas.openxmlformats.org/officeDocument/2006/relationships" xmlns:p="http://schemas.openxmlformats.org/presentationml/2006/main">
-  <p:cSld>
-    <p:spTree>
-      <p:nvGrpSpPr>
-        <p:cNvPr id="1" name=""/>
-        <p:cNvGrpSpPr/>
-        <p:nvPr/>
-      </p:nvGrpSpPr>
-      <p:grpSpPr>
-        <a:xfrm>
-          <a:off x="0" y="0"/>
-          <a:ext cx="0" cy="0"/>
-          <a:chOff x="0" y="0"/>
-          <a:chExt cx="0" cy="0"/>
-        </a:xfrm>
-      </p:grpSpPr>
-      <p:sp>
-        <p:nvSpPr>
-          <p:cNvPr id="2" name="標題 1"/>
-          <p:cNvSpPr>
-            <a:spLocks noGrp="1"/>
-          </p:cNvSpPr>
-          <p:nvPr>
-            <p:ph type="title"/>
-          </p:nvPr>
-        </p:nvSpPr>
-        <p:spPr/>
-        <p:txBody>
-          <a:bodyPr/>
-          <a:lstStyle/>
-          <a:p>
-            <a:r>
-              <a:rPr lang="zh-TW" altLang="en-US" dirty="0"/>
-              <a:t>討論分析</a:t>
-            </a:r>
-          </a:p>
-        </p:txBody>
-      </p:sp>
-      <p:sp>
-        <p:nvSpPr>
-          <p:cNvPr id="3" name="內容版面配置區 2"/>
-          <p:cNvSpPr>
-            <a:spLocks noGrp="1"/>
-          </p:cNvSpPr>
-          <p:nvPr>
-            <p:ph sz="quarter" idx="13"/>
-          </p:nvPr>
-        </p:nvSpPr>
-        <p:spPr/>
-        <p:txBody>
-          <a:bodyPr>
-            <a:normAutofit lnSpcReduction="10000"/>
-          </a:bodyPr>
-          <a:lstStyle/>
-          <a:p>
-            <a:r>
-              <a:rPr lang="zh-TW" altLang="en-US" cap="none" dirty="0" smtClean="0"/>
-              <a:t>有在網路上查找資料，似乎 </a:t>
-            </a:r>
-            <a:r>
-              <a:rPr lang="en-US" altLang="zh-TW" cap="none" dirty="0" smtClean="0"/>
-              <a:t>LSTM</a:t>
-            </a:r>
-            <a:r>
-              <a:rPr lang="zh-TW" altLang="en-US" cap="none" dirty="0" smtClean="0"/>
-              <a:t> 只有在一個參數預測一個參數時，能得出參數結果。</a:t>
-            </a:r>
-            <a:endParaRPr lang="en-US" altLang="zh-TW" cap="none" dirty="0" smtClean="0"/>
-          </a:p>
-          <a:p>
-            <a:r>
-              <a:rPr lang="zh-TW" altLang="en-US" cap="none" dirty="0" smtClean="0"/>
-              <a:t>還沒有在網路上看到有兩參數預測 </a:t>
-            </a:r>
-            <a:r>
-              <a:rPr lang="en-US" altLang="zh-TW" cap="none" dirty="0" smtClean="0"/>
-              <a:t>LSTM</a:t>
-            </a:r>
-            <a:r>
-              <a:rPr lang="zh-TW" altLang="en-US" cap="none" dirty="0" smtClean="0"/>
-              <a:t> 的資料。</a:t>
-            </a:r>
-            <a:endParaRPr lang="en-US" altLang="zh-TW" cap="none" dirty="0" smtClean="0"/>
-          </a:p>
-          <a:p>
-            <a:pPr lvl="1"/>
-            <a:r>
-              <a:rPr lang="zh-TW" altLang="en-US" cap="none" dirty="0" smtClean="0"/>
-              <a:t>如果使用兩參數進行預測，則 </a:t>
-            </a:r>
-            <a:r>
-              <a:rPr lang="en-US" altLang="zh-TW" cap="none" dirty="0" smtClean="0"/>
-              <a:t>dense</a:t>
-            </a:r>
-            <a:r>
-              <a:rPr lang="zh-TW" altLang="en-US" cap="none" dirty="0" smtClean="0"/>
-              <a:t> 中 </a:t>
-            </a:r>
-            <a:r>
-              <a:rPr lang="en-US" altLang="zh-TW" cap="none" dirty="0" err="1" smtClean="0"/>
-              <a:t>return_sequence</a:t>
-            </a:r>
-            <a:r>
-              <a:rPr lang="en-US" altLang="zh-TW" cap="none" dirty="0" smtClean="0"/>
-              <a:t> </a:t>
-            </a:r>
-            <a:r>
-              <a:rPr lang="zh-TW" altLang="en-US" cap="none" dirty="0" smtClean="0"/>
-              <a:t>必須設置為 </a:t>
-            </a:r>
-            <a:r>
-              <a:rPr lang="en-US" altLang="zh-TW" cap="none" dirty="0" smtClean="0"/>
-              <a:t>false</a:t>
-            </a:r>
-          </a:p>
-          <a:p>
-            <a:pPr lvl="1"/>
-            <a:r>
-              <a:rPr lang="zh-TW" altLang="en-US" cap="none" dirty="0" smtClean="0"/>
-              <a:t>如果使用兩參數預測，那我們則沒辦法將數值規一化</a:t>
-            </a:r>
-            <a:endParaRPr lang="en-US" altLang="zh-TW" cap="none" dirty="0" smtClean="0"/>
-          </a:p>
-          <a:p>
-            <a:pPr lvl="1"/>
-            <a:r>
-              <a:rPr lang="zh-TW" altLang="en-US" cap="none" dirty="0" smtClean="0"/>
-              <a:t>一定可以用 </a:t>
-            </a:r>
-            <a:r>
-              <a:rPr lang="en-US" altLang="zh-TW" cap="none" dirty="0" smtClean="0"/>
-              <a:t>LSTM</a:t>
-            </a:r>
-            <a:r>
-              <a:rPr lang="zh-TW" altLang="en-US" cap="none" dirty="0" smtClean="0"/>
-              <a:t> 與兩參數預測，但必須在前面做 </a:t>
-            </a:r>
-            <a:r>
-              <a:rPr lang="en-US" altLang="zh-TW" cap="none" dirty="0" err="1" smtClean="0"/>
-              <a:t>num.reshape</a:t>
-            </a:r>
-            <a:r>
-              <a:rPr lang="en-US" altLang="zh-TW" cap="none" dirty="0" smtClean="0"/>
-              <a:t>()</a:t>
-            </a:r>
-            <a:r>
-              <a:rPr lang="zh-TW" altLang="en-US" cap="none" dirty="0" smtClean="0"/>
-              <a:t>，預測完的資料要如何解讀，也是一大困難點，我想網路上才較少 </a:t>
-            </a:r>
-            <a:r>
-              <a:rPr lang="en-US" altLang="zh-TW" cap="none" dirty="0" smtClean="0"/>
-              <a:t>LSTM</a:t>
-            </a:r>
-            <a:r>
-              <a:rPr lang="zh-TW" altLang="en-US" cap="none" dirty="0" smtClean="0"/>
-              <a:t> 做多 </a:t>
-            </a:r>
-            <a:r>
-              <a:rPr lang="en-US" altLang="zh-TW" cap="none" dirty="0" smtClean="0"/>
-              <a:t>feature</a:t>
-            </a:r>
-            <a:r>
-              <a:rPr lang="zh-TW" altLang="en-US" cap="none" dirty="0" smtClean="0"/>
-              <a:t> 預測。</a:t>
-            </a:r>
-            <a:endParaRPr lang="en-US" altLang="zh-TW" cap="none" dirty="0" smtClean="0"/>
-          </a:p>
-          <a:p>
-            <a:pPr lvl="1"/>
-            <a:endParaRPr lang="en-US" altLang="zh-TW" cap="none" dirty="0" smtClean="0"/>
-          </a:p>
-          <a:p>
-            <a:r>
-              <a:rPr lang="zh-TW" altLang="en-US" cap="none" dirty="0" smtClean="0"/>
-              <a:t>大部分的人會針對參數進行濾波等調整。</a:t>
-            </a:r>
-            <a:endParaRPr lang="en-US" altLang="zh-TW" cap="none" dirty="0" smtClean="0"/>
-          </a:p>
-          <a:p>
-            <a:endParaRPr lang="en-US" altLang="zh-TW" dirty="0" smtClean="0"/>
-          </a:p>
-        </p:txBody>
-      </p:sp>
-    </p:spTree>
-    <p:extLst>
-      <p:ext uri="{BB962C8B-B14F-4D97-AF65-F5344CB8AC3E}">
-        <p14:creationId xmlns:p14="http://schemas.microsoft.com/office/powerpoint/2010/main" val="1954017825"/>
-      </p:ext>
-    </p:extLst>
-  </p:cSld>
-  <p:clrMapOvr>
-    <a:masterClrMapping/>
-  </p:clrMapOvr>
-</p:sld>
-</file>
-
 <file path=ppt/slides/slide9.xml><?xml version="1.0" encoding="utf-8"?>
 <p:sld xmlns:a="http://schemas.openxmlformats.org/drawingml/2006/main" xmlns:r="http://schemas.openxmlformats.org/officeDocument/2006/relationships" xmlns:p="http://schemas.openxmlformats.org/presentationml/2006/main">
   <p:cSld>
@@ -7715,7 +8291,7 @@
           <a:p>
             <a:r>
               <a:rPr lang="zh-TW" altLang="en-US" dirty="0" smtClean="0"/>
-              <a:t>程式執行遇到的困難點</a:t>
+              <a:t>討論分析</a:t>
             </a:r>
             <a:endParaRPr lang="zh-TW" altLang="en-US" dirty="0"/>
           </a:p>
@@ -7733,219 +8309,94 @@
         </p:nvSpPr>
         <p:spPr/>
         <p:txBody>
-          <a:bodyPr/>
+          <a:bodyPr>
+            <a:normAutofit/>
+          </a:bodyPr>
           <a:lstStyle/>
           <a:p>
             <a:r>
-              <a:rPr lang="zh-TW" altLang="en-US" cap="none" dirty="0" smtClean="0">
-                <a:solidFill>
-                  <a:srgbClr val="0070C0"/>
-                </a:solidFill>
-              </a:rPr>
-              <a:t>助教這次給的 </a:t>
-            </a:r>
-            <a:r>
-              <a:rPr lang="en-US" altLang="zh-TW" cap="none" dirty="0" smtClean="0">
-                <a:solidFill>
-                  <a:srgbClr val="0070C0"/>
-                </a:solidFill>
-              </a:rPr>
-              <a:t>code</a:t>
-            </a:r>
-            <a:r>
-              <a:rPr lang="zh-TW" altLang="en-US" cap="none" dirty="0" smtClean="0">
-                <a:solidFill>
-                  <a:srgbClr val="0070C0"/>
-                </a:solidFill>
-              </a:rPr>
-              <a:t>，相當好理解。小組們則是針對助教沒有給的函式去網路上查詢其用意為和。</a:t>
-            </a:r>
-            <a:endParaRPr lang="en-US" altLang="zh-TW" cap="none" dirty="0" smtClean="0">
-              <a:solidFill>
-                <a:srgbClr val="0070C0"/>
-              </a:solidFill>
-            </a:endParaRPr>
-          </a:p>
-          <a:p>
-            <a:r>
-              <a:rPr lang="en-US" altLang="zh-TW" cap="none" dirty="0" smtClean="0"/>
-              <a:t>google </a:t>
-            </a:r>
-            <a:r>
-              <a:rPr lang="en-US" altLang="zh-TW" cap="none" dirty="0" err="1" smtClean="0"/>
-              <a:t>colab</a:t>
-            </a:r>
-            <a:r>
-              <a:rPr lang="en-US" altLang="zh-TW" cap="none" dirty="0" smtClean="0"/>
-              <a:t> </a:t>
-            </a:r>
-            <a:r>
-              <a:rPr lang="zh-TW" altLang="en-US" cap="none" dirty="0" smtClean="0"/>
-              <a:t>再 </a:t>
-            </a:r>
-            <a:r>
-              <a:rPr lang="en-US" altLang="zh-TW" cap="none" dirty="0" err="1" smtClean="0"/>
-              <a:t>dataframe</a:t>
-            </a:r>
-            <a:r>
-              <a:rPr lang="en-US" altLang="zh-TW" cap="none" dirty="0" smtClean="0"/>
-              <a:t> </a:t>
-            </a:r>
-            <a:r>
-              <a:rPr lang="zh-TW" altLang="en-US" cap="none" dirty="0" smtClean="0"/>
-              <a:t>多 </a:t>
-            </a:r>
-            <a:r>
-              <a:rPr lang="en-US" altLang="zh-TW" cap="none" dirty="0" smtClean="0"/>
-              <a:t>columns </a:t>
-            </a:r>
-            <a:r>
-              <a:rPr lang="zh-TW" altLang="en-US" cap="none" dirty="0" smtClean="0"/>
-              <a:t>與 </a:t>
-            </a:r>
-            <a:r>
-              <a:rPr lang="en-US" altLang="zh-TW" cap="none" dirty="0" smtClean="0"/>
-              <a:t>rows </a:t>
-            </a:r>
-            <a:r>
-              <a:rPr lang="zh-TW" altLang="en-US" cap="none" dirty="0" smtClean="0"/>
-              <a:t>會隱藏資訊不是很好</a:t>
-            </a:r>
-            <a:r>
-              <a:rPr lang="en-US" altLang="zh-TW" cap="none" dirty="0" smtClean="0"/>
-              <a:t>…</a:t>
-            </a:r>
-            <a:r>
-              <a:rPr lang="zh-TW" altLang="en-US" cap="none" dirty="0" smtClean="0"/>
-              <a:t>。但是他提供強大運算，超讚的拉！</a:t>
-            </a:r>
-            <a:endParaRPr lang="en-US" altLang="zh-TW" cap="none" dirty="0" smtClean="0"/>
-          </a:p>
-          <a:p>
-            <a:r>
-              <a:rPr lang="en-US" altLang="zh-TW" cap="none" dirty="0" err="1" smtClean="0"/>
-              <a:t>np.reshape</a:t>
-            </a:r>
-            <a:r>
-              <a:rPr lang="en-US" altLang="zh-TW" cap="none" dirty="0" smtClean="0"/>
-              <a:t> </a:t>
-            </a:r>
-            <a:r>
-              <a:rPr lang="zh-TW" altLang="en-US" cap="none" dirty="0" smtClean="0"/>
-              <a:t>中必須放入需要 </a:t>
-            </a:r>
-            <a:r>
-              <a:rPr lang="en-US" altLang="zh-TW" cap="none" dirty="0" smtClean="0"/>
-              <a:t>reshape</a:t>
-            </a:r>
-            <a:r>
-              <a:rPr lang="zh-TW" altLang="en-US" cap="none" dirty="0" smtClean="0"/>
-              <a:t> 的 </a:t>
-            </a:r>
-            <a:r>
-              <a:rPr lang="en-US" altLang="zh-TW" cap="none" dirty="0" err="1" smtClean="0"/>
-              <a:t>np.array</a:t>
-            </a:r>
-            <a:endParaRPr lang="en-US" altLang="zh-TW" cap="none" dirty="0" smtClean="0"/>
-          </a:p>
-          <a:p>
-            <a:r>
-              <a:rPr lang="en-US" altLang="zh-TW" cap="none" dirty="0" smtClean="0"/>
-              <a:t>PY </a:t>
-            </a:r>
-            <a:r>
-              <a:rPr lang="zh-TW" altLang="en-US" cap="none" dirty="0" smtClean="0"/>
-              <a:t>的 </a:t>
-            </a:r>
-            <a:r>
-              <a:rPr lang="en-US" altLang="zh-TW" cap="none" dirty="0" err="1" smtClean="0"/>
-              <a:t>dataframe</a:t>
-            </a:r>
-            <a:r>
-              <a:rPr lang="zh-TW" altLang="en-US" cap="none" dirty="0" smtClean="0"/>
-              <a:t> 與 </a:t>
-            </a:r>
-            <a:r>
-              <a:rPr lang="en-US" altLang="zh-TW" cap="none" dirty="0" smtClean="0"/>
-              <a:t>R</a:t>
-            </a:r>
-            <a:r>
-              <a:rPr lang="zh-TW" altLang="en-US" cap="none" dirty="0" smtClean="0"/>
-              <a:t> 的 </a:t>
-            </a:r>
-            <a:r>
-              <a:rPr lang="en-US" altLang="zh-TW" cap="none" dirty="0" err="1" smtClean="0"/>
-              <a:t>dataframe</a:t>
-            </a:r>
-            <a:r>
-              <a:rPr lang="zh-TW" altLang="en-US" cap="none" dirty="0" smtClean="0"/>
-              <a:t> 格式不同。</a:t>
-            </a:r>
-            <a:r>
-              <a:rPr lang="en-US" altLang="zh-TW" cap="none" dirty="0" smtClean="0"/>
-              <a:t/>
-            </a:r>
-            <a:br>
-              <a:rPr lang="en-US" altLang="zh-TW" cap="none" dirty="0" smtClean="0"/>
-            </a:br>
-            <a:r>
-              <a:rPr lang="zh-TW" altLang="en-US" cap="none" dirty="0" smtClean="0"/>
-              <a:t>我一開始在寫時，常常腦袋轉不過來。</a:t>
-            </a:r>
-            <a:endParaRPr lang="en-US" altLang="zh-TW" cap="none" dirty="0" smtClean="0"/>
-          </a:p>
-          <a:p>
-            <a:endParaRPr lang="en-US" altLang="zh-TW" cap="none" dirty="0" smtClean="0"/>
-          </a:p>
-        </p:txBody>
-      </p:sp>
-      <p:pic>
-        <p:nvPicPr>
-          <p:cNvPr id="5" name="圖片 4"/>
-          <p:cNvPicPr>
-            <a:picLocks noChangeAspect="1"/>
-          </p:cNvPicPr>
-          <p:nvPr/>
-        </p:nvPicPr>
-        <p:blipFill rotWithShape="1">
-          <a:blip r:embed="rId2">
-            <a:extLst>
-              <a:ext uri="{28A0092B-C50C-407E-A947-70E740481C1C}">
-                <a14:useLocalDpi xmlns:a14="http://schemas.microsoft.com/office/drawing/2010/main" val="0"/>
-              </a:ext>
-            </a:extLst>
-          </a:blip>
-          <a:srcRect t="40497" r="29212"/>
-          <a:stretch/>
-        </p:blipFill>
-        <p:spPr>
-          <a:xfrm>
-            <a:off x="7578797" y="3727938"/>
-            <a:ext cx="3171774" cy="2330799"/>
-          </a:xfrm>
-          <a:prstGeom prst="rect">
-            <a:avLst/>
-          </a:prstGeom>
-          <a:ln w="38100" cap="sq">
-            <a:solidFill>
-              <a:srgbClr val="000000"/>
-            </a:solidFill>
-            <a:prstDash val="solid"/>
-            <a:miter lim="800000"/>
-          </a:ln>
-          <a:effectLst>
-            <a:outerShdw blurRad="50800" dist="38100" dir="2700000" algn="tl" rotWithShape="0">
-              <a:srgbClr val="000000">
-                <a:alpha val="43000"/>
-              </a:srgbClr>
-            </a:outerShdw>
-          </a:effectLst>
-        </p:spPr>
-      </p:pic>
+              <a:rPr lang="en-US" altLang="zh-TW" dirty="0" smtClean="0"/>
+              <a:t>LSTM</a:t>
+            </a:r>
+            <a:r>
+              <a:rPr lang="zh-TW" altLang="en-US" dirty="0" smtClean="0"/>
+              <a:t> 花的時間比起 </a:t>
+            </a:r>
+            <a:r>
+              <a:rPr lang="en-US" altLang="zh-TW" dirty="0" smtClean="0"/>
+              <a:t>YOLO</a:t>
+            </a:r>
+            <a:r>
+              <a:rPr lang="zh-TW" altLang="en-US" dirty="0" smtClean="0"/>
+              <a:t> 快上許多，也許可以嘗試在效能好的電腦上運行。</a:t>
+            </a:r>
+            <a:endParaRPr lang="en-US" altLang="zh-TW" dirty="0" smtClean="0"/>
+          </a:p>
+          <a:p>
+            <a:r>
+              <a:rPr lang="en-US" altLang="zh-TW" dirty="0" smtClean="0"/>
+              <a:t>Epoch</a:t>
+            </a:r>
+            <a:r>
+              <a:rPr lang="zh-TW" altLang="en-US" dirty="0" smtClean="0"/>
+              <a:t> 是疊代次數，如果設定 </a:t>
+            </a:r>
+            <a:r>
+              <a:rPr lang="en-US" altLang="zh-TW" dirty="0" smtClean="0"/>
+              <a:t>300</a:t>
+            </a:r>
+            <a:r>
+              <a:rPr lang="zh-TW" altLang="en-US" dirty="0" smtClean="0"/>
+              <a:t>，並且資料量很大時那每次的疊代運性速度就會極差</a:t>
+            </a:r>
+            <a:r>
+              <a:rPr lang="en-US" altLang="zh-TW" dirty="0" smtClean="0"/>
+              <a:t>!</a:t>
+            </a:r>
+          </a:p>
+          <a:p>
+            <a:r>
+              <a:rPr lang="zh-TW" altLang="en-US" dirty="0" smtClean="0"/>
+              <a:t>可以發現預測走勢相當準確，但如果要預估當天價格並不是相當適用。</a:t>
+            </a:r>
+            <a:endParaRPr lang="en-US" altLang="zh-TW" dirty="0" smtClean="0"/>
+          </a:p>
+          <a:p>
+            <a:r>
+              <a:rPr lang="zh-TW" altLang="en-US" dirty="0" smtClean="0"/>
+              <a:t>可以考慮對期貨做波段，或是提取昨天的期貨每 </a:t>
+            </a:r>
+            <a:r>
+              <a:rPr lang="en-US" altLang="zh-TW" dirty="0" smtClean="0"/>
+              <a:t>10s</a:t>
+            </a:r>
+            <a:r>
+              <a:rPr lang="zh-TW" altLang="en-US" dirty="0" smtClean="0"/>
+              <a:t> 的資料進行今日的期貨當天走勢，進行當沖！</a:t>
+            </a:r>
+            <a:endParaRPr lang="en-US" altLang="zh-TW" dirty="0" smtClean="0"/>
+          </a:p>
+          <a:p>
+            <a:r>
+              <a:rPr lang="zh-TW" altLang="en-US" dirty="0" smtClean="0"/>
+              <a:t>只要資料給的好 </a:t>
+            </a:r>
+            <a:r>
+              <a:rPr lang="en-US" altLang="zh-TW" dirty="0" smtClean="0"/>
+              <a:t>Loss</a:t>
+            </a:r>
+            <a:r>
+              <a:rPr lang="zh-TW" altLang="en-US" dirty="0" smtClean="0"/>
+              <a:t> 比例不會大。</a:t>
+            </a:r>
+            <a:endParaRPr lang="en-US" altLang="zh-TW" dirty="0"/>
+          </a:p>
+        </p:txBody>
+      </p:sp>
     </p:spTree>
     <p:extLst>
       <p:ext uri="{BB962C8B-B14F-4D97-AF65-F5344CB8AC3E}">
-        <p14:creationId xmlns:p14="http://schemas.microsoft.com/office/powerpoint/2010/main" val="3741302329"/>
+        <p14:creationId xmlns:p14="http://schemas.microsoft.com/office/powerpoint/2010/main" val="1452382151"/>
       </p:ext>
     </p:extLst>
   </p:cSld>

--- a/hw08/Project8_第32組_小組報告/report/Project8_第32組.pptx
+++ b/hw08/Project8_第32組_小組報告/report/Project8_第32組.pptx
@@ -9,14 +9,12 @@
     <p:sldId id="257" r:id="rId3"/>
     <p:sldId id="260" r:id="rId4"/>
     <p:sldId id="266" r:id="rId5"/>
-    <p:sldId id="258" r:id="rId6"/>
-    <p:sldId id="259" r:id="rId7"/>
-    <p:sldId id="267" r:id="rId8"/>
-    <p:sldId id="261" r:id="rId9"/>
-    <p:sldId id="262" r:id="rId10"/>
-    <p:sldId id="264" r:id="rId11"/>
-    <p:sldId id="263" r:id="rId12"/>
-    <p:sldId id="265" r:id="rId13"/>
+    <p:sldId id="267" r:id="rId6"/>
+    <p:sldId id="261" r:id="rId7"/>
+    <p:sldId id="262" r:id="rId8"/>
+    <p:sldId id="264" r:id="rId9"/>
+    <p:sldId id="263" r:id="rId10"/>
+    <p:sldId id="265" r:id="rId11"/>
   </p:sldIdLst>
   <p:sldSz cx="12192000" cy="6858000"/>
   <p:notesSz cx="6858000" cy="9144000"/>
@@ -205,7 +203,7 @@
           </a:lstStyle>
           <a:p>
             <a:r>
-              <a:rPr lang="zh-TW" altLang="en-US" dirty="0" smtClean="0"/>
+              <a:rPr lang="zh-TW" altLang="en-US" dirty="0"/>
               <a:t>按一下以編輯母片標題樣式</a:t>
             </a:r>
             <a:endParaRPr lang="en-US" dirty="0"/>
@@ -280,7 +278,7 @@
           </a:lstStyle>
           <a:p>
             <a:r>
-              <a:rPr lang="zh-TW" altLang="en-US" dirty="0" smtClean="0"/>
+              <a:rPr lang="zh-TW" altLang="en-US" dirty="0"/>
               <a:t>按一下以編輯母片副標題樣式</a:t>
             </a:r>
             <a:endParaRPr lang="en-US" dirty="0"/>
@@ -304,7 +302,7 @@
           <a:p>
             <a:fld id="{D052EB52-3696-4F50-A971-56FCD4C44B1B}" type="datetimeFigureOut">
               <a:rPr lang="zh-TW" altLang="en-US" smtClean="0"/>
-              <a:t>2021/6/1</a:t>
+              <a:t>2021/6/2</a:t>
             </a:fld>
             <a:endParaRPr lang="zh-TW" altLang="en-US"/>
           </a:p>
@@ -362,13 +360,6 @@
   <p:clrMapOvr>
     <a:masterClrMapping/>
   </p:clrMapOvr>
-  <p:timing>
-    <p:tnLst>
-      <p:par>
-        <p:cTn id="1" dur="indefinite" restart="never" nodeType="tmRoot"/>
-      </p:par>
-    </p:tnLst>
-  </p:timing>
 </p:sldLayout>
 </file>
 
@@ -444,7 +435,7 @@
           </a:lstStyle>
           <a:p>
             <a:r>
-              <a:rPr lang="zh-TW" altLang="en-US" smtClean="0"/>
+              <a:rPr lang="zh-TW" altLang="en-US"/>
               <a:t>按一下以編輯母片標題樣式</a:t>
             </a:r>
             <a:endParaRPr lang="en-US" dirty="0"/>
@@ -534,7 +525,7 @@
           </a:lstStyle>
           <a:p>
             <a:r>
-              <a:rPr lang="zh-TW" altLang="en-US" smtClean="0"/>
+              <a:rPr lang="zh-TW" altLang="en-US"/>
               <a:t>按一下圖示以新增圖片</a:t>
             </a:r>
             <a:endParaRPr lang="en-US" dirty="0"/>
@@ -600,7 +591,7 @@
           <a:p>
             <a:pPr lvl="0"/>
             <a:r>
-              <a:rPr lang="zh-TW" altLang="en-US" smtClean="0"/>
+              <a:rPr lang="zh-TW" altLang="en-US"/>
               <a:t>編輯母片文字樣式</a:t>
             </a:r>
           </a:p>
@@ -623,7 +614,7 @@
           <a:p>
             <a:fld id="{D052EB52-3696-4F50-A971-56FCD4C44B1B}" type="datetimeFigureOut">
               <a:rPr lang="zh-TW" altLang="en-US" smtClean="0"/>
-              <a:t>2021/6/1</a:t>
+              <a:t>2021/6/2</a:t>
             </a:fld>
             <a:endParaRPr lang="zh-TW" altLang="en-US"/>
           </a:p>
@@ -756,7 +747,7 @@
           </a:lstStyle>
           <a:p>
             <a:r>
-              <a:rPr lang="zh-TW" altLang="en-US" smtClean="0"/>
+              <a:rPr lang="zh-TW" altLang="en-US"/>
               <a:t>按一下以編輯母片標題樣式</a:t>
             </a:r>
             <a:endParaRPr lang="en-US" dirty="0"/>
@@ -822,7 +813,7 @@
           <a:p>
             <a:pPr lvl="0"/>
             <a:r>
-              <a:rPr lang="zh-TW" altLang="en-US" smtClean="0"/>
+              <a:rPr lang="zh-TW" altLang="en-US"/>
               <a:t>編輯母片文字樣式</a:t>
             </a:r>
           </a:p>
@@ -845,7 +836,7 @@
           <a:p>
             <a:fld id="{D052EB52-3696-4F50-A971-56FCD4C44B1B}" type="datetimeFigureOut">
               <a:rPr lang="zh-TW" altLang="en-US" smtClean="0"/>
-              <a:t>2021/6/1</a:t>
+              <a:t>2021/6/2</a:t>
             </a:fld>
             <a:endParaRPr lang="zh-TW" altLang="en-US"/>
           </a:p>
@@ -978,7 +969,7 @@
           </a:lstStyle>
           <a:p>
             <a:r>
-              <a:rPr lang="zh-TW" altLang="en-US" smtClean="0"/>
+              <a:rPr lang="zh-TW" altLang="en-US"/>
               <a:t>按一下以編輯母片標題樣式</a:t>
             </a:r>
             <a:endParaRPr lang="en-US" dirty="0"/>
@@ -1046,7 +1037,7 @@
           <a:p>
             <a:pPr lvl="0"/>
             <a:r>
-              <a:rPr lang="zh-TW" altLang="en-US" smtClean="0"/>
+              <a:rPr lang="zh-TW" altLang="en-US"/>
               <a:t>編輯母片文字樣式</a:t>
             </a:r>
           </a:p>
@@ -1113,7 +1104,7 @@
           <a:p>
             <a:pPr lvl="0"/>
             <a:r>
-              <a:rPr lang="zh-TW" altLang="en-US" smtClean="0"/>
+              <a:rPr lang="zh-TW" altLang="en-US"/>
               <a:t>編輯母片文字樣式</a:t>
             </a:r>
           </a:p>
@@ -1136,7 +1127,7 @@
           <a:p>
             <a:fld id="{D052EB52-3696-4F50-A971-56FCD4C44B1B}" type="datetimeFigureOut">
               <a:rPr lang="zh-TW" altLang="en-US" smtClean="0"/>
-              <a:t>2021/6/1</a:t>
+              <a:t>2021/6/2</a:t>
             </a:fld>
             <a:endParaRPr lang="zh-TW" altLang="en-US"/>
           </a:p>
@@ -1501,7 +1492,7 @@
           </a:lstStyle>
           <a:p>
             <a:r>
-              <a:rPr lang="zh-TW" altLang="en-US" smtClean="0"/>
+              <a:rPr lang="zh-TW" altLang="en-US"/>
               <a:t>按一下以編輯母片標題樣式</a:t>
             </a:r>
             <a:endParaRPr lang="en-US" dirty="0"/>
@@ -1567,7 +1558,7 @@
           <a:p>
             <a:pPr lvl="0"/>
             <a:r>
-              <a:rPr lang="zh-TW" altLang="en-US" smtClean="0"/>
+              <a:rPr lang="zh-TW" altLang="en-US"/>
               <a:t>編輯母片文字樣式</a:t>
             </a:r>
           </a:p>
@@ -1590,7 +1581,7 @@
           <a:p>
             <a:fld id="{D052EB52-3696-4F50-A971-56FCD4C44B1B}" type="datetimeFigureOut">
               <a:rPr lang="zh-TW" altLang="en-US" smtClean="0"/>
-              <a:t>2021/6/1</a:t>
+              <a:t>2021/6/2</a:t>
             </a:fld>
             <a:endParaRPr lang="zh-TW" altLang="en-US"/>
           </a:p>
@@ -1719,7 +1710,7 @@
           <a:lstStyle/>
           <a:p>
             <a:r>
-              <a:rPr lang="zh-TW" altLang="en-US" smtClean="0"/>
+              <a:rPr lang="zh-TW" altLang="en-US"/>
               <a:t>按一下以編輯母片標題樣式</a:t>
             </a:r>
             <a:endParaRPr lang="en-US" dirty="0"/>
@@ -1794,7 +1785,7 @@
           <a:p>
             <a:pPr lvl="0"/>
             <a:r>
-              <a:rPr lang="zh-TW" altLang="en-US" smtClean="0"/>
+              <a:rPr lang="zh-TW" altLang="en-US"/>
               <a:t>編輯母片文字樣式</a:t>
             </a:r>
           </a:p>
@@ -1861,7 +1852,7 @@
           <a:p>
             <a:pPr lvl="0"/>
             <a:r>
-              <a:rPr lang="zh-TW" altLang="en-US" smtClean="0"/>
+              <a:rPr lang="zh-TW" altLang="en-US"/>
               <a:t>編輯母片文字樣式</a:t>
             </a:r>
           </a:p>
@@ -1935,7 +1926,7 @@
           <a:p>
             <a:pPr lvl="0"/>
             <a:r>
-              <a:rPr lang="zh-TW" altLang="en-US" smtClean="0"/>
+              <a:rPr lang="zh-TW" altLang="en-US"/>
               <a:t>編輯母片文字樣式</a:t>
             </a:r>
           </a:p>
@@ -2002,7 +1993,7 @@
           <a:p>
             <a:pPr lvl="0"/>
             <a:r>
-              <a:rPr lang="zh-TW" altLang="en-US" smtClean="0"/>
+              <a:rPr lang="zh-TW" altLang="en-US"/>
               <a:t>編輯母片文字樣式</a:t>
             </a:r>
           </a:p>
@@ -2076,7 +2067,7 @@
           <a:p>
             <a:pPr lvl="0"/>
             <a:r>
-              <a:rPr lang="zh-TW" altLang="en-US" smtClean="0"/>
+              <a:rPr lang="zh-TW" altLang="en-US"/>
               <a:t>編輯母片文字樣式</a:t>
             </a:r>
           </a:p>
@@ -2143,7 +2134,7 @@
           <a:p>
             <a:pPr lvl="0"/>
             <a:r>
-              <a:rPr lang="zh-TW" altLang="en-US" smtClean="0"/>
+              <a:rPr lang="zh-TW" altLang="en-US"/>
               <a:t>編輯母片文字樣式</a:t>
             </a:r>
           </a:p>
@@ -2166,7 +2157,7 @@
           <a:p>
             <a:fld id="{D052EB52-3696-4F50-A971-56FCD4C44B1B}" type="datetimeFigureOut">
               <a:rPr lang="zh-TW" altLang="en-US" smtClean="0"/>
-              <a:t>2021/6/1</a:t>
+              <a:t>2021/6/2</a:t>
             </a:fld>
             <a:endParaRPr lang="zh-TW" altLang="en-US"/>
           </a:p>
@@ -2295,7 +2286,7 @@
           <a:lstStyle/>
           <a:p>
             <a:r>
-              <a:rPr lang="zh-TW" altLang="en-US" smtClean="0"/>
+              <a:rPr lang="zh-TW" altLang="en-US"/>
               <a:t>按一下以編輯母片標題樣式</a:t>
             </a:r>
             <a:endParaRPr lang="en-US" dirty="0"/>
@@ -2370,7 +2361,7 @@
           <a:p>
             <a:pPr lvl="0"/>
             <a:r>
-              <a:rPr lang="zh-TW" altLang="en-US" smtClean="0"/>
+              <a:rPr lang="zh-TW" altLang="en-US"/>
               <a:t>編輯母片文字樣式</a:t>
             </a:r>
           </a:p>
@@ -2461,7 +2452,7 @@
           </a:lstStyle>
           <a:p>
             <a:r>
-              <a:rPr lang="zh-TW" altLang="en-US" smtClean="0"/>
+              <a:rPr lang="zh-TW" altLang="en-US"/>
               <a:t>按一下圖示以新增圖片</a:t>
             </a:r>
             <a:endParaRPr lang="en-US" dirty="0"/>
@@ -2529,7 +2520,7 @@
           <a:p>
             <a:pPr lvl="0"/>
             <a:r>
-              <a:rPr lang="zh-TW" altLang="en-US" smtClean="0"/>
+              <a:rPr lang="zh-TW" altLang="en-US"/>
               <a:t>編輯母片文字樣式</a:t>
             </a:r>
           </a:p>
@@ -2603,7 +2594,7 @@
           <a:p>
             <a:pPr lvl="0"/>
             <a:r>
-              <a:rPr lang="zh-TW" altLang="en-US" smtClean="0"/>
+              <a:rPr lang="zh-TW" altLang="en-US"/>
               <a:t>編輯母片文字樣式</a:t>
             </a:r>
           </a:p>
@@ -2694,7 +2685,7 @@
           </a:lstStyle>
           <a:p>
             <a:r>
-              <a:rPr lang="zh-TW" altLang="en-US" smtClean="0"/>
+              <a:rPr lang="zh-TW" altLang="en-US"/>
               <a:t>按一下圖示以新增圖片</a:t>
             </a:r>
             <a:endParaRPr lang="en-US" dirty="0"/>
@@ -2762,7 +2753,7 @@
           <a:p>
             <a:pPr lvl="0"/>
             <a:r>
-              <a:rPr lang="zh-TW" altLang="en-US" smtClean="0"/>
+              <a:rPr lang="zh-TW" altLang="en-US"/>
               <a:t>編輯母片文字樣式</a:t>
             </a:r>
           </a:p>
@@ -2836,7 +2827,7 @@
           <a:p>
             <a:pPr lvl="0"/>
             <a:r>
-              <a:rPr lang="zh-TW" altLang="en-US" smtClean="0"/>
+              <a:rPr lang="zh-TW" altLang="en-US"/>
               <a:t>編輯母片文字樣式</a:t>
             </a:r>
           </a:p>
@@ -2927,7 +2918,7 @@
           </a:lstStyle>
           <a:p>
             <a:r>
-              <a:rPr lang="zh-TW" altLang="en-US" smtClean="0"/>
+              <a:rPr lang="zh-TW" altLang="en-US"/>
               <a:t>按一下圖示以新增圖片</a:t>
             </a:r>
             <a:endParaRPr lang="en-US" dirty="0"/>
@@ -2995,7 +2986,7 @@
           <a:p>
             <a:pPr lvl="0"/>
             <a:r>
-              <a:rPr lang="zh-TW" altLang="en-US" smtClean="0"/>
+              <a:rPr lang="zh-TW" altLang="en-US"/>
               <a:t>編輯母片文字樣式</a:t>
             </a:r>
           </a:p>
@@ -3018,7 +3009,7 @@
           <a:p>
             <a:fld id="{D052EB52-3696-4F50-A971-56FCD4C44B1B}" type="datetimeFigureOut">
               <a:rPr lang="zh-TW" altLang="en-US" smtClean="0"/>
-              <a:t>2021/6/1</a:t>
+              <a:t>2021/6/2</a:t>
             </a:fld>
             <a:endParaRPr lang="zh-TW" altLang="en-US"/>
           </a:p>
@@ -3142,7 +3133,7 @@
           <a:lstStyle/>
           <a:p>
             <a:r>
-              <a:rPr lang="zh-TW" altLang="en-US" smtClean="0"/>
+              <a:rPr lang="zh-TW" altLang="en-US"/>
               <a:t>按一下以編輯母片標題樣式</a:t>
             </a:r>
             <a:endParaRPr lang="en-US" dirty="0"/>
@@ -3171,35 +3162,35 @@
           <a:p>
             <a:pPr lvl="0"/>
             <a:r>
-              <a:rPr lang="zh-TW" altLang="en-US" smtClean="0"/>
+              <a:rPr lang="zh-TW" altLang="en-US"/>
               <a:t>編輯母片文字樣式</a:t>
             </a:r>
           </a:p>
           <a:p>
             <a:pPr lvl="1"/>
             <a:r>
-              <a:rPr lang="zh-TW" altLang="en-US" smtClean="0"/>
+              <a:rPr lang="zh-TW" altLang="en-US"/>
               <a:t>第二層</a:t>
             </a:r>
           </a:p>
           <a:p>
             <a:pPr lvl="2"/>
             <a:r>
-              <a:rPr lang="zh-TW" altLang="en-US" smtClean="0"/>
+              <a:rPr lang="zh-TW" altLang="en-US"/>
               <a:t>第三層</a:t>
             </a:r>
           </a:p>
           <a:p>
             <a:pPr lvl="3"/>
             <a:r>
-              <a:rPr lang="zh-TW" altLang="en-US" smtClean="0"/>
+              <a:rPr lang="zh-TW" altLang="en-US"/>
               <a:t>第四層</a:t>
             </a:r>
           </a:p>
           <a:p>
             <a:pPr lvl="4"/>
             <a:r>
-              <a:rPr lang="zh-TW" altLang="en-US" smtClean="0"/>
+              <a:rPr lang="zh-TW" altLang="en-US"/>
               <a:t>第五層</a:t>
             </a:r>
             <a:endParaRPr lang="en-US" dirty="0"/>
@@ -3223,7 +3214,7 @@
           <a:p>
             <a:fld id="{D052EB52-3696-4F50-A971-56FCD4C44B1B}" type="datetimeFigureOut">
               <a:rPr lang="zh-TW" altLang="en-US" smtClean="0"/>
-              <a:t>2021/6/1</a:t>
+              <a:t>2021/6/2</a:t>
             </a:fld>
             <a:endParaRPr lang="zh-TW" altLang="en-US"/>
           </a:p>
@@ -3356,7 +3347,7 @@
           </a:lstStyle>
           <a:p>
             <a:r>
-              <a:rPr lang="zh-TW" altLang="en-US" smtClean="0"/>
+              <a:rPr lang="zh-TW" altLang="en-US"/>
               <a:t>按一下以編輯母片標題樣式</a:t>
             </a:r>
             <a:endParaRPr lang="en-US" dirty="0"/>
@@ -3385,35 +3376,35 @@
           <a:p>
             <a:pPr lvl="0"/>
             <a:r>
-              <a:rPr lang="zh-TW" altLang="en-US" smtClean="0"/>
+              <a:rPr lang="zh-TW" altLang="en-US"/>
               <a:t>編輯母片文字樣式</a:t>
             </a:r>
           </a:p>
           <a:p>
             <a:pPr lvl="1"/>
             <a:r>
-              <a:rPr lang="zh-TW" altLang="en-US" smtClean="0"/>
+              <a:rPr lang="zh-TW" altLang="en-US"/>
               <a:t>第二層</a:t>
             </a:r>
           </a:p>
           <a:p>
             <a:pPr lvl="2"/>
             <a:r>
-              <a:rPr lang="zh-TW" altLang="en-US" smtClean="0"/>
+              <a:rPr lang="zh-TW" altLang="en-US"/>
               <a:t>第三層</a:t>
             </a:r>
           </a:p>
           <a:p>
             <a:pPr lvl="3"/>
             <a:r>
-              <a:rPr lang="zh-TW" altLang="en-US" smtClean="0"/>
+              <a:rPr lang="zh-TW" altLang="en-US"/>
               <a:t>第四層</a:t>
             </a:r>
           </a:p>
           <a:p>
             <a:pPr lvl="4"/>
             <a:r>
-              <a:rPr lang="zh-TW" altLang="en-US" smtClean="0"/>
+              <a:rPr lang="zh-TW" altLang="en-US"/>
               <a:t>第五層</a:t>
             </a:r>
             <a:endParaRPr lang="en-US" dirty="0"/>
@@ -3437,7 +3428,7 @@
           <a:p>
             <a:fld id="{D052EB52-3696-4F50-A971-56FCD4C44B1B}" type="datetimeFigureOut">
               <a:rPr lang="zh-TW" altLang="en-US" smtClean="0"/>
-              <a:t>2021/6/1</a:t>
+              <a:t>2021/6/2</a:t>
             </a:fld>
             <a:endParaRPr lang="zh-TW" altLang="en-US"/>
           </a:p>
@@ -3573,7 +3564,7 @@
           </a:lstStyle>
           <a:p>
             <a:r>
-              <a:rPr lang="zh-TW" altLang="en-US" dirty="0" smtClean="0"/>
+              <a:rPr lang="zh-TW" altLang="en-US" dirty="0"/>
               <a:t>按一下以編輯母片標題樣式</a:t>
             </a:r>
             <a:endParaRPr lang="en-US" dirty="0"/>
@@ -3660,35 +3651,35 @@
           <a:p>
             <a:pPr lvl="0"/>
             <a:r>
-              <a:rPr lang="zh-TW" altLang="en-US" dirty="0" smtClean="0"/>
+              <a:rPr lang="zh-TW" altLang="en-US" dirty="0"/>
               <a:t>編輯母片文字樣式</a:t>
             </a:r>
           </a:p>
           <a:p>
             <a:pPr lvl="1"/>
             <a:r>
-              <a:rPr lang="zh-TW" altLang="en-US" dirty="0" smtClean="0"/>
+              <a:rPr lang="zh-TW" altLang="en-US" dirty="0"/>
               <a:t>第二層</a:t>
             </a:r>
           </a:p>
           <a:p>
             <a:pPr lvl="2"/>
             <a:r>
-              <a:rPr lang="zh-TW" altLang="en-US" dirty="0" smtClean="0"/>
+              <a:rPr lang="zh-TW" altLang="en-US" dirty="0"/>
               <a:t>第三層</a:t>
             </a:r>
           </a:p>
           <a:p>
             <a:pPr lvl="3"/>
             <a:r>
-              <a:rPr lang="zh-TW" altLang="en-US" dirty="0" smtClean="0"/>
+              <a:rPr lang="zh-TW" altLang="en-US" dirty="0"/>
               <a:t>第四層</a:t>
             </a:r>
           </a:p>
           <a:p>
             <a:pPr lvl="4"/>
             <a:r>
-              <a:rPr lang="zh-TW" altLang="en-US" dirty="0" smtClean="0"/>
+              <a:rPr lang="zh-TW" altLang="en-US" dirty="0"/>
               <a:t>第五層</a:t>
             </a:r>
             <a:endParaRPr lang="en-US" dirty="0"/>
@@ -3712,7 +3703,7 @@
           <a:p>
             <a:fld id="{D052EB52-3696-4F50-A971-56FCD4C44B1B}" type="datetimeFigureOut">
               <a:rPr lang="zh-TW" altLang="en-US" smtClean="0"/>
-              <a:t>2021/6/1</a:t>
+              <a:t>2021/6/2</a:t>
             </a:fld>
             <a:endParaRPr lang="zh-TW" altLang="en-US"/>
           </a:p>
@@ -3770,13 +3761,6 @@
   <p:clrMapOvr>
     <a:masterClrMapping/>
   </p:clrMapOvr>
-  <p:timing>
-    <p:tnLst>
-      <p:par>
-        <p:cTn id="1" dur="indefinite" restart="never" nodeType="tmRoot"/>
-      </p:par>
-    </p:tnLst>
-  </p:timing>
 </p:sldLayout>
 </file>
 
@@ -3854,7 +3838,7 @@
           </a:lstStyle>
           <a:p>
             <a:r>
-              <a:rPr lang="zh-TW" altLang="en-US" smtClean="0"/>
+              <a:rPr lang="zh-TW" altLang="en-US"/>
               <a:t>按一下以編輯母片標題樣式</a:t>
             </a:r>
             <a:endParaRPr lang="en-US" dirty="0"/>
@@ -3976,7 +3960,7 @@
           <a:p>
             <a:pPr lvl="0"/>
             <a:r>
-              <a:rPr lang="zh-TW" altLang="en-US" smtClean="0"/>
+              <a:rPr lang="zh-TW" altLang="en-US"/>
               <a:t>編輯母片文字樣式</a:t>
             </a:r>
           </a:p>
@@ -3999,7 +3983,7 @@
           <a:p>
             <a:fld id="{D052EB52-3696-4F50-A971-56FCD4C44B1B}" type="datetimeFigureOut">
               <a:rPr lang="zh-TW" altLang="en-US" smtClean="0"/>
-              <a:t>2021/6/1</a:t>
+              <a:t>2021/6/2</a:t>
             </a:fld>
             <a:endParaRPr lang="zh-TW" altLang="en-US"/>
           </a:p>
@@ -4128,7 +4112,7 @@
           <a:lstStyle/>
           <a:p>
             <a:r>
-              <a:rPr lang="zh-TW" altLang="en-US" smtClean="0"/>
+              <a:rPr lang="zh-TW" altLang="en-US"/>
               <a:t>按一下以編輯母片標題樣式</a:t>
             </a:r>
             <a:endParaRPr lang="en-US" dirty="0"/>
@@ -4157,35 +4141,35 @@
           <a:p>
             <a:pPr lvl="0"/>
             <a:r>
-              <a:rPr lang="zh-TW" altLang="en-US" smtClean="0"/>
+              <a:rPr lang="zh-TW" altLang="en-US"/>
               <a:t>編輯母片文字樣式</a:t>
             </a:r>
           </a:p>
           <a:p>
             <a:pPr lvl="1"/>
             <a:r>
-              <a:rPr lang="zh-TW" altLang="en-US" smtClean="0"/>
+              <a:rPr lang="zh-TW" altLang="en-US"/>
               <a:t>第二層</a:t>
             </a:r>
           </a:p>
           <a:p>
             <a:pPr lvl="2"/>
             <a:r>
-              <a:rPr lang="zh-TW" altLang="en-US" smtClean="0"/>
+              <a:rPr lang="zh-TW" altLang="en-US"/>
               <a:t>第三層</a:t>
             </a:r>
           </a:p>
           <a:p>
             <a:pPr lvl="3"/>
             <a:r>
-              <a:rPr lang="zh-TW" altLang="en-US" smtClean="0"/>
+              <a:rPr lang="zh-TW" altLang="en-US"/>
               <a:t>第四層</a:t>
             </a:r>
           </a:p>
           <a:p>
             <a:pPr lvl="4"/>
             <a:r>
-              <a:rPr lang="zh-TW" altLang="en-US" smtClean="0"/>
+              <a:rPr lang="zh-TW" altLang="en-US"/>
               <a:t>第五層</a:t>
             </a:r>
             <a:endParaRPr lang="en-US" dirty="0"/>
@@ -4214,35 +4198,35 @@
           <a:p>
             <a:pPr lvl="0"/>
             <a:r>
-              <a:rPr lang="zh-TW" altLang="en-US" smtClean="0"/>
+              <a:rPr lang="zh-TW" altLang="en-US"/>
               <a:t>編輯母片文字樣式</a:t>
             </a:r>
           </a:p>
           <a:p>
             <a:pPr lvl="1"/>
             <a:r>
-              <a:rPr lang="zh-TW" altLang="en-US" smtClean="0"/>
+              <a:rPr lang="zh-TW" altLang="en-US"/>
               <a:t>第二層</a:t>
             </a:r>
           </a:p>
           <a:p>
             <a:pPr lvl="2"/>
             <a:r>
-              <a:rPr lang="zh-TW" altLang="en-US" smtClean="0"/>
+              <a:rPr lang="zh-TW" altLang="en-US"/>
               <a:t>第三層</a:t>
             </a:r>
           </a:p>
           <a:p>
             <a:pPr lvl="3"/>
             <a:r>
-              <a:rPr lang="zh-TW" altLang="en-US" smtClean="0"/>
+              <a:rPr lang="zh-TW" altLang="en-US"/>
               <a:t>第四層</a:t>
             </a:r>
           </a:p>
           <a:p>
             <a:pPr lvl="4"/>
             <a:r>
-              <a:rPr lang="zh-TW" altLang="en-US" smtClean="0"/>
+              <a:rPr lang="zh-TW" altLang="en-US"/>
               <a:t>第五層</a:t>
             </a:r>
             <a:endParaRPr lang="en-US" dirty="0"/>
@@ -4266,7 +4250,7 @@
           <a:p>
             <a:fld id="{D052EB52-3696-4F50-A971-56FCD4C44B1B}" type="datetimeFigureOut">
               <a:rPr lang="zh-TW" altLang="en-US" smtClean="0"/>
-              <a:t>2021/6/1</a:t>
+              <a:t>2021/6/2</a:t>
             </a:fld>
             <a:endParaRPr lang="zh-TW" altLang="en-US"/>
           </a:p>
@@ -4395,7 +4379,7 @@
           <a:lstStyle/>
           <a:p>
             <a:r>
-              <a:rPr lang="zh-TW" altLang="en-US" smtClean="0"/>
+              <a:rPr lang="zh-TW" altLang="en-US"/>
               <a:t>按一下以編輯母片標題樣式</a:t>
             </a:r>
             <a:endParaRPr lang="en-US" dirty="0"/>
@@ -4470,7 +4454,7 @@
           <a:p>
             <a:pPr lvl="0"/>
             <a:r>
-              <a:rPr lang="zh-TW" altLang="en-US" smtClean="0"/>
+              <a:rPr lang="zh-TW" altLang="en-US"/>
               <a:t>編輯母片文字樣式</a:t>
             </a:r>
           </a:p>
@@ -4498,35 +4482,35 @@
           <a:p>
             <a:pPr lvl="0"/>
             <a:r>
-              <a:rPr lang="zh-TW" altLang="en-US" smtClean="0"/>
+              <a:rPr lang="zh-TW" altLang="en-US"/>
               <a:t>編輯母片文字樣式</a:t>
             </a:r>
           </a:p>
           <a:p>
             <a:pPr lvl="1"/>
             <a:r>
-              <a:rPr lang="zh-TW" altLang="en-US" smtClean="0"/>
+              <a:rPr lang="zh-TW" altLang="en-US"/>
               <a:t>第二層</a:t>
             </a:r>
           </a:p>
           <a:p>
             <a:pPr lvl="2"/>
             <a:r>
-              <a:rPr lang="zh-TW" altLang="en-US" smtClean="0"/>
+              <a:rPr lang="zh-TW" altLang="en-US"/>
               <a:t>第三層</a:t>
             </a:r>
           </a:p>
           <a:p>
             <a:pPr lvl="3"/>
             <a:r>
-              <a:rPr lang="zh-TW" altLang="en-US" smtClean="0"/>
+              <a:rPr lang="zh-TW" altLang="en-US"/>
               <a:t>第四層</a:t>
             </a:r>
           </a:p>
           <a:p>
             <a:pPr lvl="4"/>
             <a:r>
-              <a:rPr lang="zh-TW" altLang="en-US" smtClean="0"/>
+              <a:rPr lang="zh-TW" altLang="en-US"/>
               <a:t>第五層</a:t>
             </a:r>
             <a:endParaRPr lang="en-US" dirty="0"/>
@@ -4601,7 +4585,7 @@
           <a:p>
             <a:pPr lvl="0"/>
             <a:r>
-              <a:rPr lang="zh-TW" altLang="en-US" smtClean="0"/>
+              <a:rPr lang="zh-TW" altLang="en-US"/>
               <a:t>編輯母片文字樣式</a:t>
             </a:r>
           </a:p>
@@ -4629,35 +4613,35 @@
           <a:p>
             <a:pPr lvl="0"/>
             <a:r>
-              <a:rPr lang="zh-TW" altLang="en-US" smtClean="0"/>
+              <a:rPr lang="zh-TW" altLang="en-US"/>
               <a:t>編輯母片文字樣式</a:t>
             </a:r>
           </a:p>
           <a:p>
             <a:pPr lvl="1"/>
             <a:r>
-              <a:rPr lang="zh-TW" altLang="en-US" smtClean="0"/>
+              <a:rPr lang="zh-TW" altLang="en-US"/>
               <a:t>第二層</a:t>
             </a:r>
           </a:p>
           <a:p>
             <a:pPr lvl="2"/>
             <a:r>
-              <a:rPr lang="zh-TW" altLang="en-US" smtClean="0"/>
+              <a:rPr lang="zh-TW" altLang="en-US"/>
               <a:t>第三層</a:t>
             </a:r>
           </a:p>
           <a:p>
             <a:pPr lvl="3"/>
             <a:r>
-              <a:rPr lang="zh-TW" altLang="en-US" smtClean="0"/>
+              <a:rPr lang="zh-TW" altLang="en-US"/>
               <a:t>第四層</a:t>
             </a:r>
           </a:p>
           <a:p>
             <a:pPr lvl="4"/>
             <a:r>
-              <a:rPr lang="zh-TW" altLang="en-US" smtClean="0"/>
+              <a:rPr lang="zh-TW" altLang="en-US"/>
               <a:t>第五層</a:t>
             </a:r>
             <a:endParaRPr lang="en-US" dirty="0"/>
@@ -4681,7 +4665,7 @@
           <a:p>
             <a:fld id="{D052EB52-3696-4F50-A971-56FCD4C44B1B}" type="datetimeFigureOut">
               <a:rPr lang="zh-TW" altLang="en-US" smtClean="0"/>
-              <a:t>2021/6/1</a:t>
+              <a:t>2021/6/2</a:t>
             </a:fld>
             <a:endParaRPr lang="zh-TW" altLang="en-US"/>
           </a:p>
@@ -4805,7 +4789,7 @@
           <a:lstStyle/>
           <a:p>
             <a:r>
-              <a:rPr lang="zh-TW" altLang="en-US" smtClean="0"/>
+              <a:rPr lang="zh-TW" altLang="en-US"/>
               <a:t>按一下以編輯母片標題樣式</a:t>
             </a:r>
             <a:endParaRPr lang="en-US" dirty="0"/>
@@ -4829,7 +4813,7 @@
           <a:p>
             <a:fld id="{D052EB52-3696-4F50-A971-56FCD4C44B1B}" type="datetimeFigureOut">
               <a:rPr lang="zh-TW" altLang="en-US" smtClean="0"/>
-              <a:t>2021/6/1</a:t>
+              <a:t>2021/6/2</a:t>
             </a:fld>
             <a:endParaRPr lang="zh-TW" altLang="en-US"/>
           </a:p>
@@ -4954,7 +4938,7 @@
           <a:p>
             <a:fld id="{D052EB52-3696-4F50-A971-56FCD4C44B1B}" type="datetimeFigureOut">
               <a:rPr lang="zh-TW" altLang="en-US" smtClean="0"/>
-              <a:t>2021/6/1</a:t>
+              <a:t>2021/6/2</a:t>
             </a:fld>
             <a:endParaRPr lang="zh-TW" altLang="en-US"/>
           </a:p>
@@ -5087,7 +5071,7 @@
           </a:lstStyle>
           <a:p>
             <a:r>
-              <a:rPr lang="zh-TW" altLang="en-US" smtClean="0"/>
+              <a:rPr lang="zh-TW" altLang="en-US"/>
               <a:t>按一下以編輯母片標題樣式</a:t>
             </a:r>
             <a:endParaRPr lang="en-US" dirty="0"/>
@@ -5116,35 +5100,35 @@
           <a:p>
             <a:pPr lvl="0"/>
             <a:r>
-              <a:rPr lang="zh-TW" altLang="en-US" smtClean="0"/>
+              <a:rPr lang="zh-TW" altLang="en-US"/>
               <a:t>編輯母片文字樣式</a:t>
             </a:r>
           </a:p>
           <a:p>
             <a:pPr lvl="1"/>
             <a:r>
-              <a:rPr lang="zh-TW" altLang="en-US" smtClean="0"/>
+              <a:rPr lang="zh-TW" altLang="en-US"/>
               <a:t>第二層</a:t>
             </a:r>
           </a:p>
           <a:p>
             <a:pPr lvl="2"/>
             <a:r>
-              <a:rPr lang="zh-TW" altLang="en-US" smtClean="0"/>
+              <a:rPr lang="zh-TW" altLang="en-US"/>
               <a:t>第三層</a:t>
             </a:r>
           </a:p>
           <a:p>
             <a:pPr lvl="3"/>
             <a:r>
-              <a:rPr lang="zh-TW" altLang="en-US" smtClean="0"/>
+              <a:rPr lang="zh-TW" altLang="en-US"/>
               <a:t>第四層</a:t>
             </a:r>
           </a:p>
           <a:p>
             <a:pPr lvl="4"/>
             <a:r>
-              <a:rPr lang="zh-TW" altLang="en-US" smtClean="0"/>
+              <a:rPr lang="zh-TW" altLang="en-US"/>
               <a:t>第五層</a:t>
             </a:r>
             <a:endParaRPr lang="en-US" dirty="0"/>
@@ -5210,7 +5194,7 @@
           <a:p>
             <a:pPr lvl="0"/>
             <a:r>
-              <a:rPr lang="zh-TW" altLang="en-US" smtClean="0"/>
+              <a:rPr lang="zh-TW" altLang="en-US"/>
               <a:t>編輯母片文字樣式</a:t>
             </a:r>
           </a:p>
@@ -5233,7 +5217,7 @@
           <a:p>
             <a:fld id="{D052EB52-3696-4F50-A971-56FCD4C44B1B}" type="datetimeFigureOut">
               <a:rPr lang="zh-TW" altLang="en-US" smtClean="0"/>
-              <a:t>2021/6/1</a:t>
+              <a:t>2021/6/2</a:t>
             </a:fld>
             <a:endParaRPr lang="zh-TW" altLang="en-US"/>
           </a:p>
@@ -5366,7 +5350,7 @@
           </a:lstStyle>
           <a:p>
             <a:r>
-              <a:rPr lang="zh-TW" altLang="en-US" smtClean="0"/>
+              <a:rPr lang="zh-TW" altLang="en-US"/>
               <a:t>按一下以編輯母片標題樣式</a:t>
             </a:r>
             <a:endParaRPr lang="en-US" dirty="0"/>
@@ -5456,7 +5440,7 @@
           </a:lstStyle>
           <a:p>
             <a:r>
-              <a:rPr lang="zh-TW" altLang="en-US" smtClean="0"/>
+              <a:rPr lang="zh-TW" altLang="en-US"/>
               <a:t>按一下圖示以新增圖片</a:t>
             </a:r>
             <a:endParaRPr lang="en-US" dirty="0"/>
@@ -5522,7 +5506,7 @@
           <a:p>
             <a:pPr lvl="0"/>
             <a:r>
-              <a:rPr lang="zh-TW" altLang="en-US" smtClean="0"/>
+              <a:rPr lang="zh-TW" altLang="en-US"/>
               <a:t>編輯母片文字樣式</a:t>
             </a:r>
           </a:p>
@@ -5545,7 +5529,7 @@
           <a:p>
             <a:fld id="{D052EB52-3696-4F50-A971-56FCD4C44B1B}" type="datetimeFigureOut">
               <a:rPr lang="zh-TW" altLang="en-US" smtClean="0"/>
-              <a:t>2021/6/1</a:t>
+              <a:t>2021/6/2</a:t>
             </a:fld>
             <a:endParaRPr lang="zh-TW" altLang="en-US"/>
           </a:p>
@@ -5705,7 +5689,7 @@
           <a:lstStyle/>
           <a:p>
             <a:r>
-              <a:rPr lang="zh-TW" altLang="en-US" smtClean="0"/>
+              <a:rPr lang="zh-TW" altLang="en-US"/>
               <a:t>按一下以編輯母片標題樣式</a:t>
             </a:r>
             <a:endParaRPr lang="en-US" dirty="0"/>
@@ -5739,35 +5723,35 @@
           <a:p>
             <a:pPr lvl="0"/>
             <a:r>
-              <a:rPr lang="zh-TW" altLang="en-US" smtClean="0"/>
+              <a:rPr lang="zh-TW" altLang="en-US"/>
               <a:t>編輯母片文字樣式</a:t>
             </a:r>
           </a:p>
           <a:p>
             <a:pPr lvl="1"/>
             <a:r>
-              <a:rPr lang="zh-TW" altLang="en-US" smtClean="0"/>
+              <a:rPr lang="zh-TW" altLang="en-US"/>
               <a:t>第二層</a:t>
             </a:r>
           </a:p>
           <a:p>
             <a:pPr lvl="2"/>
             <a:r>
-              <a:rPr lang="zh-TW" altLang="en-US" smtClean="0"/>
+              <a:rPr lang="zh-TW" altLang="en-US"/>
               <a:t>第三層</a:t>
             </a:r>
           </a:p>
           <a:p>
             <a:pPr lvl="3"/>
             <a:r>
-              <a:rPr lang="zh-TW" altLang="en-US" smtClean="0"/>
+              <a:rPr lang="zh-TW" altLang="en-US"/>
               <a:t>第四層</a:t>
             </a:r>
           </a:p>
           <a:p>
             <a:pPr lvl="4"/>
             <a:r>
-              <a:rPr lang="zh-TW" altLang="en-US" smtClean="0"/>
+              <a:rPr lang="zh-TW" altLang="en-US"/>
               <a:t>第五層</a:t>
             </a:r>
             <a:endParaRPr lang="en-US" dirty="0"/>
@@ -5807,7 +5791,7 @@
           <a:p>
             <a:fld id="{D052EB52-3696-4F50-A971-56FCD4C44B1B}" type="datetimeFigureOut">
               <a:rPr lang="zh-TW" altLang="en-US" smtClean="0"/>
-              <a:t>2021/6/1</a:t>
+              <a:t>2021/6/2</a:t>
             </a:fld>
             <a:endParaRPr lang="zh-TW" altLang="en-US"/>
           </a:p>
@@ -5914,13 +5898,6 @@
     <p:sldLayoutId id="2147483676" r:id="rId16"/>
     <p:sldLayoutId id="2147483677" r:id="rId17"/>
   </p:sldLayoutIdLst>
-  <p:timing>
-    <p:tnLst>
-      <p:par>
-        <p:cTn id="1" dur="indefinite" restart="never" nodeType="tmRoot"/>
-      </p:par>
-    </p:tnLst>
-  </p:timing>
   <p:txStyles>
     <p:titleStyle>
       <a:lvl1pPr algn="ctr" defTabSz="914400" rtl="0" eaLnBrk="1" latinLnBrk="0" hangingPunct="1">
@@ -6290,11 +6267,11 @@
               <a:t> </a:t>
             </a:r>
             <a:r>
-              <a:rPr lang="zh-TW" altLang="en-US" sz="4400" dirty="0" smtClean="0"/>
+              <a:rPr lang="zh-TW" altLang="en-US" sz="4400" dirty="0"/>
               <a:t>與</a:t>
             </a:r>
             <a:r>
-              <a:rPr lang="en-US" altLang="zh-TW" sz="4400" dirty="0" smtClean="0"/>
+              <a:rPr lang="en-US" altLang="zh-TW" sz="4400" dirty="0"/>
               <a:t>LSTM </a:t>
             </a:r>
             <a:r>
@@ -6367,13 +6344,6 @@
   <p:clrMapOvr>
     <a:masterClrMapping/>
   </p:clrMapOvr>
-  <p:timing>
-    <p:tnLst>
-      <p:par>
-        <p:cTn id="1" dur="indefinite" restart="never" nodeType="tmRoot"/>
-      </p:par>
-    </p:tnLst>
-  </p:timing>
 </p:sld>
 </file>
 
@@ -6411,7 +6381,7 @@
           <a:p>
             <a:r>
               <a:rPr lang="zh-TW" altLang="en-US" dirty="0"/>
-              <a:t>討論分析</a:t>
+              <a:t>參考連結</a:t>
             </a:r>
           </a:p>
         </p:txBody>
@@ -6429,142 +6399,157 @@
         <p:spPr/>
         <p:txBody>
           <a:bodyPr>
-            <a:normAutofit lnSpcReduction="10000"/>
+            <a:normAutofit fontScale="85000" lnSpcReduction="10000"/>
           </a:bodyPr>
           <a:lstStyle/>
           <a:p>
             <a:r>
-              <a:rPr lang="zh-TW" altLang="en-US" cap="none" dirty="0" smtClean="0"/>
-              <a:t>有在網路上查找資料，似乎 </a:t>
-            </a:r>
-            <a:r>
-              <a:rPr lang="en-US" altLang="zh-TW" cap="none" dirty="0" smtClean="0"/>
-              <a:t>LSTM</a:t>
-            </a:r>
-            <a:r>
-              <a:rPr lang="zh-TW" altLang="en-US" cap="none" dirty="0" smtClean="0"/>
-              <a:t> 只有在一個參數預測一個參數時，能得出參數結果。</a:t>
-            </a:r>
-            <a:endParaRPr lang="en-US" altLang="zh-TW" cap="none" dirty="0" smtClean="0"/>
-          </a:p>
-          <a:p>
-            <a:r>
-              <a:rPr lang="zh-TW" altLang="en-US" cap="none" dirty="0" smtClean="0"/>
-              <a:t>還沒有在網路上看到有兩參數預測 </a:t>
-            </a:r>
-            <a:r>
-              <a:rPr lang="en-US" altLang="zh-TW" cap="none" dirty="0" smtClean="0"/>
-              <a:t>LSTM</a:t>
-            </a:r>
-            <a:r>
-              <a:rPr lang="zh-TW" altLang="en-US" cap="none" dirty="0" smtClean="0"/>
-              <a:t> 的資料。</a:t>
-            </a:r>
-            <a:endParaRPr lang="en-US" altLang="zh-TW" cap="none" dirty="0" smtClean="0"/>
-          </a:p>
-          <a:p>
-            <a:pPr lvl="1"/>
-            <a:r>
-              <a:rPr lang="zh-TW" altLang="en-US" cap="none" dirty="0" smtClean="0"/>
-              <a:t>如果使用兩參數進行預測，則 </a:t>
-            </a:r>
-            <a:r>
-              <a:rPr lang="en-US" altLang="zh-TW" cap="none" dirty="0" smtClean="0"/>
-              <a:t>dense</a:t>
-            </a:r>
-            <a:r>
-              <a:rPr lang="zh-TW" altLang="en-US" cap="none" dirty="0" smtClean="0"/>
-              <a:t> 中 </a:t>
-            </a:r>
-            <a:r>
-              <a:rPr lang="en-US" altLang="zh-TW" cap="none" dirty="0" err="1" smtClean="0"/>
-              <a:t>return_sequence</a:t>
-            </a:r>
-            <a:r>
-              <a:rPr lang="en-US" altLang="zh-TW" cap="none" dirty="0" smtClean="0"/>
+              <a:rPr lang="en-US" altLang="zh-TW" cap="none" dirty="0">
+                <a:hlinkClick r:id="rId2"/>
+              </a:rPr>
+              <a:t>numpy.reshape</a:t>
+            </a:r>
+            <a:r>
+              <a:rPr lang="zh-TW" altLang="en-US" cap="none" dirty="0">
+                <a:hlinkClick r:id="rId2"/>
+              </a:rPr>
               <a:t> </a:t>
             </a:r>
             <a:r>
-              <a:rPr lang="zh-TW" altLang="en-US" cap="none" dirty="0" smtClean="0"/>
-              <a:t>必須設置為 </a:t>
-            </a:r>
-            <a:r>
-              <a:rPr lang="en-US" altLang="zh-TW" cap="none" dirty="0" smtClean="0"/>
-              <a:t>false</a:t>
-            </a:r>
-          </a:p>
-          <a:p>
-            <a:pPr lvl="1"/>
-            <a:r>
-              <a:rPr lang="zh-TW" altLang="en-US" cap="none" dirty="0" smtClean="0"/>
-              <a:t>如果使用兩參數預測，那我們則沒辦法將數值規一化</a:t>
-            </a:r>
-            <a:endParaRPr lang="en-US" altLang="zh-TW" cap="none" dirty="0" smtClean="0"/>
-          </a:p>
-          <a:p>
-            <a:pPr lvl="1"/>
-            <a:r>
-              <a:rPr lang="zh-TW" altLang="en-US" cap="none" dirty="0" smtClean="0"/>
-              <a:t>一定可以用 </a:t>
-            </a:r>
-            <a:r>
-              <a:rPr lang="en-US" altLang="zh-TW" cap="none" dirty="0" smtClean="0"/>
-              <a:t>LSTM</a:t>
-            </a:r>
-            <a:r>
-              <a:rPr lang="zh-TW" altLang="en-US" cap="none" dirty="0" smtClean="0"/>
-              <a:t> 與兩參數預測，但必須在前面做 </a:t>
-            </a:r>
-            <a:r>
-              <a:rPr lang="en-US" altLang="zh-TW" cap="none" dirty="0" err="1" smtClean="0"/>
-              <a:t>num.reshape</a:t>
-            </a:r>
-            <a:r>
-              <a:rPr lang="en-US" altLang="zh-TW" cap="none" dirty="0" smtClean="0"/>
-              <a:t>()</a:t>
-            </a:r>
-            <a:r>
-              <a:rPr lang="zh-TW" altLang="en-US" cap="none" dirty="0" smtClean="0"/>
-              <a:t>，預測完的資料要如何解讀，也是一大困難點，我想網路上才較少 </a:t>
-            </a:r>
-            <a:r>
-              <a:rPr lang="en-US" altLang="zh-TW" cap="none" dirty="0" smtClean="0"/>
-              <a:t>LSTM</a:t>
-            </a:r>
-            <a:r>
-              <a:rPr lang="zh-TW" altLang="en-US" cap="none" dirty="0" smtClean="0"/>
-              <a:t> 做多 </a:t>
-            </a:r>
-            <a:r>
-              <a:rPr lang="en-US" altLang="zh-TW" cap="none" dirty="0" smtClean="0"/>
-              <a:t>feature</a:t>
-            </a:r>
-            <a:r>
-              <a:rPr lang="zh-TW" altLang="en-US" cap="none" dirty="0" smtClean="0"/>
-              <a:t> 預測。</a:t>
-            </a:r>
-            <a:endParaRPr lang="en-US" altLang="zh-TW" cap="none" dirty="0" smtClean="0"/>
-          </a:p>
-          <a:p>
-            <a:pPr lvl="1"/>
-            <a:endParaRPr lang="en-US" altLang="zh-TW" cap="none" dirty="0" smtClean="0"/>
-          </a:p>
-          <a:p>
-            <a:r>
-              <a:rPr lang="zh-TW" altLang="en-US" cap="none" dirty="0" smtClean="0"/>
-              <a:t>大部分的人會針對參數進行濾波等調整。</a:t>
-            </a:r>
-            <a:endParaRPr lang="en-US" altLang="zh-TW" cap="none" dirty="0" smtClean="0"/>
-          </a:p>
-          <a:p>
-            <a:endParaRPr lang="en-US" altLang="zh-TW" dirty="0" smtClean="0"/>
+              <a:rPr lang="en-US" altLang="zh-TW" cap="none" dirty="0">
+                <a:hlinkClick r:id="rId2"/>
+              </a:rPr>
+              <a:t>by </a:t>
+            </a:r>
+            <a:r>
+              <a:rPr lang="en-US" altLang="zh-TW" cap="none" dirty="0" err="1">
+                <a:hlinkClick r:id="rId2"/>
+              </a:rPr>
+              <a:t>NumPy</a:t>
+            </a:r>
+            <a:r>
+              <a:rPr lang="zh-TW" altLang="en-US" cap="none" dirty="0"/>
+              <a:t> </a:t>
+            </a:r>
+            <a:endParaRPr lang="en-US" altLang="zh-TW" cap="none" dirty="0"/>
+          </a:p>
+          <a:p>
+            <a:r>
+              <a:rPr lang="en-US" altLang="zh-TW" cap="none" dirty="0" err="1"/>
+              <a:t>sklearn</a:t>
+            </a:r>
+            <a:r>
+              <a:rPr lang="en-US" altLang="zh-TW" cap="none" dirty="0"/>
+              <a:t> Logistic Regression “</a:t>
+            </a:r>
+            <a:r>
+              <a:rPr lang="en-US" altLang="zh-TW" cap="none" dirty="0" err="1"/>
+              <a:t>ValueError</a:t>
+            </a:r>
+            <a:r>
+              <a:rPr lang="en-US" altLang="zh-TW" cap="none" dirty="0"/>
+              <a:t>: Found array with dim 3. Estimator expected &lt;= 2.”by </a:t>
+            </a:r>
+            <a:r>
+              <a:rPr lang="en-US" altLang="zh-TW" cap="none" dirty="0" err="1"/>
+              <a:t>stackoverflow</a:t>
+            </a:r>
+            <a:endParaRPr lang="en-US" altLang="zh-TW" cap="none" dirty="0"/>
+          </a:p>
+          <a:p>
+            <a:pPr marL="0" indent="0">
+              <a:buNone/>
+            </a:pPr>
+            <a:r>
+              <a:rPr lang="en-US" altLang="zh-TW" cap="none" dirty="0">
+                <a:hlinkClick r:id="rId3"/>
+              </a:rPr>
+              <a:t>https://stackoverflow.com/questions/34972142/sklearn-logistic-regression-valueerror-found-array-with-dim-3-estimator-expec</a:t>
+            </a:r>
+            <a:endParaRPr lang="en-US" altLang="zh-TW" cap="none" dirty="0"/>
+          </a:p>
+          <a:p>
+            <a:r>
+              <a:rPr lang="en-US" altLang="zh-TW" cap="none" dirty="0"/>
+              <a:t>RNN's with multiple features by </a:t>
+            </a:r>
+            <a:r>
+              <a:rPr lang="en-US" altLang="zh-TW" cap="none" dirty="0" err="1"/>
+              <a:t>stackexchange</a:t>
+            </a:r>
+            <a:endParaRPr lang="en-US" altLang="zh-TW" cap="none" dirty="0"/>
+          </a:p>
+          <a:p>
+            <a:pPr marL="0" indent="0">
+              <a:buNone/>
+            </a:pPr>
+            <a:r>
+              <a:rPr lang="en-US" altLang="zh-TW" cap="none" dirty="0">
+                <a:hlinkClick r:id="rId4"/>
+              </a:rPr>
+              <a:t>https://datascience.stackexchange.com/questions/17024/rnns-with-multiple-features</a:t>
+            </a:r>
+            <a:endParaRPr lang="en-US" altLang="zh-TW" cap="none" dirty="0"/>
+          </a:p>
+          <a:p>
+            <a:r>
+              <a:rPr lang="en-US" altLang="zh-TW" cap="none" dirty="0"/>
+              <a:t>Multivariate Time Series Forecasting with LSTMs in </a:t>
+            </a:r>
+            <a:r>
+              <a:rPr lang="en-US" altLang="zh-TW" cap="none" dirty="0" err="1"/>
+              <a:t>Keras</a:t>
+            </a:r>
+            <a:r>
+              <a:rPr lang="en-US" altLang="zh-TW" cap="none" dirty="0"/>
+              <a:t> BY </a:t>
+            </a:r>
+            <a:r>
+              <a:rPr lang="en-US" altLang="zh-TW" cap="none" dirty="0" err="1">
+                <a:hlinkClick r:id="rId5"/>
+              </a:rPr>
+              <a:t>Maching</a:t>
+            </a:r>
+            <a:r>
+              <a:rPr lang="en-US" altLang="zh-TW" cap="none" dirty="0"/>
+              <a:t> </a:t>
+            </a:r>
+            <a:r>
+              <a:rPr lang="en-US" altLang="zh-TW" cap="none" dirty="0" err="1"/>
+              <a:t>Learing</a:t>
+            </a:r>
+            <a:r>
+              <a:rPr lang="en-US" altLang="zh-TW" cap="none" dirty="0"/>
+              <a:t>  Mastery</a:t>
+            </a:r>
+            <a:endParaRPr lang="en-US" altLang="zh-TW" cap="none" dirty="0">
+              <a:hlinkClick r:id="rId5"/>
+            </a:endParaRPr>
+          </a:p>
+          <a:p>
+            <a:pPr marL="0" indent="0">
+              <a:buNone/>
+            </a:pPr>
+            <a:r>
+              <a:rPr lang="en-US" altLang="zh-TW" cap="none" dirty="0">
+                <a:hlinkClick r:id="rId5"/>
+              </a:rPr>
+              <a:t>https://machinelearningmastery.com/multivariate-time-series-forecasting-lstms-keras/</a:t>
+            </a:r>
+            <a:endParaRPr lang="en-US" altLang="zh-TW" cap="none" dirty="0"/>
+          </a:p>
+          <a:p>
+            <a:endParaRPr lang="en-US" altLang="zh-TW" cap="none" dirty="0"/>
+          </a:p>
+          <a:p>
+            <a:endParaRPr lang="en-US" altLang="zh-TW" cap="none" dirty="0"/>
           </a:p>
         </p:txBody>
       </p:sp>
     </p:spTree>
     <p:extLst>
       <p:ext uri="{BB962C8B-B14F-4D97-AF65-F5344CB8AC3E}">
-        <p14:creationId xmlns:p14="http://schemas.microsoft.com/office/powerpoint/2010/main" val="1954017825"/>
+        <p14:creationId xmlns:p14="http://schemas.microsoft.com/office/powerpoint/2010/main" val="3757009826"/>
       </p:ext>
     </p:extLst>
   </p:cSld>
@@ -6574,7 +6559,7 @@
 </p:sld>
 </file>
 
-<file path=ppt/slides/slide11.xml><?xml version="1.0" encoding="utf-8"?>
+<file path=ppt/slides/slide2.xml><?xml version="1.0" encoding="utf-8"?>
 <p:sld xmlns:a="http://schemas.openxmlformats.org/drawingml/2006/main" xmlns:r="http://schemas.openxmlformats.org/officeDocument/2006/relationships" xmlns:p="http://schemas.openxmlformats.org/presentationml/2006/main">
   <p:cSld>
     <p:spTree>
@@ -6607,10 +6592,1073 @@
           <a:lstStyle/>
           <a:p>
             <a:r>
-              <a:rPr lang="zh-TW" altLang="en-US" dirty="0" smtClean="0"/>
+              <a:rPr lang="zh-TW" altLang="en-US" dirty="0"/>
+              <a:t>小組專案需求</a:t>
+            </a:r>
+          </a:p>
+        </p:txBody>
+      </p:sp>
+      <p:pic>
+        <p:nvPicPr>
+          <p:cNvPr id="4" name="內容版面配置區 3"/>
+          <p:cNvPicPr>
+            <a:picLocks noGrp="1" noChangeAspect="1"/>
+          </p:cNvPicPr>
+          <p:nvPr>
+            <p:ph sz="quarter" idx="13"/>
+          </p:nvPr>
+        </p:nvPicPr>
+        <p:blipFill>
+          <a:blip r:embed="rId2">
+            <a:extLst>
+              <a:ext uri="{28A0092B-C50C-407E-A947-70E740481C1C}">
+                <a14:useLocalDpi xmlns:a14="http://schemas.microsoft.com/office/drawing/2010/main" val="0"/>
+              </a:ext>
+            </a:extLst>
+          </a:blip>
+          <a:stretch>
+            <a:fillRect/>
+          </a:stretch>
+        </p:blipFill>
+        <p:spPr>
+          <a:xfrm>
+            <a:off x="913775" y="2400812"/>
+            <a:ext cx="6285058" cy="3583820"/>
+          </a:xfrm>
+          <a:prstGeom prst="rect">
+            <a:avLst/>
+          </a:prstGeom>
+          <a:ln w="38100" cap="sq">
+            <a:solidFill>
+              <a:srgbClr val="000000"/>
+            </a:solidFill>
+            <a:prstDash val="solid"/>
+            <a:miter lim="800000"/>
+          </a:ln>
+          <a:effectLst>
+            <a:outerShdw blurRad="50800" dist="38100" dir="2700000" algn="tl" rotWithShape="0">
+              <a:srgbClr val="000000">
+                <a:alpha val="43000"/>
+              </a:srgbClr>
+            </a:outerShdw>
+          </a:effectLst>
+        </p:spPr>
+      </p:pic>
+    </p:spTree>
+    <p:extLst>
+      <p:ext uri="{BB962C8B-B14F-4D97-AF65-F5344CB8AC3E}">
+        <p14:creationId xmlns:p14="http://schemas.microsoft.com/office/powerpoint/2010/main" val="2972520527"/>
+      </p:ext>
+    </p:extLst>
+  </p:cSld>
+  <p:clrMapOvr>
+    <a:masterClrMapping/>
+  </p:clrMapOvr>
+</p:sld>
+</file>
+
+<file path=ppt/slides/slide3.xml><?xml version="1.0" encoding="utf-8"?>
+<p:sld xmlns:a="http://schemas.openxmlformats.org/drawingml/2006/main" xmlns:r="http://schemas.openxmlformats.org/officeDocument/2006/relationships" xmlns:p="http://schemas.openxmlformats.org/presentationml/2006/main">
+  <p:cSld>
+    <p:spTree>
+      <p:nvGrpSpPr>
+        <p:cNvPr id="1" name=""/>
+        <p:cNvGrpSpPr/>
+        <p:nvPr/>
+      </p:nvGrpSpPr>
+      <p:grpSpPr>
+        <a:xfrm>
+          <a:off x="0" y="0"/>
+          <a:ext cx="0" cy="0"/>
+          <a:chOff x="0" y="0"/>
+          <a:chExt cx="0" cy="0"/>
+        </a:xfrm>
+      </p:grpSpPr>
+      <p:sp>
+        <p:nvSpPr>
+          <p:cNvPr id="2" name="標題 1"/>
+          <p:cNvSpPr>
+            <a:spLocks noGrp="1"/>
+          </p:cNvSpPr>
+          <p:nvPr>
+            <p:ph type="title"/>
+          </p:nvPr>
+        </p:nvSpPr>
+        <p:spPr/>
+        <p:txBody>
+          <a:bodyPr/>
+          <a:lstStyle/>
+          <a:p>
+            <a:r>
+              <a:rPr lang="en-US" altLang="zh-TW" dirty="0"/>
+              <a:t>LSTM</a:t>
+            </a:r>
+            <a:r>
+              <a:rPr lang="zh-TW" altLang="en-US" dirty="0"/>
+              <a:t> 簡單介紹</a:t>
+            </a:r>
+          </a:p>
+        </p:txBody>
+      </p:sp>
+      <p:sp>
+        <p:nvSpPr>
+          <p:cNvPr id="3" name="內容版面配置區 2"/>
+          <p:cNvSpPr>
+            <a:spLocks noGrp="1"/>
+          </p:cNvSpPr>
+          <p:nvPr>
+            <p:ph sz="quarter" idx="13"/>
+          </p:nvPr>
+        </p:nvSpPr>
+        <p:spPr/>
+        <p:txBody>
+          <a:bodyPr/>
+          <a:lstStyle/>
+          <a:p>
+            <a:pPr marL="0" indent="0">
+              <a:buNone/>
+            </a:pPr>
+            <a:r>
+              <a:rPr lang="en-US" altLang="zh-TW" dirty="0"/>
+              <a:t>LSTM </a:t>
+            </a:r>
+            <a:r>
+              <a:rPr lang="zh-TW" altLang="en-US" dirty="0"/>
+              <a:t>主要是透過 </a:t>
+            </a:r>
+            <a:r>
+              <a:rPr lang="en-US" altLang="zh-TW" dirty="0"/>
+              <a:t>cell </a:t>
+            </a:r>
+            <a:r>
+              <a:rPr lang="zh-TW" altLang="en-US" dirty="0"/>
+              <a:t>組成，</a:t>
+            </a:r>
+            <a:r>
+              <a:rPr lang="en-US" altLang="zh-TW" dirty="0"/>
+              <a:t>cell </a:t>
+            </a:r>
+            <a:r>
+              <a:rPr lang="zh-TW" altLang="en-US" dirty="0"/>
+              <a:t>由輸入門、遺忘門、輸出門、單元狀態組成。</a:t>
+            </a:r>
+          </a:p>
+          <a:p>
+            <a:r>
+              <a:rPr lang="zh-TW" altLang="en-US" dirty="0"/>
+              <a:t>輸入門：決定當下輸入的資料有多少要保留到此 </a:t>
+            </a:r>
+            <a:r>
+              <a:rPr lang="en-US" altLang="zh-TW" dirty="0"/>
+              <a:t>cell</a:t>
+            </a:r>
+          </a:p>
+          <a:p>
+            <a:r>
+              <a:rPr lang="zh-TW" altLang="en-US" dirty="0"/>
+              <a:t>遺忘門：決定前一個 </a:t>
+            </a:r>
+            <a:r>
+              <a:rPr lang="en-US" altLang="zh-TW" dirty="0"/>
+              <a:t>cell </a:t>
+            </a:r>
+            <a:r>
+              <a:rPr lang="zh-TW" altLang="en-US" dirty="0"/>
+              <a:t>給我們的資料要保留多少</a:t>
+            </a:r>
+          </a:p>
+          <a:p>
+            <a:r>
+              <a:rPr lang="zh-TW" altLang="en-US" dirty="0"/>
+              <a:t>輸出門：決定有多少資料要輸出給下一個 </a:t>
+            </a:r>
+            <a:r>
+              <a:rPr lang="en-US" altLang="zh-TW" dirty="0"/>
+              <a:t>cell</a:t>
+            </a:r>
+            <a:endParaRPr lang="zh-TW" altLang="en-US" dirty="0"/>
+          </a:p>
+        </p:txBody>
+      </p:sp>
+    </p:spTree>
+    <p:extLst>
+      <p:ext uri="{BB962C8B-B14F-4D97-AF65-F5344CB8AC3E}">
+        <p14:creationId xmlns:p14="http://schemas.microsoft.com/office/powerpoint/2010/main" val="3698907730"/>
+      </p:ext>
+    </p:extLst>
+  </p:cSld>
+  <p:clrMapOvr>
+    <a:masterClrMapping/>
+  </p:clrMapOvr>
+</p:sld>
+</file>
+
+<file path=ppt/slides/slide4.xml><?xml version="1.0" encoding="utf-8"?>
+<p:sld xmlns:a="http://schemas.openxmlformats.org/drawingml/2006/main" xmlns:r="http://schemas.openxmlformats.org/officeDocument/2006/relationships" xmlns:p="http://schemas.openxmlformats.org/presentationml/2006/main">
+  <p:cSld>
+    <p:spTree>
+      <p:nvGrpSpPr>
+        <p:cNvPr id="1" name=""/>
+        <p:cNvGrpSpPr/>
+        <p:nvPr/>
+      </p:nvGrpSpPr>
+      <p:grpSpPr>
+        <a:xfrm>
+          <a:off x="0" y="0"/>
+          <a:ext cx="0" cy="0"/>
+          <a:chOff x="0" y="0"/>
+          <a:chExt cx="0" cy="0"/>
+        </a:xfrm>
+      </p:grpSpPr>
+      <p:sp>
+        <p:nvSpPr>
+          <p:cNvPr id="2" name="標題 1"/>
+          <p:cNvSpPr>
+            <a:spLocks noGrp="1"/>
+          </p:cNvSpPr>
+          <p:nvPr>
+            <p:ph type="title"/>
+          </p:nvPr>
+        </p:nvSpPr>
+        <p:spPr/>
+        <p:txBody>
+          <a:bodyPr/>
+          <a:lstStyle/>
+          <a:p>
+            <a:r>
+              <a:rPr lang="zh-TW" altLang="en-US" dirty="0"/>
+              <a:t>選擇資料集－印度 </a:t>
+            </a:r>
+            <a:r>
+              <a:rPr lang="en-US" altLang="zh-TW" dirty="0"/>
+              <a:t>50</a:t>
+            </a:r>
+            <a:r>
+              <a:rPr lang="zh-TW" altLang="en-US" dirty="0"/>
+              <a:t> 指數期貨</a:t>
+            </a:r>
+          </a:p>
+        </p:txBody>
+      </p:sp>
+      <p:sp>
+        <p:nvSpPr>
+          <p:cNvPr id="3" name="內容版面配置區 2"/>
+          <p:cNvSpPr>
+            <a:spLocks noGrp="1"/>
+          </p:cNvSpPr>
+          <p:nvPr>
+            <p:ph sz="quarter" idx="13"/>
+          </p:nvPr>
+        </p:nvSpPr>
+        <p:spPr>
+          <a:xfrm>
+            <a:off x="913774" y="2367092"/>
+            <a:ext cx="10363826" cy="4288685"/>
+          </a:xfrm>
+        </p:spPr>
+        <p:txBody>
+          <a:bodyPr>
+            <a:normAutofit/>
+          </a:bodyPr>
+          <a:lstStyle/>
+          <a:p>
+            <a:r>
+              <a:rPr lang="zh-TW" altLang="en-US" cap="none" dirty="0"/>
+              <a:t>期貨是投資人的博弈賽局，成交快、價格漲幅快。</a:t>
+            </a:r>
+            <a:endParaRPr lang="en-US" altLang="zh-TW" dirty="0"/>
+          </a:p>
+          <a:p>
+            <a:r>
+              <a:rPr lang="zh-TW" altLang="en-US" dirty="0"/>
+              <a:t>類似於台灣 </a:t>
+            </a:r>
+            <a:r>
+              <a:rPr lang="en-US" altLang="zh-TW" dirty="0"/>
+              <a:t>0050</a:t>
+            </a:r>
+            <a:r>
+              <a:rPr lang="zh-TW" altLang="en-US" dirty="0"/>
+              <a:t>，印度 </a:t>
+            </a:r>
+            <a:r>
+              <a:rPr lang="en-US" altLang="zh-TW" dirty="0"/>
+              <a:t>50</a:t>
+            </a:r>
+            <a:r>
+              <a:rPr lang="zh-TW" altLang="en-US" dirty="0"/>
+              <a:t> 指數選出印度前 </a:t>
+            </a:r>
+            <a:r>
+              <a:rPr lang="en-US" altLang="zh-TW" dirty="0"/>
+              <a:t>50</a:t>
+            </a:r>
+            <a:r>
+              <a:rPr lang="zh-TW" altLang="en-US" dirty="0"/>
+              <a:t> 間最具代表性的公司</a:t>
+            </a:r>
+            <a:endParaRPr lang="en-US" altLang="zh-TW" dirty="0"/>
+          </a:p>
+          <a:p>
+            <a:r>
+              <a:rPr lang="zh-TW" altLang="en-US" dirty="0"/>
+              <a:t>但印度 </a:t>
+            </a:r>
+            <a:r>
+              <a:rPr lang="en-US" altLang="zh-TW" dirty="0"/>
+              <a:t>50</a:t>
+            </a:r>
+            <a:r>
+              <a:rPr lang="zh-TW" altLang="en-US" dirty="0"/>
+              <a:t> 是期貨，具有高避險性，但對部分投資人而言有高投機性。</a:t>
+            </a:r>
+            <a:endParaRPr lang="en-US" altLang="zh-TW" dirty="0"/>
+          </a:p>
+          <a:p>
+            <a:r>
+              <a:rPr lang="zh-TW" altLang="en-US" cap="none" dirty="0"/>
+              <a:t>如果我們可以用 </a:t>
+            </a:r>
+            <a:r>
+              <a:rPr lang="en-US" altLang="zh-TW" cap="none" dirty="0">
+                <a:solidFill>
+                  <a:schemeClr val="accent6">
+                    <a:lumMod val="75000"/>
+                  </a:schemeClr>
+                </a:solidFill>
+              </a:rPr>
+              <a:t>LSTM</a:t>
+            </a:r>
+            <a:r>
+              <a:rPr lang="zh-TW" altLang="en-US" cap="none" dirty="0">
+                <a:solidFill>
+                  <a:schemeClr val="accent6">
+                    <a:lumMod val="75000"/>
+                  </a:schemeClr>
+                </a:solidFill>
+              </a:rPr>
+              <a:t> 學習出價格的走勢</a:t>
+            </a:r>
+            <a:r>
+              <a:rPr lang="en-US" altLang="zh-TW" cap="none" dirty="0"/>
+              <a:t>(</a:t>
+            </a:r>
+            <a:r>
+              <a:rPr lang="zh-TW" altLang="en-US" cap="none" dirty="0"/>
+              <a:t>期貨投資人的想法</a:t>
+            </a:r>
+            <a:r>
+              <a:rPr lang="en-US" altLang="zh-TW" cap="none" dirty="0"/>
+              <a:t>)</a:t>
+            </a:r>
+            <a:r>
+              <a:rPr lang="zh-TW" altLang="en-US" cap="none" dirty="0"/>
+              <a:t>，是不是就能預測期貨走勢。</a:t>
+            </a:r>
+            <a:endParaRPr lang="en-US" altLang="zh-TW" cap="none" dirty="0"/>
+          </a:p>
+          <a:p>
+            <a:r>
+              <a:rPr lang="zh-TW" altLang="en-US" cap="none" dirty="0"/>
+              <a:t>我們只需要在 </a:t>
+            </a:r>
+            <a:r>
+              <a:rPr lang="en-US" altLang="zh-TW" cap="none" dirty="0" err="1"/>
+              <a:t>Colab</a:t>
+            </a:r>
+            <a:r>
+              <a:rPr lang="zh-TW" altLang="en-US" cap="none" dirty="0"/>
+              <a:t> </a:t>
+            </a:r>
+            <a:r>
+              <a:rPr lang="en-US" altLang="zh-TW" cap="none" dirty="0"/>
+              <a:t>post API </a:t>
+            </a:r>
+            <a:r>
+              <a:rPr lang="zh-TW" altLang="en-US" cap="none" dirty="0"/>
+              <a:t>請求就能夠獲得資料。</a:t>
+            </a:r>
+            <a:endParaRPr lang="en-US" altLang="zh-TW" cap="none" dirty="0"/>
+          </a:p>
+          <a:p>
+            <a:r>
+              <a:rPr lang="zh-TW" altLang="en-US" cap="none" dirty="0"/>
+              <a:t>在 </a:t>
+            </a:r>
+            <a:r>
+              <a:rPr lang="en-US" altLang="zh-TW" cap="none" dirty="0" err="1"/>
+              <a:t>Colab</a:t>
+            </a:r>
+            <a:r>
+              <a:rPr lang="zh-TW" altLang="en-US" cap="none" dirty="0"/>
+              <a:t> 上使用再適合不過！</a:t>
+            </a:r>
+            <a:endParaRPr lang="en-US" altLang="zh-TW" cap="none" dirty="0"/>
+          </a:p>
+          <a:p>
+            <a:r>
+              <a:rPr lang="zh-TW" altLang="en-US" cap="none" dirty="0">
+                <a:hlinkClick r:id="rId2"/>
+              </a:rPr>
+              <a:t>資料來源：</a:t>
+            </a:r>
+            <a:r>
+              <a:rPr lang="zh-TW" altLang="en-US" dirty="0">
+                <a:hlinkClick r:id="rId2"/>
+              </a:rPr>
+              <a:t>印度</a:t>
+            </a:r>
+            <a:r>
+              <a:rPr lang="en-US" altLang="zh-TW" dirty="0">
+                <a:hlinkClick r:id="rId2"/>
+              </a:rPr>
+              <a:t>NIFTY 50</a:t>
+            </a:r>
+            <a:r>
+              <a:rPr lang="zh-TW" altLang="en-US" dirty="0">
+                <a:hlinkClick r:id="rId2"/>
+              </a:rPr>
+              <a:t>指數期貨 </a:t>
+            </a:r>
+            <a:r>
+              <a:rPr lang="en-US" altLang="zh-TW" dirty="0">
+                <a:hlinkClick r:id="rId2"/>
+              </a:rPr>
+              <a:t>2021</a:t>
+            </a:r>
+            <a:r>
+              <a:rPr lang="zh-TW" altLang="en-US" dirty="0">
+                <a:hlinkClick r:id="rId2"/>
+              </a:rPr>
+              <a:t>年</a:t>
+            </a:r>
+            <a:r>
+              <a:rPr lang="en-US" altLang="zh-TW" dirty="0">
+                <a:hlinkClick r:id="rId2"/>
+              </a:rPr>
+              <a:t>6</a:t>
+            </a:r>
+            <a:r>
+              <a:rPr lang="zh-TW" altLang="en-US" dirty="0">
+                <a:hlinkClick r:id="rId2"/>
+              </a:rPr>
+              <a:t>月 </a:t>
+            </a:r>
+            <a:r>
+              <a:rPr lang="en-US" altLang="zh-TW" dirty="0">
+                <a:hlinkClick r:id="rId2"/>
+              </a:rPr>
+              <a:t>by InvetING.com</a:t>
+            </a:r>
+            <a:endParaRPr lang="en-US" altLang="zh-TW" cap="none" dirty="0"/>
+          </a:p>
+          <a:p>
+            <a:endParaRPr lang="en-US" altLang="zh-TW" cap="none" dirty="0"/>
+          </a:p>
+          <a:p>
+            <a:endParaRPr lang="en-US" altLang="zh-TW" dirty="0"/>
+          </a:p>
+          <a:p>
+            <a:endParaRPr lang="en-US" altLang="zh-TW" dirty="0"/>
+          </a:p>
+          <a:p>
+            <a:endParaRPr lang="en-US" altLang="zh-TW" dirty="0"/>
+          </a:p>
+          <a:p>
+            <a:endParaRPr lang="zh-TW" altLang="en-US" dirty="0"/>
+          </a:p>
+        </p:txBody>
+      </p:sp>
+    </p:spTree>
+    <p:extLst>
+      <p:ext uri="{BB962C8B-B14F-4D97-AF65-F5344CB8AC3E}">
+        <p14:creationId xmlns:p14="http://schemas.microsoft.com/office/powerpoint/2010/main" val="3370652069"/>
+      </p:ext>
+    </p:extLst>
+  </p:cSld>
+  <p:clrMapOvr>
+    <a:masterClrMapping/>
+  </p:clrMapOvr>
+</p:sld>
+</file>
+
+<file path=ppt/slides/slide5.xml><?xml version="1.0" encoding="utf-8"?>
+<p:sld xmlns:a="http://schemas.openxmlformats.org/drawingml/2006/main" xmlns:r="http://schemas.openxmlformats.org/officeDocument/2006/relationships" xmlns:p="http://schemas.openxmlformats.org/presentationml/2006/main">
+  <p:cSld>
+    <p:spTree>
+      <p:nvGrpSpPr>
+        <p:cNvPr id="1" name=""/>
+        <p:cNvGrpSpPr/>
+        <p:nvPr/>
+      </p:nvGrpSpPr>
+      <p:grpSpPr>
+        <a:xfrm>
+          <a:off x="0" y="0"/>
+          <a:ext cx="0" cy="0"/>
+          <a:chOff x="0" y="0"/>
+          <a:chExt cx="0" cy="0"/>
+        </a:xfrm>
+      </p:grpSpPr>
+      <p:sp>
+        <p:nvSpPr>
+          <p:cNvPr id="2" name="標題 1"/>
+          <p:cNvSpPr>
+            <a:spLocks noGrp="1"/>
+          </p:cNvSpPr>
+          <p:nvPr>
+            <p:ph type="title"/>
+          </p:nvPr>
+        </p:nvSpPr>
+        <p:spPr/>
+        <p:txBody>
+          <a:bodyPr/>
+          <a:lstStyle/>
+          <a:p>
+            <a:r>
+              <a:rPr lang="zh-TW" altLang="en-US" dirty="0"/>
+              <a:t>印度 </a:t>
+            </a:r>
+            <a:r>
+              <a:rPr lang="en-US" altLang="zh-TW" dirty="0"/>
+              <a:t>50</a:t>
+            </a:r>
+            <a:r>
+              <a:rPr lang="zh-TW" altLang="en-US" dirty="0"/>
+              <a:t> 指數期貨－資料格式</a:t>
+            </a:r>
+          </a:p>
+        </p:txBody>
+      </p:sp>
+      <p:pic>
+        <p:nvPicPr>
+          <p:cNvPr id="4" name="內容版面配置區 3"/>
+          <p:cNvPicPr>
+            <a:picLocks noGrp="1" noChangeAspect="1"/>
+          </p:cNvPicPr>
+          <p:nvPr>
+            <p:ph sz="quarter" idx="13"/>
+          </p:nvPr>
+        </p:nvPicPr>
+        <p:blipFill>
+          <a:blip r:embed="rId2"/>
+          <a:stretch>
+            <a:fillRect/>
+          </a:stretch>
+        </p:blipFill>
+        <p:spPr>
+          <a:xfrm>
+            <a:off x="913775" y="2599043"/>
+            <a:ext cx="6858000" cy="3276600"/>
+          </a:xfrm>
+          <a:prstGeom prst="rect">
+            <a:avLst/>
+          </a:prstGeom>
+          <a:ln w="38100" cap="sq">
+            <a:solidFill>
+              <a:srgbClr val="000000"/>
+            </a:solidFill>
+            <a:prstDash val="solid"/>
+            <a:miter lim="800000"/>
+          </a:ln>
+          <a:effectLst>
+            <a:outerShdw blurRad="50800" dist="38100" dir="2700000" algn="tl" rotWithShape="0">
+              <a:srgbClr val="000000">
+                <a:alpha val="43000"/>
+              </a:srgbClr>
+            </a:outerShdw>
+          </a:effectLst>
+        </p:spPr>
+      </p:pic>
+    </p:spTree>
+    <p:extLst>
+      <p:ext uri="{BB962C8B-B14F-4D97-AF65-F5344CB8AC3E}">
+        <p14:creationId xmlns:p14="http://schemas.microsoft.com/office/powerpoint/2010/main" val="3735543046"/>
+      </p:ext>
+    </p:extLst>
+  </p:cSld>
+  <p:clrMapOvr>
+    <a:masterClrMapping/>
+  </p:clrMapOvr>
+</p:sld>
+</file>
+
+<file path=ppt/slides/slide6.xml><?xml version="1.0" encoding="utf-8"?>
+<p:sld xmlns:a="http://schemas.openxmlformats.org/drawingml/2006/main" xmlns:r="http://schemas.openxmlformats.org/officeDocument/2006/relationships" xmlns:p="http://schemas.openxmlformats.org/presentationml/2006/main">
+  <p:cSld>
+    <p:spTree>
+      <p:nvGrpSpPr>
+        <p:cNvPr id="1" name=""/>
+        <p:cNvGrpSpPr/>
+        <p:nvPr/>
+      </p:nvGrpSpPr>
+      <p:grpSpPr>
+        <a:xfrm>
+          <a:off x="0" y="0"/>
+          <a:ext cx="0" cy="0"/>
+          <a:chOff x="0" y="0"/>
+          <a:chExt cx="0" cy="0"/>
+        </a:xfrm>
+      </p:grpSpPr>
+      <p:sp>
+        <p:nvSpPr>
+          <p:cNvPr id="2" name="標題 1"/>
+          <p:cNvSpPr>
+            <a:spLocks noGrp="1"/>
+          </p:cNvSpPr>
+          <p:nvPr>
+            <p:ph type="title"/>
+          </p:nvPr>
+        </p:nvSpPr>
+        <p:spPr/>
+        <p:txBody>
+          <a:bodyPr/>
+          <a:lstStyle/>
+          <a:p>
+            <a:r>
+              <a:rPr lang="en-US" altLang="zh-TW" dirty="0"/>
+              <a:t>LSTM</a:t>
+            </a:r>
+            <a:r>
+              <a:rPr lang="zh-TW" altLang="en-US" dirty="0"/>
+              <a:t> 程式執行結果</a:t>
+            </a:r>
+          </a:p>
+        </p:txBody>
+      </p:sp>
+      <p:pic>
+        <p:nvPicPr>
+          <p:cNvPr id="5" name="內容版面配置區 4"/>
+          <p:cNvPicPr>
+            <a:picLocks noGrp="1" noChangeAspect="1"/>
+          </p:cNvPicPr>
+          <p:nvPr>
+            <p:ph sz="quarter" idx="13"/>
+          </p:nvPr>
+        </p:nvPicPr>
+        <p:blipFill>
+          <a:blip r:embed="rId2"/>
+          <a:stretch>
+            <a:fillRect/>
+          </a:stretch>
+        </p:blipFill>
+        <p:spPr>
+          <a:xfrm>
+            <a:off x="913775" y="2214694"/>
+            <a:ext cx="5732383" cy="3424237"/>
+          </a:xfrm>
+          <a:prstGeom prst="rect">
+            <a:avLst/>
+          </a:prstGeom>
+          <a:ln w="38100" cap="sq">
+            <a:solidFill>
+              <a:srgbClr val="000000"/>
+            </a:solidFill>
+            <a:prstDash val="solid"/>
+            <a:miter lim="800000"/>
+          </a:ln>
+          <a:effectLst>
+            <a:outerShdw blurRad="50800" dist="38100" dir="2700000" algn="tl" rotWithShape="0">
+              <a:srgbClr val="000000">
+                <a:alpha val="43000"/>
+              </a:srgbClr>
+            </a:outerShdw>
+          </a:effectLst>
+        </p:spPr>
+      </p:pic>
+    </p:spTree>
+    <p:extLst>
+      <p:ext uri="{BB962C8B-B14F-4D97-AF65-F5344CB8AC3E}">
+        <p14:creationId xmlns:p14="http://schemas.microsoft.com/office/powerpoint/2010/main" val="342117409"/>
+      </p:ext>
+    </p:extLst>
+  </p:cSld>
+  <p:clrMapOvr>
+    <a:masterClrMapping/>
+  </p:clrMapOvr>
+</p:sld>
+</file>
+
+<file path=ppt/slides/slide7.xml><?xml version="1.0" encoding="utf-8"?>
+<p:sld xmlns:a="http://schemas.openxmlformats.org/drawingml/2006/main" xmlns:r="http://schemas.openxmlformats.org/officeDocument/2006/relationships" xmlns:p="http://schemas.openxmlformats.org/presentationml/2006/main">
+  <p:cSld>
+    <p:spTree>
+      <p:nvGrpSpPr>
+        <p:cNvPr id="1" name=""/>
+        <p:cNvGrpSpPr/>
+        <p:nvPr/>
+      </p:nvGrpSpPr>
+      <p:grpSpPr>
+        <a:xfrm>
+          <a:off x="0" y="0"/>
+          <a:ext cx="0" cy="0"/>
+          <a:chOff x="0" y="0"/>
+          <a:chExt cx="0" cy="0"/>
+        </a:xfrm>
+      </p:grpSpPr>
+      <p:sp>
+        <p:nvSpPr>
+          <p:cNvPr id="2" name="標題 1"/>
+          <p:cNvSpPr>
+            <a:spLocks noGrp="1"/>
+          </p:cNvSpPr>
+          <p:nvPr>
+            <p:ph type="title"/>
+          </p:nvPr>
+        </p:nvSpPr>
+        <p:spPr/>
+        <p:txBody>
+          <a:bodyPr/>
+          <a:lstStyle/>
+          <a:p>
+            <a:r>
+              <a:rPr lang="zh-TW" altLang="en-US" dirty="0"/>
+              <a:t>討論分析</a:t>
+            </a:r>
+          </a:p>
+        </p:txBody>
+      </p:sp>
+      <p:sp>
+        <p:nvSpPr>
+          <p:cNvPr id="3" name="內容版面配置區 2"/>
+          <p:cNvSpPr>
+            <a:spLocks noGrp="1"/>
+          </p:cNvSpPr>
+          <p:nvPr>
+            <p:ph sz="quarter" idx="13"/>
+          </p:nvPr>
+        </p:nvSpPr>
+        <p:spPr/>
+        <p:txBody>
+          <a:bodyPr>
+            <a:normAutofit/>
+          </a:bodyPr>
+          <a:lstStyle/>
+          <a:p>
+            <a:r>
+              <a:rPr lang="en-US" altLang="zh-TW" dirty="0"/>
+              <a:t>LSTM</a:t>
+            </a:r>
+            <a:r>
+              <a:rPr lang="zh-TW" altLang="en-US" dirty="0"/>
+              <a:t> 花的時間比起 </a:t>
+            </a:r>
+            <a:r>
+              <a:rPr lang="en-US" altLang="zh-TW" dirty="0"/>
+              <a:t>YOLO</a:t>
+            </a:r>
+            <a:r>
+              <a:rPr lang="zh-TW" altLang="en-US" dirty="0"/>
+              <a:t> 快上許多，也許可以嘗試在效能好的電腦上運行。</a:t>
+            </a:r>
+            <a:endParaRPr lang="en-US" altLang="zh-TW" dirty="0"/>
+          </a:p>
+          <a:p>
+            <a:r>
+              <a:rPr lang="en-US" altLang="zh-TW" dirty="0"/>
+              <a:t>Epoch</a:t>
+            </a:r>
+            <a:r>
+              <a:rPr lang="zh-TW" altLang="en-US" dirty="0"/>
+              <a:t> 是疊代次數，如果設定 </a:t>
+            </a:r>
+            <a:r>
+              <a:rPr lang="en-US" altLang="zh-TW" dirty="0"/>
+              <a:t>300</a:t>
+            </a:r>
+            <a:r>
+              <a:rPr lang="zh-TW" altLang="en-US" dirty="0"/>
+              <a:t>，並且資料量很大時那每次的疊代運性速度就會極差</a:t>
+            </a:r>
+            <a:r>
+              <a:rPr lang="en-US" altLang="zh-TW" dirty="0"/>
+              <a:t>!</a:t>
+            </a:r>
+          </a:p>
+          <a:p>
+            <a:r>
+              <a:rPr lang="zh-TW" altLang="en-US" dirty="0"/>
+              <a:t>可以發現預測走勢相當準確，但如果要預估當天價格並不是相當適用。</a:t>
+            </a:r>
+            <a:endParaRPr lang="en-US" altLang="zh-TW" dirty="0"/>
+          </a:p>
+          <a:p>
+            <a:r>
+              <a:rPr lang="zh-TW" altLang="en-US" dirty="0"/>
+              <a:t>可以考慮對期貨做波段，或是提取昨天的期貨每 </a:t>
+            </a:r>
+            <a:r>
+              <a:rPr lang="en-US" altLang="zh-TW" dirty="0"/>
+              <a:t>10s</a:t>
+            </a:r>
+            <a:r>
+              <a:rPr lang="zh-TW" altLang="en-US" dirty="0"/>
+              <a:t> 的資料進行今日的期貨當天走勢，進行當沖！</a:t>
+            </a:r>
+            <a:endParaRPr lang="en-US" altLang="zh-TW" dirty="0"/>
+          </a:p>
+          <a:p>
+            <a:r>
+              <a:rPr lang="zh-TW" altLang="en-US" dirty="0"/>
+              <a:t>只要資料給的好 </a:t>
+            </a:r>
+            <a:r>
+              <a:rPr lang="en-US" altLang="zh-TW" dirty="0"/>
+              <a:t>Loss</a:t>
+            </a:r>
+            <a:r>
+              <a:rPr lang="zh-TW" altLang="en-US" dirty="0"/>
+              <a:t> 比例不會大。</a:t>
+            </a:r>
+            <a:endParaRPr lang="en-US" altLang="zh-TW" dirty="0"/>
+          </a:p>
+        </p:txBody>
+      </p:sp>
+    </p:spTree>
+    <p:extLst>
+      <p:ext uri="{BB962C8B-B14F-4D97-AF65-F5344CB8AC3E}">
+        <p14:creationId xmlns:p14="http://schemas.microsoft.com/office/powerpoint/2010/main" val="1452382151"/>
+      </p:ext>
+    </p:extLst>
+  </p:cSld>
+  <p:clrMapOvr>
+    <a:masterClrMapping/>
+  </p:clrMapOvr>
+</p:sld>
+</file>
+
+<file path=ppt/slides/slide8.xml><?xml version="1.0" encoding="utf-8"?>
+<p:sld xmlns:a="http://schemas.openxmlformats.org/drawingml/2006/main" xmlns:r="http://schemas.openxmlformats.org/officeDocument/2006/relationships" xmlns:p="http://schemas.openxmlformats.org/presentationml/2006/main">
+  <p:cSld>
+    <p:spTree>
+      <p:nvGrpSpPr>
+        <p:cNvPr id="1" name=""/>
+        <p:cNvGrpSpPr/>
+        <p:nvPr/>
+      </p:nvGrpSpPr>
+      <p:grpSpPr>
+        <a:xfrm>
+          <a:off x="0" y="0"/>
+          <a:ext cx="0" cy="0"/>
+          <a:chOff x="0" y="0"/>
+          <a:chExt cx="0" cy="0"/>
+        </a:xfrm>
+      </p:grpSpPr>
+      <p:sp>
+        <p:nvSpPr>
+          <p:cNvPr id="2" name="標題 1"/>
+          <p:cNvSpPr>
+            <a:spLocks noGrp="1"/>
+          </p:cNvSpPr>
+          <p:nvPr>
+            <p:ph type="title"/>
+          </p:nvPr>
+        </p:nvSpPr>
+        <p:spPr/>
+        <p:txBody>
+          <a:bodyPr/>
+          <a:lstStyle/>
+          <a:p>
+            <a:r>
+              <a:rPr lang="zh-TW" altLang="en-US" dirty="0"/>
+              <a:t>討論分析</a:t>
+            </a:r>
+          </a:p>
+        </p:txBody>
+      </p:sp>
+      <p:sp>
+        <p:nvSpPr>
+          <p:cNvPr id="3" name="內容版面配置區 2"/>
+          <p:cNvSpPr>
+            <a:spLocks noGrp="1"/>
+          </p:cNvSpPr>
+          <p:nvPr>
+            <p:ph sz="quarter" idx="13"/>
+          </p:nvPr>
+        </p:nvSpPr>
+        <p:spPr/>
+        <p:txBody>
+          <a:bodyPr>
+            <a:normAutofit lnSpcReduction="10000"/>
+          </a:bodyPr>
+          <a:lstStyle/>
+          <a:p>
+            <a:r>
+              <a:rPr lang="zh-TW" altLang="en-US" cap="none" dirty="0"/>
+              <a:t>有在網路上查找資料，似乎 </a:t>
+            </a:r>
+            <a:r>
+              <a:rPr lang="en-US" altLang="zh-TW" cap="none" dirty="0"/>
+              <a:t>LSTM</a:t>
+            </a:r>
+            <a:r>
+              <a:rPr lang="zh-TW" altLang="en-US" cap="none" dirty="0"/>
+              <a:t> 只有在一個參數預測一個參數時，能得出參數結果。</a:t>
+            </a:r>
+            <a:endParaRPr lang="en-US" altLang="zh-TW" cap="none" dirty="0"/>
+          </a:p>
+          <a:p>
+            <a:r>
+              <a:rPr lang="zh-TW" altLang="en-US" cap="none" dirty="0"/>
+              <a:t>還沒有在網路上看到有兩參數預測 </a:t>
+            </a:r>
+            <a:r>
+              <a:rPr lang="en-US" altLang="zh-TW" cap="none" dirty="0"/>
+              <a:t>LSTM</a:t>
+            </a:r>
+            <a:r>
+              <a:rPr lang="zh-TW" altLang="en-US" cap="none" dirty="0"/>
+              <a:t> 的資料。</a:t>
+            </a:r>
+            <a:endParaRPr lang="en-US" altLang="zh-TW" cap="none" dirty="0"/>
+          </a:p>
+          <a:p>
+            <a:pPr lvl="1"/>
+            <a:r>
+              <a:rPr lang="zh-TW" altLang="en-US" cap="none" dirty="0"/>
+              <a:t>如果使用兩參數進行預測，則 </a:t>
+            </a:r>
+            <a:r>
+              <a:rPr lang="en-US" altLang="zh-TW" cap="none" dirty="0"/>
+              <a:t>dense</a:t>
+            </a:r>
+            <a:r>
+              <a:rPr lang="zh-TW" altLang="en-US" cap="none" dirty="0"/>
+              <a:t> 中 </a:t>
+            </a:r>
+            <a:r>
+              <a:rPr lang="en-US" altLang="zh-TW" cap="none" dirty="0" err="1"/>
+              <a:t>return_sequence</a:t>
+            </a:r>
+            <a:r>
+              <a:rPr lang="en-US" altLang="zh-TW" cap="none" dirty="0"/>
+              <a:t> </a:t>
+            </a:r>
+            <a:r>
+              <a:rPr lang="zh-TW" altLang="en-US" cap="none" dirty="0"/>
+              <a:t>必須設置為 </a:t>
+            </a:r>
+            <a:r>
+              <a:rPr lang="en-US" altLang="zh-TW" cap="none" dirty="0"/>
+              <a:t>false</a:t>
+            </a:r>
+          </a:p>
+          <a:p>
+            <a:pPr lvl="1"/>
+            <a:r>
+              <a:rPr lang="zh-TW" altLang="en-US" cap="none" dirty="0"/>
+              <a:t>如果使用兩參數預測，那我們則沒辦法將數值規一化</a:t>
+            </a:r>
+            <a:endParaRPr lang="en-US" altLang="zh-TW" cap="none" dirty="0"/>
+          </a:p>
+          <a:p>
+            <a:pPr lvl="1"/>
+            <a:r>
+              <a:rPr lang="zh-TW" altLang="en-US" cap="none" dirty="0"/>
+              <a:t>一定可以用 </a:t>
+            </a:r>
+            <a:r>
+              <a:rPr lang="en-US" altLang="zh-TW" cap="none" dirty="0"/>
+              <a:t>LSTM</a:t>
+            </a:r>
+            <a:r>
+              <a:rPr lang="zh-TW" altLang="en-US" cap="none" dirty="0"/>
+              <a:t> 與兩參數預測，但必須在前面做 </a:t>
+            </a:r>
+            <a:r>
+              <a:rPr lang="en-US" altLang="zh-TW" cap="none" dirty="0" err="1"/>
+              <a:t>num.reshape</a:t>
+            </a:r>
+            <a:r>
+              <a:rPr lang="en-US" altLang="zh-TW" cap="none" dirty="0"/>
+              <a:t>()</a:t>
+            </a:r>
+            <a:r>
+              <a:rPr lang="zh-TW" altLang="en-US" cap="none" dirty="0"/>
+              <a:t>，預測完的資料要如何解讀，也是一大困難點，我想網路上才較少 </a:t>
+            </a:r>
+            <a:r>
+              <a:rPr lang="en-US" altLang="zh-TW" cap="none" dirty="0"/>
+              <a:t>LSTM</a:t>
+            </a:r>
+            <a:r>
+              <a:rPr lang="zh-TW" altLang="en-US" cap="none" dirty="0"/>
+              <a:t> 做多 </a:t>
+            </a:r>
+            <a:r>
+              <a:rPr lang="en-US" altLang="zh-TW" cap="none" dirty="0"/>
+              <a:t>feature</a:t>
+            </a:r>
+            <a:r>
+              <a:rPr lang="zh-TW" altLang="en-US" cap="none" dirty="0"/>
+              <a:t> 預測。</a:t>
+            </a:r>
+            <a:endParaRPr lang="en-US" altLang="zh-TW" cap="none" dirty="0"/>
+          </a:p>
+          <a:p>
+            <a:pPr lvl="1"/>
+            <a:endParaRPr lang="en-US" altLang="zh-TW" cap="none" dirty="0"/>
+          </a:p>
+          <a:p>
+            <a:r>
+              <a:rPr lang="zh-TW" altLang="en-US" cap="none" dirty="0"/>
+              <a:t>大部分的人會針對參數進行濾波等調整。</a:t>
+            </a:r>
+            <a:endParaRPr lang="en-US" altLang="zh-TW" cap="none" dirty="0"/>
+          </a:p>
+          <a:p>
+            <a:endParaRPr lang="en-US" altLang="zh-TW" dirty="0"/>
+          </a:p>
+        </p:txBody>
+      </p:sp>
+    </p:spTree>
+    <p:extLst>
+      <p:ext uri="{BB962C8B-B14F-4D97-AF65-F5344CB8AC3E}">
+        <p14:creationId xmlns:p14="http://schemas.microsoft.com/office/powerpoint/2010/main" val="1954017825"/>
+      </p:ext>
+    </p:extLst>
+  </p:cSld>
+  <p:clrMapOvr>
+    <a:masterClrMapping/>
+  </p:clrMapOvr>
+</p:sld>
+</file>
+
+<file path=ppt/slides/slide9.xml><?xml version="1.0" encoding="utf-8"?>
+<p:sld xmlns:a="http://schemas.openxmlformats.org/drawingml/2006/main" xmlns:r="http://schemas.openxmlformats.org/officeDocument/2006/relationships" xmlns:p="http://schemas.openxmlformats.org/presentationml/2006/main">
+  <p:cSld>
+    <p:spTree>
+      <p:nvGrpSpPr>
+        <p:cNvPr id="1" name=""/>
+        <p:cNvGrpSpPr/>
+        <p:nvPr/>
+      </p:nvGrpSpPr>
+      <p:grpSpPr>
+        <a:xfrm>
+          <a:off x="0" y="0"/>
+          <a:ext cx="0" cy="0"/>
+          <a:chOff x="0" y="0"/>
+          <a:chExt cx="0" cy="0"/>
+        </a:xfrm>
+      </p:grpSpPr>
+      <p:sp>
+        <p:nvSpPr>
+          <p:cNvPr id="2" name="標題 1"/>
+          <p:cNvSpPr>
+            <a:spLocks noGrp="1"/>
+          </p:cNvSpPr>
+          <p:nvPr>
+            <p:ph type="title"/>
+          </p:nvPr>
+        </p:nvSpPr>
+        <p:spPr/>
+        <p:txBody>
+          <a:bodyPr/>
+          <a:lstStyle/>
+          <a:p>
+            <a:r>
+              <a:rPr lang="zh-TW" altLang="en-US" dirty="0"/>
               <a:t>程式執行遇到的困難點</a:t>
             </a:r>
-            <a:endParaRPr lang="zh-TW" altLang="en-US" dirty="0"/>
           </a:p>
         </p:txBody>
       </p:sp>
@@ -6630,7 +7678,7 @@
           <a:lstStyle/>
           <a:p>
             <a:r>
-              <a:rPr lang="zh-TW" altLang="en-US" cap="none" dirty="0" smtClean="0">
+              <a:rPr lang="zh-TW" altLang="en-US" cap="none" dirty="0">
                 <a:solidFill>
                   <a:srgbClr val="0070C0"/>
                 </a:solidFill>
@@ -6638,7 +7686,7 @@
               <a:t>助教這次給的 </a:t>
             </a:r>
             <a:r>
-              <a:rPr lang="en-US" altLang="zh-TW" cap="none" dirty="0" smtClean="0">
+              <a:rPr lang="en-US" altLang="zh-TW" cap="none" dirty="0">
                 <a:solidFill>
                   <a:srgbClr val="0070C0"/>
                 </a:solidFill>
@@ -6646,14 +7694,14 @@
               <a:t>code</a:t>
             </a:r>
             <a:r>
-              <a:rPr lang="zh-TW" altLang="en-US" cap="none" dirty="0" smtClean="0">
+              <a:rPr lang="zh-TW" altLang="en-US" cap="none" dirty="0">
                 <a:solidFill>
                   <a:srgbClr val="0070C0"/>
                 </a:solidFill>
               </a:rPr>
               <a:t>，相當好理解。小組們則是針對助教沒有給的函式去網路上查詢其用意為和。</a:t>
             </a:r>
-            <a:endParaRPr lang="en-US" altLang="zh-TW" cap="none" dirty="0" smtClean="0">
+            <a:endParaRPr lang="en-US" altLang="zh-TW" cap="none" dirty="0">
               <a:solidFill>
                 <a:srgbClr val="0070C0"/>
               </a:solidFill>
@@ -6661,134 +7709,130 @@
           </a:p>
           <a:p>
             <a:r>
-              <a:rPr lang="en-US" altLang="zh-TW" cap="none" dirty="0" smtClean="0"/>
+              <a:rPr lang="en-US" altLang="zh-TW" cap="none" dirty="0"/>
               <a:t>google </a:t>
             </a:r>
             <a:r>
-              <a:rPr lang="en-US" altLang="zh-TW" cap="none" dirty="0" err="1" smtClean="0"/>
+              <a:rPr lang="en-US" altLang="zh-TW" cap="none" dirty="0" err="1"/>
               <a:t>colab</a:t>
             </a:r>
             <a:r>
-              <a:rPr lang="en-US" altLang="zh-TW" cap="none" dirty="0" smtClean="0"/>
+              <a:rPr lang="en-US" altLang="zh-TW" cap="none" dirty="0"/>
               <a:t> </a:t>
             </a:r>
             <a:r>
-              <a:rPr lang="zh-TW" altLang="en-US" cap="none" dirty="0" smtClean="0"/>
+              <a:rPr lang="zh-TW" altLang="en-US" cap="none" dirty="0"/>
               <a:t>再 </a:t>
             </a:r>
             <a:r>
-              <a:rPr lang="en-US" altLang="zh-TW" cap="none" dirty="0" err="1" smtClean="0"/>
+              <a:rPr lang="en-US" altLang="zh-TW" cap="none" dirty="0" err="1"/>
               <a:t>dataframe</a:t>
             </a:r>
             <a:r>
-              <a:rPr lang="en-US" altLang="zh-TW" cap="none" dirty="0" smtClean="0"/>
+              <a:rPr lang="en-US" altLang="zh-TW" cap="none" dirty="0"/>
               <a:t> </a:t>
             </a:r>
             <a:r>
-              <a:rPr lang="zh-TW" altLang="en-US" cap="none" dirty="0" smtClean="0"/>
+              <a:rPr lang="zh-TW" altLang="en-US" cap="none" dirty="0"/>
               <a:t>多 </a:t>
             </a:r>
             <a:r>
-              <a:rPr lang="en-US" altLang="zh-TW" cap="none" dirty="0" smtClean="0"/>
+              <a:rPr lang="en-US" altLang="zh-TW" cap="none" dirty="0"/>
               <a:t>columns </a:t>
             </a:r>
             <a:r>
-              <a:rPr lang="zh-TW" altLang="en-US" cap="none" dirty="0" smtClean="0"/>
+              <a:rPr lang="zh-TW" altLang="en-US" cap="none" dirty="0"/>
               <a:t>與 </a:t>
             </a:r>
             <a:r>
-              <a:rPr lang="en-US" altLang="zh-TW" cap="none" dirty="0" smtClean="0"/>
+              <a:rPr lang="en-US" altLang="zh-TW" cap="none" dirty="0"/>
               <a:t>rows </a:t>
             </a:r>
             <a:r>
-              <a:rPr lang="zh-TW" altLang="en-US" cap="none" dirty="0" smtClean="0"/>
+              <a:rPr lang="zh-TW" altLang="en-US" cap="none" dirty="0"/>
               <a:t>會隱藏資訊不是很好</a:t>
             </a:r>
             <a:r>
-              <a:rPr lang="en-US" altLang="zh-TW" cap="none" dirty="0" smtClean="0"/>
+              <a:rPr lang="en-US" altLang="zh-TW" cap="none" dirty="0"/>
               <a:t>…</a:t>
             </a:r>
             <a:r>
-              <a:rPr lang="zh-TW" altLang="en-US" cap="none" dirty="0" smtClean="0"/>
+              <a:rPr lang="zh-TW" altLang="en-US" cap="none" dirty="0"/>
               <a:t>。但是他提供強大運算，超讚的拉！</a:t>
             </a:r>
-            <a:endParaRPr lang="en-US" altLang="zh-TW" cap="none" dirty="0" smtClean="0"/>
-          </a:p>
-          <a:p>
-            <a:r>
-              <a:rPr lang="en-US" altLang="zh-TW" cap="none" dirty="0" err="1" smtClean="0"/>
+            <a:endParaRPr lang="en-US" altLang="zh-TW" cap="none" dirty="0"/>
+          </a:p>
+          <a:p>
+            <a:r>
+              <a:rPr lang="en-US" altLang="zh-TW" cap="none" dirty="0" err="1"/>
               <a:t>np.reshape</a:t>
             </a:r>
             <a:r>
-              <a:rPr lang="en-US" altLang="zh-TW" cap="none" dirty="0" smtClean="0"/>
+              <a:rPr lang="en-US" altLang="zh-TW" cap="none" dirty="0"/>
               <a:t> </a:t>
             </a:r>
             <a:r>
-              <a:rPr lang="zh-TW" altLang="en-US" cap="none" dirty="0" smtClean="0"/>
+              <a:rPr lang="zh-TW" altLang="en-US" cap="none" dirty="0"/>
               <a:t>中必須放入需要 </a:t>
             </a:r>
             <a:r>
-              <a:rPr lang="en-US" altLang="zh-TW" cap="none" dirty="0" smtClean="0"/>
+              <a:rPr lang="en-US" altLang="zh-TW" cap="none" dirty="0"/>
               <a:t>reshape</a:t>
             </a:r>
             <a:r>
-              <a:rPr lang="zh-TW" altLang="en-US" cap="none" dirty="0" smtClean="0"/>
+              <a:rPr lang="zh-TW" altLang="en-US" cap="none" dirty="0"/>
               <a:t> 的 </a:t>
             </a:r>
             <a:r>
-              <a:rPr lang="en-US" altLang="zh-TW" cap="none" dirty="0" err="1" smtClean="0"/>
+              <a:rPr lang="en-US" altLang="zh-TW" cap="none" dirty="0" err="1"/>
               <a:t>np.array</a:t>
             </a:r>
-            <a:endParaRPr lang="en-US" altLang="zh-TW" cap="none" dirty="0" smtClean="0"/>
-          </a:p>
-          <a:p>
-            <a:r>
-              <a:rPr lang="en-US" altLang="zh-TW" cap="none" dirty="0" smtClean="0"/>
+            <a:endParaRPr lang="en-US" altLang="zh-TW" cap="none" dirty="0"/>
+          </a:p>
+          <a:p>
+            <a:r>
+              <a:rPr lang="en-US" altLang="zh-TW" cap="none" dirty="0"/>
               <a:t>PY </a:t>
             </a:r>
             <a:r>
-              <a:rPr lang="zh-TW" altLang="en-US" cap="none" dirty="0" smtClean="0"/>
+              <a:rPr lang="zh-TW" altLang="en-US" cap="none" dirty="0"/>
               <a:t>的 </a:t>
             </a:r>
             <a:r>
-              <a:rPr lang="en-US" altLang="zh-TW" cap="none" dirty="0" err="1" smtClean="0"/>
+              <a:rPr lang="en-US" altLang="zh-TW" cap="none" dirty="0" err="1"/>
               <a:t>dataframe</a:t>
             </a:r>
             <a:r>
-              <a:rPr lang="zh-TW" altLang="en-US" cap="none" dirty="0" smtClean="0"/>
+              <a:rPr lang="zh-TW" altLang="en-US" cap="none" dirty="0"/>
               <a:t> 與 </a:t>
             </a:r>
             <a:r>
-              <a:rPr lang="en-US" altLang="zh-TW" cap="none" dirty="0" smtClean="0"/>
+              <a:rPr lang="en-US" altLang="zh-TW" cap="none" dirty="0"/>
               <a:t>R</a:t>
             </a:r>
             <a:r>
-              <a:rPr lang="zh-TW" altLang="en-US" cap="none" dirty="0" smtClean="0"/>
+              <a:rPr lang="zh-TW" altLang="en-US" cap="none" dirty="0"/>
               <a:t> 的 </a:t>
             </a:r>
             <a:r>
-              <a:rPr lang="en-US" altLang="zh-TW" cap="none" dirty="0" err="1" smtClean="0"/>
+              <a:rPr lang="en-US" altLang="zh-TW" cap="none" dirty="0" err="1"/>
               <a:t>dataframe</a:t>
             </a:r>
             <a:r>
-              <a:rPr lang="zh-TW" altLang="en-US" cap="none" dirty="0" smtClean="0"/>
+              <a:rPr lang="zh-TW" altLang="en-US" cap="none" dirty="0"/>
               <a:t> 格式不同。</a:t>
             </a:r>
-            <a:r>
-              <a:rPr lang="en-US" altLang="zh-TW" cap="none" dirty="0" smtClean="0"/>
-              <a:t/>
-            </a:r>
             <a:br>
-              <a:rPr lang="en-US" altLang="zh-TW" cap="none" dirty="0" smtClean="0"/>
+              <a:rPr lang="en-US" altLang="zh-TW" cap="none" dirty="0"/>
             </a:br>
             <a:r>
-              <a:rPr lang="zh-TW" altLang="en-US" cap="none" dirty="0" smtClean="0"/>
+              <a:rPr lang="zh-TW" altLang="en-US" cap="none" dirty="0"/>
               <a:t>我一開始在寫時，常常腦袋轉不過來。</a:t>
             </a:r>
-            <a:endParaRPr lang="en-US" altLang="zh-TW" cap="none" dirty="0" smtClean="0"/>
-          </a:p>
-          <a:p>
-            <a:endParaRPr lang="en-US" altLang="zh-TW" cap="none" dirty="0" smtClean="0"/>
+            <a:endParaRPr lang="en-US" altLang="zh-TW" cap="none" dirty="0"/>
+          </a:p>
+          <a:p>
+            <a:endParaRPr lang="en-US" altLang="zh-TW" cap="none" dirty="0"/>
           </a:p>
         </p:txBody>
       </p:sp>
@@ -6839,1564 +7883,6 @@
     <p:extLst>
       <p:ext uri="{BB962C8B-B14F-4D97-AF65-F5344CB8AC3E}">
         <p14:creationId xmlns:p14="http://schemas.microsoft.com/office/powerpoint/2010/main" val="3741302329"/>
-      </p:ext>
-    </p:extLst>
-  </p:cSld>
-  <p:clrMapOvr>
-    <a:masterClrMapping/>
-  </p:clrMapOvr>
-</p:sld>
-</file>
-
-<file path=ppt/slides/slide12.xml><?xml version="1.0" encoding="utf-8"?>
-<p:sld xmlns:a="http://schemas.openxmlformats.org/drawingml/2006/main" xmlns:r="http://schemas.openxmlformats.org/officeDocument/2006/relationships" xmlns:p="http://schemas.openxmlformats.org/presentationml/2006/main">
-  <p:cSld>
-    <p:spTree>
-      <p:nvGrpSpPr>
-        <p:cNvPr id="1" name=""/>
-        <p:cNvGrpSpPr/>
-        <p:nvPr/>
-      </p:nvGrpSpPr>
-      <p:grpSpPr>
-        <a:xfrm>
-          <a:off x="0" y="0"/>
-          <a:ext cx="0" cy="0"/>
-          <a:chOff x="0" y="0"/>
-          <a:chExt cx="0" cy="0"/>
-        </a:xfrm>
-      </p:grpSpPr>
-      <p:sp>
-        <p:nvSpPr>
-          <p:cNvPr id="2" name="標題 1"/>
-          <p:cNvSpPr>
-            <a:spLocks noGrp="1"/>
-          </p:cNvSpPr>
-          <p:nvPr>
-            <p:ph type="title"/>
-          </p:nvPr>
-        </p:nvSpPr>
-        <p:spPr/>
-        <p:txBody>
-          <a:bodyPr/>
-          <a:lstStyle/>
-          <a:p>
-            <a:r>
-              <a:rPr lang="zh-TW" altLang="en-US" dirty="0" smtClean="0"/>
-              <a:t>參考連結</a:t>
-            </a:r>
-            <a:endParaRPr lang="zh-TW" altLang="en-US" dirty="0"/>
-          </a:p>
-        </p:txBody>
-      </p:sp>
-      <p:sp>
-        <p:nvSpPr>
-          <p:cNvPr id="3" name="內容版面配置區 2"/>
-          <p:cNvSpPr>
-            <a:spLocks noGrp="1"/>
-          </p:cNvSpPr>
-          <p:nvPr>
-            <p:ph sz="quarter" idx="13"/>
-          </p:nvPr>
-        </p:nvSpPr>
-        <p:spPr/>
-        <p:txBody>
-          <a:bodyPr>
-            <a:normAutofit fontScale="85000" lnSpcReduction="10000"/>
-          </a:bodyPr>
-          <a:lstStyle/>
-          <a:p>
-            <a:r>
-              <a:rPr lang="en-US" altLang="zh-TW" cap="none" dirty="0" smtClean="0">
-                <a:hlinkClick r:id="rId2"/>
-              </a:rPr>
-              <a:t>numpy.reshape</a:t>
-            </a:r>
-            <a:r>
-              <a:rPr lang="zh-TW" altLang="en-US" cap="none" dirty="0" smtClean="0">
-                <a:hlinkClick r:id="rId2"/>
-              </a:rPr>
-              <a:t> </a:t>
-            </a:r>
-            <a:r>
-              <a:rPr lang="en-US" altLang="zh-TW" cap="none" dirty="0" smtClean="0">
-                <a:hlinkClick r:id="rId2"/>
-              </a:rPr>
-              <a:t>by </a:t>
-            </a:r>
-            <a:r>
-              <a:rPr lang="en-US" altLang="zh-TW" cap="none" dirty="0" err="1" smtClean="0">
-                <a:hlinkClick r:id="rId2"/>
-              </a:rPr>
-              <a:t>NumPy</a:t>
-            </a:r>
-            <a:r>
-              <a:rPr lang="zh-TW" altLang="en-US" cap="none" dirty="0" smtClean="0"/>
-              <a:t> </a:t>
-            </a:r>
-            <a:endParaRPr lang="en-US" altLang="zh-TW" cap="none" dirty="0" smtClean="0"/>
-          </a:p>
-          <a:p>
-            <a:r>
-              <a:rPr lang="en-US" altLang="zh-TW" cap="none" dirty="0" err="1"/>
-              <a:t>sklearn</a:t>
-            </a:r>
-            <a:r>
-              <a:rPr lang="en-US" altLang="zh-TW" cap="none" dirty="0"/>
-              <a:t> Logistic Regression “</a:t>
-            </a:r>
-            <a:r>
-              <a:rPr lang="en-US" altLang="zh-TW" cap="none" dirty="0" err="1"/>
-              <a:t>ValueError</a:t>
-            </a:r>
-            <a:r>
-              <a:rPr lang="en-US" altLang="zh-TW" cap="none" dirty="0"/>
-              <a:t>: Found array with dim 3. Estimator expected &lt;= 2</a:t>
-            </a:r>
-            <a:r>
-              <a:rPr lang="en-US" altLang="zh-TW" cap="none" dirty="0" smtClean="0"/>
-              <a:t>.”by </a:t>
-            </a:r>
-            <a:r>
-              <a:rPr lang="en-US" altLang="zh-TW" cap="none" dirty="0" err="1" smtClean="0"/>
-              <a:t>stackoverflow</a:t>
-            </a:r>
-            <a:endParaRPr lang="en-US" altLang="zh-TW" cap="none" dirty="0" smtClean="0"/>
-          </a:p>
-          <a:p>
-            <a:pPr marL="0" indent="0">
-              <a:buNone/>
-            </a:pPr>
-            <a:r>
-              <a:rPr lang="en-US" altLang="zh-TW" cap="none" dirty="0" smtClean="0">
-                <a:hlinkClick r:id="rId3"/>
-              </a:rPr>
-              <a:t>https</a:t>
-            </a:r>
-            <a:r>
-              <a:rPr lang="en-US" altLang="zh-TW" cap="none" dirty="0">
-                <a:hlinkClick r:id="rId3"/>
-              </a:rPr>
-              <a:t>://</a:t>
-            </a:r>
-            <a:r>
-              <a:rPr lang="en-US" altLang="zh-TW" cap="none" dirty="0" smtClean="0">
-                <a:hlinkClick r:id="rId3"/>
-              </a:rPr>
-              <a:t>stackoverflow.com/questions/34972142/sklearn-logistic-regression-valueerror-found-array-with-dim-3-estimator-expec</a:t>
-            </a:r>
-            <a:endParaRPr lang="en-US" altLang="zh-TW" cap="none" dirty="0" smtClean="0"/>
-          </a:p>
-          <a:p>
-            <a:r>
-              <a:rPr lang="en-US" altLang="zh-TW" cap="none" dirty="0"/>
-              <a:t>RNN's with multiple </a:t>
-            </a:r>
-            <a:r>
-              <a:rPr lang="en-US" altLang="zh-TW" cap="none" dirty="0" smtClean="0"/>
-              <a:t>features by </a:t>
-            </a:r>
-            <a:r>
-              <a:rPr lang="en-US" altLang="zh-TW" cap="none" dirty="0" err="1" smtClean="0"/>
-              <a:t>stackexchange</a:t>
-            </a:r>
-            <a:endParaRPr lang="en-US" altLang="zh-TW" cap="none" dirty="0" smtClean="0"/>
-          </a:p>
-          <a:p>
-            <a:pPr marL="0" indent="0">
-              <a:buNone/>
-            </a:pPr>
-            <a:r>
-              <a:rPr lang="en-US" altLang="zh-TW" cap="none" dirty="0" smtClean="0">
-                <a:hlinkClick r:id="rId4"/>
-              </a:rPr>
-              <a:t>https://datascience.stackexchange.com/questions/17024/rnns-with-multiple-features</a:t>
-            </a:r>
-            <a:endParaRPr lang="en-US" altLang="zh-TW" cap="none" dirty="0" smtClean="0"/>
-          </a:p>
-          <a:p>
-            <a:r>
-              <a:rPr lang="en-US" altLang="zh-TW" cap="none" dirty="0"/>
-              <a:t>Multivariate Time Series Forecasting with LSTMs in </a:t>
-            </a:r>
-            <a:r>
-              <a:rPr lang="en-US" altLang="zh-TW" cap="none" dirty="0" err="1" smtClean="0"/>
-              <a:t>Keras</a:t>
-            </a:r>
-            <a:r>
-              <a:rPr lang="en-US" altLang="zh-TW" cap="none" dirty="0" smtClean="0"/>
-              <a:t> BY </a:t>
-            </a:r>
-            <a:r>
-              <a:rPr lang="en-US" altLang="zh-TW" cap="none" dirty="0" err="1" smtClean="0">
-                <a:hlinkClick r:id="rId5"/>
-              </a:rPr>
-              <a:t>Maching</a:t>
-            </a:r>
-            <a:r>
-              <a:rPr lang="en-US" altLang="zh-TW" cap="none" dirty="0" smtClean="0"/>
-              <a:t> </a:t>
-            </a:r>
-            <a:r>
-              <a:rPr lang="en-US" altLang="zh-TW" cap="none" dirty="0" err="1" smtClean="0"/>
-              <a:t>Learing</a:t>
-            </a:r>
-            <a:r>
-              <a:rPr lang="en-US" altLang="zh-TW" cap="none" dirty="0" smtClean="0"/>
-              <a:t>  Mastery</a:t>
-            </a:r>
-            <a:endParaRPr lang="en-US" altLang="zh-TW" cap="none" dirty="0" smtClean="0">
-              <a:hlinkClick r:id="rId5"/>
-            </a:endParaRPr>
-          </a:p>
-          <a:p>
-            <a:pPr marL="0" indent="0">
-              <a:buNone/>
-            </a:pPr>
-            <a:r>
-              <a:rPr lang="en-US" altLang="zh-TW" cap="none" dirty="0" smtClean="0">
-                <a:hlinkClick r:id="rId5"/>
-              </a:rPr>
-              <a:t>https://machinelearningmastery.com/multivariate-time-series-forecasting-lstms-keras/</a:t>
-            </a:r>
-            <a:endParaRPr lang="en-US" altLang="zh-TW" cap="none" dirty="0" smtClean="0"/>
-          </a:p>
-          <a:p>
-            <a:endParaRPr lang="en-US" altLang="zh-TW" cap="none" dirty="0"/>
-          </a:p>
-          <a:p>
-            <a:endParaRPr lang="en-US" altLang="zh-TW" cap="none" dirty="0"/>
-          </a:p>
-        </p:txBody>
-      </p:sp>
-    </p:spTree>
-    <p:extLst>
-      <p:ext uri="{BB962C8B-B14F-4D97-AF65-F5344CB8AC3E}">
-        <p14:creationId xmlns:p14="http://schemas.microsoft.com/office/powerpoint/2010/main" val="3757009826"/>
-      </p:ext>
-    </p:extLst>
-  </p:cSld>
-  <p:clrMapOvr>
-    <a:masterClrMapping/>
-  </p:clrMapOvr>
-  <p:timing>
-    <p:tnLst>
-      <p:par>
-        <p:cTn id="1" dur="indefinite" restart="never" nodeType="tmRoot"/>
-      </p:par>
-    </p:tnLst>
-  </p:timing>
-</p:sld>
-</file>
-
-<file path=ppt/slides/slide2.xml><?xml version="1.0" encoding="utf-8"?>
-<p:sld xmlns:a="http://schemas.openxmlformats.org/drawingml/2006/main" xmlns:r="http://schemas.openxmlformats.org/officeDocument/2006/relationships" xmlns:p="http://schemas.openxmlformats.org/presentationml/2006/main">
-  <p:cSld>
-    <p:spTree>
-      <p:nvGrpSpPr>
-        <p:cNvPr id="1" name=""/>
-        <p:cNvGrpSpPr/>
-        <p:nvPr/>
-      </p:nvGrpSpPr>
-      <p:grpSpPr>
-        <a:xfrm>
-          <a:off x="0" y="0"/>
-          <a:ext cx="0" cy="0"/>
-          <a:chOff x="0" y="0"/>
-          <a:chExt cx="0" cy="0"/>
-        </a:xfrm>
-      </p:grpSpPr>
-      <p:sp>
-        <p:nvSpPr>
-          <p:cNvPr id="2" name="標題 1"/>
-          <p:cNvSpPr>
-            <a:spLocks noGrp="1"/>
-          </p:cNvSpPr>
-          <p:nvPr>
-            <p:ph type="title"/>
-          </p:nvPr>
-        </p:nvSpPr>
-        <p:spPr/>
-        <p:txBody>
-          <a:bodyPr/>
-          <a:lstStyle/>
-          <a:p>
-            <a:r>
-              <a:rPr lang="zh-TW" altLang="en-US" dirty="0" smtClean="0"/>
-              <a:t>小組專案需求</a:t>
-            </a:r>
-            <a:endParaRPr lang="zh-TW" altLang="en-US" dirty="0"/>
-          </a:p>
-        </p:txBody>
-      </p:sp>
-      <p:pic>
-        <p:nvPicPr>
-          <p:cNvPr id="4" name="內容版面配置區 3"/>
-          <p:cNvPicPr>
-            <a:picLocks noGrp="1" noChangeAspect="1"/>
-          </p:cNvPicPr>
-          <p:nvPr>
-            <p:ph sz="quarter" idx="13"/>
-          </p:nvPr>
-        </p:nvPicPr>
-        <p:blipFill>
-          <a:blip r:embed="rId2">
-            <a:extLst>
-              <a:ext uri="{28A0092B-C50C-407E-A947-70E740481C1C}">
-                <a14:useLocalDpi xmlns:a14="http://schemas.microsoft.com/office/drawing/2010/main" val="0"/>
-              </a:ext>
-            </a:extLst>
-          </a:blip>
-          <a:stretch>
-            <a:fillRect/>
-          </a:stretch>
-        </p:blipFill>
-        <p:spPr>
-          <a:xfrm>
-            <a:off x="913775" y="2400812"/>
-            <a:ext cx="6285058" cy="3583820"/>
-          </a:xfrm>
-          <a:prstGeom prst="rect">
-            <a:avLst/>
-          </a:prstGeom>
-          <a:ln w="38100" cap="sq">
-            <a:solidFill>
-              <a:srgbClr val="000000"/>
-            </a:solidFill>
-            <a:prstDash val="solid"/>
-            <a:miter lim="800000"/>
-          </a:ln>
-          <a:effectLst>
-            <a:outerShdw blurRad="50800" dist="38100" dir="2700000" algn="tl" rotWithShape="0">
-              <a:srgbClr val="000000">
-                <a:alpha val="43000"/>
-              </a:srgbClr>
-            </a:outerShdw>
-          </a:effectLst>
-        </p:spPr>
-      </p:pic>
-    </p:spTree>
-    <p:extLst>
-      <p:ext uri="{BB962C8B-B14F-4D97-AF65-F5344CB8AC3E}">
-        <p14:creationId xmlns:p14="http://schemas.microsoft.com/office/powerpoint/2010/main" val="2972520527"/>
-      </p:ext>
-    </p:extLst>
-  </p:cSld>
-  <p:clrMapOvr>
-    <a:masterClrMapping/>
-  </p:clrMapOvr>
-  <p:timing>
-    <p:tnLst>
-      <p:par>
-        <p:cTn id="1" dur="indefinite" restart="never" nodeType="tmRoot"/>
-      </p:par>
-    </p:tnLst>
-  </p:timing>
-</p:sld>
-</file>
-
-<file path=ppt/slides/slide3.xml><?xml version="1.0" encoding="utf-8"?>
-<p:sld xmlns:a="http://schemas.openxmlformats.org/drawingml/2006/main" xmlns:r="http://schemas.openxmlformats.org/officeDocument/2006/relationships" xmlns:p="http://schemas.openxmlformats.org/presentationml/2006/main">
-  <p:cSld>
-    <p:spTree>
-      <p:nvGrpSpPr>
-        <p:cNvPr id="1" name=""/>
-        <p:cNvGrpSpPr/>
-        <p:nvPr/>
-      </p:nvGrpSpPr>
-      <p:grpSpPr>
-        <a:xfrm>
-          <a:off x="0" y="0"/>
-          <a:ext cx="0" cy="0"/>
-          <a:chOff x="0" y="0"/>
-          <a:chExt cx="0" cy="0"/>
-        </a:xfrm>
-      </p:grpSpPr>
-      <p:sp>
-        <p:nvSpPr>
-          <p:cNvPr id="2" name="標題 1"/>
-          <p:cNvSpPr>
-            <a:spLocks noGrp="1"/>
-          </p:cNvSpPr>
-          <p:nvPr>
-            <p:ph type="title"/>
-          </p:nvPr>
-        </p:nvSpPr>
-        <p:spPr/>
-        <p:txBody>
-          <a:bodyPr/>
-          <a:lstStyle/>
-          <a:p>
-            <a:r>
-              <a:rPr lang="en-US" altLang="zh-TW" dirty="0" smtClean="0"/>
-              <a:t>LSTM</a:t>
-            </a:r>
-            <a:r>
-              <a:rPr lang="zh-TW" altLang="en-US" dirty="0" smtClean="0"/>
-              <a:t> 簡單介紹</a:t>
-            </a:r>
-            <a:endParaRPr lang="zh-TW" altLang="en-US" dirty="0"/>
-          </a:p>
-        </p:txBody>
-      </p:sp>
-      <p:sp>
-        <p:nvSpPr>
-          <p:cNvPr id="3" name="內容版面配置區 2"/>
-          <p:cNvSpPr>
-            <a:spLocks noGrp="1"/>
-          </p:cNvSpPr>
-          <p:nvPr>
-            <p:ph sz="quarter" idx="13"/>
-          </p:nvPr>
-        </p:nvSpPr>
-        <p:spPr/>
-        <p:txBody>
-          <a:bodyPr/>
-          <a:lstStyle/>
-          <a:p>
-            <a:pPr marL="0" indent="0">
-              <a:buNone/>
-            </a:pPr>
-            <a:r>
-              <a:rPr lang="en-US" altLang="zh-TW" dirty="0"/>
-              <a:t>LSTM </a:t>
-            </a:r>
-            <a:r>
-              <a:rPr lang="zh-TW" altLang="en-US" dirty="0"/>
-              <a:t>主要是透過 </a:t>
-            </a:r>
-            <a:r>
-              <a:rPr lang="en-US" altLang="zh-TW" dirty="0"/>
-              <a:t>cell </a:t>
-            </a:r>
-            <a:r>
-              <a:rPr lang="zh-TW" altLang="en-US" dirty="0"/>
-              <a:t>組成，</a:t>
-            </a:r>
-            <a:r>
-              <a:rPr lang="en-US" altLang="zh-TW" dirty="0"/>
-              <a:t>cell </a:t>
-            </a:r>
-            <a:r>
-              <a:rPr lang="zh-TW" altLang="en-US" dirty="0"/>
-              <a:t>由輸入門、遺忘門、輸出門、單元狀態組成</a:t>
-            </a:r>
-            <a:r>
-              <a:rPr lang="zh-TW" altLang="en-US" dirty="0" smtClean="0"/>
-              <a:t>。</a:t>
-            </a:r>
-            <a:endParaRPr lang="zh-TW" altLang="en-US" dirty="0"/>
-          </a:p>
-          <a:p>
-            <a:r>
-              <a:rPr lang="zh-TW" altLang="en-US" dirty="0"/>
-              <a:t>輸入門：決定當下輸入的資料有多少要保留到此 </a:t>
-            </a:r>
-            <a:r>
-              <a:rPr lang="en-US" altLang="zh-TW" dirty="0"/>
-              <a:t>cell</a:t>
-            </a:r>
-          </a:p>
-          <a:p>
-            <a:r>
-              <a:rPr lang="zh-TW" altLang="en-US" dirty="0"/>
-              <a:t>遺忘門：決定前一個 </a:t>
-            </a:r>
-            <a:r>
-              <a:rPr lang="en-US" altLang="zh-TW" dirty="0"/>
-              <a:t>cell </a:t>
-            </a:r>
-            <a:r>
-              <a:rPr lang="zh-TW" altLang="en-US" dirty="0"/>
-              <a:t>給我們的資料要保留多少</a:t>
-            </a:r>
-          </a:p>
-          <a:p>
-            <a:r>
-              <a:rPr lang="zh-TW" altLang="en-US" dirty="0"/>
-              <a:t>輸出門：決定有多少資料要輸出給下一個 </a:t>
-            </a:r>
-            <a:r>
-              <a:rPr lang="en-US" altLang="zh-TW" dirty="0"/>
-              <a:t>cell</a:t>
-            </a:r>
-            <a:endParaRPr lang="zh-TW" altLang="en-US" dirty="0"/>
-          </a:p>
-        </p:txBody>
-      </p:sp>
-    </p:spTree>
-    <p:extLst>
-      <p:ext uri="{BB962C8B-B14F-4D97-AF65-F5344CB8AC3E}">
-        <p14:creationId xmlns:p14="http://schemas.microsoft.com/office/powerpoint/2010/main" val="3698907730"/>
-      </p:ext>
-    </p:extLst>
-  </p:cSld>
-  <p:clrMapOvr>
-    <a:masterClrMapping/>
-  </p:clrMapOvr>
-</p:sld>
-</file>
-
-<file path=ppt/slides/slide4.xml><?xml version="1.0" encoding="utf-8"?>
-<p:sld xmlns:a="http://schemas.openxmlformats.org/drawingml/2006/main" xmlns:r="http://schemas.openxmlformats.org/officeDocument/2006/relationships" xmlns:p="http://schemas.openxmlformats.org/presentationml/2006/main">
-  <p:cSld>
-    <p:spTree>
-      <p:nvGrpSpPr>
-        <p:cNvPr id="1" name=""/>
-        <p:cNvGrpSpPr/>
-        <p:nvPr/>
-      </p:nvGrpSpPr>
-      <p:grpSpPr>
-        <a:xfrm>
-          <a:off x="0" y="0"/>
-          <a:ext cx="0" cy="0"/>
-          <a:chOff x="0" y="0"/>
-          <a:chExt cx="0" cy="0"/>
-        </a:xfrm>
-      </p:grpSpPr>
-      <p:sp>
-        <p:nvSpPr>
-          <p:cNvPr id="2" name="標題 1"/>
-          <p:cNvSpPr>
-            <a:spLocks noGrp="1"/>
-          </p:cNvSpPr>
-          <p:nvPr>
-            <p:ph type="title"/>
-          </p:nvPr>
-        </p:nvSpPr>
-        <p:spPr/>
-        <p:txBody>
-          <a:bodyPr/>
-          <a:lstStyle/>
-          <a:p>
-            <a:r>
-              <a:rPr lang="zh-TW" altLang="en-US" dirty="0" smtClean="0"/>
-              <a:t>印度 </a:t>
-            </a:r>
-            <a:r>
-              <a:rPr lang="en-US" altLang="zh-TW" dirty="0" smtClean="0"/>
-              <a:t>50</a:t>
-            </a:r>
-            <a:r>
-              <a:rPr lang="zh-TW" altLang="en-US" dirty="0" smtClean="0"/>
-              <a:t> 指數期貨</a:t>
-            </a:r>
-            <a:endParaRPr lang="zh-TW" altLang="en-US" dirty="0"/>
-          </a:p>
-        </p:txBody>
-      </p:sp>
-      <p:sp>
-        <p:nvSpPr>
-          <p:cNvPr id="3" name="內容版面配置區 2"/>
-          <p:cNvSpPr>
-            <a:spLocks noGrp="1"/>
-          </p:cNvSpPr>
-          <p:nvPr>
-            <p:ph sz="quarter" idx="13"/>
-          </p:nvPr>
-        </p:nvSpPr>
-        <p:spPr>
-          <a:xfrm>
-            <a:off x="913774" y="2367092"/>
-            <a:ext cx="10363826" cy="4288685"/>
-          </a:xfrm>
-        </p:spPr>
-        <p:txBody>
-          <a:bodyPr>
-            <a:normAutofit/>
-          </a:bodyPr>
-          <a:lstStyle/>
-          <a:p>
-            <a:r>
-              <a:rPr lang="zh-TW" altLang="en-US" cap="none" dirty="0"/>
-              <a:t>期貨是投資人的博弈賽局，成交快、價格漲幅快。</a:t>
-            </a:r>
-            <a:endParaRPr lang="en-US" altLang="zh-TW" dirty="0"/>
-          </a:p>
-          <a:p>
-            <a:r>
-              <a:rPr lang="zh-TW" altLang="en-US" dirty="0" smtClean="0"/>
-              <a:t>類似於台灣</a:t>
-            </a:r>
-            <a:r>
-              <a:rPr lang="zh-TW" altLang="en-US" dirty="0"/>
-              <a:t> </a:t>
-            </a:r>
-            <a:r>
-              <a:rPr lang="en-US" altLang="zh-TW" dirty="0" smtClean="0"/>
-              <a:t>0050</a:t>
-            </a:r>
-            <a:r>
-              <a:rPr lang="zh-TW" altLang="en-US" dirty="0" smtClean="0"/>
-              <a:t>，</a:t>
-            </a:r>
-            <a:r>
-              <a:rPr lang="zh-TW" altLang="en-US" dirty="0"/>
-              <a:t>印度 </a:t>
-            </a:r>
-            <a:r>
-              <a:rPr lang="en-US" altLang="zh-TW" dirty="0" smtClean="0"/>
-              <a:t>50</a:t>
-            </a:r>
-            <a:r>
-              <a:rPr lang="zh-TW" altLang="en-US" dirty="0" smtClean="0"/>
-              <a:t> 指數選出印度前 </a:t>
-            </a:r>
-            <a:r>
-              <a:rPr lang="en-US" altLang="zh-TW" dirty="0" smtClean="0"/>
-              <a:t>50</a:t>
-            </a:r>
-            <a:r>
-              <a:rPr lang="zh-TW" altLang="en-US" dirty="0" smtClean="0"/>
-              <a:t> 間最具代表性的公司</a:t>
-            </a:r>
-            <a:endParaRPr lang="en-US" altLang="zh-TW" dirty="0" smtClean="0"/>
-          </a:p>
-          <a:p>
-            <a:r>
-              <a:rPr lang="zh-TW" altLang="en-US" dirty="0" smtClean="0"/>
-              <a:t>但印度 </a:t>
-            </a:r>
-            <a:r>
-              <a:rPr lang="en-US" altLang="zh-TW" dirty="0" smtClean="0"/>
-              <a:t>50</a:t>
-            </a:r>
-            <a:r>
-              <a:rPr lang="zh-TW" altLang="en-US" dirty="0" smtClean="0"/>
-              <a:t> 是期貨，具有高避險性，但對部分投資人而言有高投機性。</a:t>
-            </a:r>
-            <a:endParaRPr lang="en-US" altLang="zh-TW" dirty="0" smtClean="0"/>
-          </a:p>
-          <a:p>
-            <a:r>
-              <a:rPr lang="zh-TW" altLang="en-US" cap="none" dirty="0" smtClean="0"/>
-              <a:t>如果</a:t>
-            </a:r>
-            <a:r>
-              <a:rPr lang="zh-TW" altLang="en-US" cap="none" dirty="0"/>
-              <a:t>我們可以用 </a:t>
-            </a:r>
-            <a:r>
-              <a:rPr lang="en-US" altLang="zh-TW" cap="none" dirty="0">
-                <a:solidFill>
-                  <a:schemeClr val="accent6">
-                    <a:lumMod val="75000"/>
-                  </a:schemeClr>
-                </a:solidFill>
-              </a:rPr>
-              <a:t>LSTM</a:t>
-            </a:r>
-            <a:r>
-              <a:rPr lang="zh-TW" altLang="en-US" cap="none" dirty="0">
-                <a:solidFill>
-                  <a:schemeClr val="accent6">
-                    <a:lumMod val="75000"/>
-                  </a:schemeClr>
-                </a:solidFill>
-              </a:rPr>
-              <a:t> 學習出價格的走勢</a:t>
-            </a:r>
-            <a:r>
-              <a:rPr lang="en-US" altLang="zh-TW" cap="none" dirty="0" smtClean="0"/>
-              <a:t>(</a:t>
-            </a:r>
-            <a:r>
-              <a:rPr lang="zh-TW" altLang="en-US" cap="none" dirty="0" smtClean="0"/>
-              <a:t>期貨投資人</a:t>
-            </a:r>
-            <a:r>
-              <a:rPr lang="zh-TW" altLang="en-US" cap="none" dirty="0"/>
-              <a:t>的想法</a:t>
-            </a:r>
-            <a:r>
-              <a:rPr lang="en-US" altLang="zh-TW" cap="none" dirty="0"/>
-              <a:t>)</a:t>
-            </a:r>
-            <a:r>
-              <a:rPr lang="zh-TW" altLang="en-US" cap="none" dirty="0"/>
-              <a:t>，是不是就能預測期貨走勢</a:t>
-            </a:r>
-            <a:r>
-              <a:rPr lang="zh-TW" altLang="en-US" cap="none" dirty="0" smtClean="0"/>
-              <a:t>。</a:t>
-            </a:r>
-            <a:endParaRPr lang="en-US" altLang="zh-TW" cap="none" dirty="0" smtClean="0"/>
-          </a:p>
-          <a:p>
-            <a:r>
-              <a:rPr lang="zh-TW" altLang="en-US" cap="none" dirty="0"/>
-              <a:t>我們只需要在 </a:t>
-            </a:r>
-            <a:r>
-              <a:rPr lang="en-US" altLang="zh-TW" cap="none" dirty="0" err="1"/>
-              <a:t>Colab</a:t>
-            </a:r>
-            <a:r>
-              <a:rPr lang="zh-TW" altLang="en-US" cap="none" dirty="0"/>
-              <a:t> </a:t>
-            </a:r>
-            <a:r>
-              <a:rPr lang="en-US" altLang="zh-TW" cap="none" dirty="0"/>
-              <a:t>post API </a:t>
-            </a:r>
-            <a:r>
-              <a:rPr lang="zh-TW" altLang="en-US" cap="none" dirty="0"/>
-              <a:t>請求就能夠獲得資料。</a:t>
-            </a:r>
-            <a:endParaRPr lang="en-US" altLang="zh-TW" cap="none" dirty="0"/>
-          </a:p>
-          <a:p>
-            <a:r>
-              <a:rPr lang="zh-TW" altLang="en-US" cap="none" dirty="0"/>
-              <a:t>在 </a:t>
-            </a:r>
-            <a:r>
-              <a:rPr lang="en-US" altLang="zh-TW" cap="none" dirty="0" err="1"/>
-              <a:t>Colab</a:t>
-            </a:r>
-            <a:r>
-              <a:rPr lang="zh-TW" altLang="en-US" cap="none" dirty="0"/>
-              <a:t> 上使用再適合不過</a:t>
-            </a:r>
-            <a:r>
-              <a:rPr lang="zh-TW" altLang="en-US" cap="none" dirty="0" smtClean="0"/>
-              <a:t>！</a:t>
-            </a:r>
-            <a:endParaRPr lang="en-US" altLang="zh-TW" cap="none" dirty="0" smtClean="0"/>
-          </a:p>
-          <a:p>
-            <a:r>
-              <a:rPr lang="zh-TW" altLang="en-US" cap="none" dirty="0" smtClean="0">
-                <a:hlinkClick r:id="rId2"/>
-              </a:rPr>
-              <a:t>資料來源</a:t>
-            </a:r>
-            <a:r>
-              <a:rPr lang="zh-TW" altLang="en-US" cap="none" dirty="0">
-                <a:hlinkClick r:id="rId2"/>
-              </a:rPr>
-              <a:t>：</a:t>
-            </a:r>
-            <a:r>
-              <a:rPr lang="zh-TW" altLang="en-US" dirty="0" smtClean="0">
-                <a:hlinkClick r:id="rId2"/>
-              </a:rPr>
-              <a:t>印度</a:t>
-            </a:r>
-            <a:r>
-              <a:rPr lang="en-US" altLang="zh-TW" dirty="0">
-                <a:hlinkClick r:id="rId2"/>
-              </a:rPr>
-              <a:t>NIFTY 50</a:t>
-            </a:r>
-            <a:r>
-              <a:rPr lang="zh-TW" altLang="en-US" dirty="0">
-                <a:hlinkClick r:id="rId2"/>
-              </a:rPr>
-              <a:t>指數期貨 </a:t>
-            </a:r>
-            <a:r>
-              <a:rPr lang="en-US" altLang="zh-TW" dirty="0">
-                <a:hlinkClick r:id="rId2"/>
-              </a:rPr>
-              <a:t>2021</a:t>
-            </a:r>
-            <a:r>
-              <a:rPr lang="zh-TW" altLang="en-US" dirty="0">
-                <a:hlinkClick r:id="rId2"/>
-              </a:rPr>
-              <a:t>年</a:t>
-            </a:r>
-            <a:r>
-              <a:rPr lang="en-US" altLang="zh-TW" dirty="0">
-                <a:hlinkClick r:id="rId2"/>
-              </a:rPr>
-              <a:t>6</a:t>
-            </a:r>
-            <a:r>
-              <a:rPr lang="zh-TW" altLang="en-US" dirty="0" smtClean="0">
-                <a:hlinkClick r:id="rId2"/>
-              </a:rPr>
-              <a:t>月</a:t>
-            </a:r>
-            <a:r>
-              <a:rPr lang="zh-TW" altLang="en-US" dirty="0">
-                <a:hlinkClick r:id="rId2"/>
-              </a:rPr>
-              <a:t> </a:t>
-            </a:r>
-            <a:r>
-              <a:rPr lang="en-US" altLang="zh-TW" dirty="0" smtClean="0">
-                <a:hlinkClick r:id="rId2"/>
-              </a:rPr>
-              <a:t>by InvetING.com</a:t>
-            </a:r>
-            <a:endParaRPr lang="en-US" altLang="zh-TW" cap="none" dirty="0"/>
-          </a:p>
-          <a:p>
-            <a:endParaRPr lang="en-US" altLang="zh-TW" cap="none" dirty="0" smtClean="0"/>
-          </a:p>
-          <a:p>
-            <a:endParaRPr lang="en-US" altLang="zh-TW" dirty="0" smtClean="0"/>
-          </a:p>
-          <a:p>
-            <a:endParaRPr lang="en-US" altLang="zh-TW" dirty="0" smtClean="0"/>
-          </a:p>
-          <a:p>
-            <a:endParaRPr lang="en-US" altLang="zh-TW" dirty="0" smtClean="0"/>
-          </a:p>
-          <a:p>
-            <a:endParaRPr lang="zh-TW" altLang="en-US" dirty="0"/>
-          </a:p>
-        </p:txBody>
-      </p:sp>
-    </p:spTree>
-    <p:extLst>
-      <p:ext uri="{BB962C8B-B14F-4D97-AF65-F5344CB8AC3E}">
-        <p14:creationId xmlns:p14="http://schemas.microsoft.com/office/powerpoint/2010/main" val="3370652069"/>
-      </p:ext>
-    </p:extLst>
-  </p:cSld>
-  <p:clrMapOvr>
-    <a:masterClrMapping/>
-  </p:clrMapOvr>
-</p:sld>
-</file>
-
-<file path=ppt/slides/slide5.xml><?xml version="1.0" encoding="utf-8"?>
-<p:sld xmlns:a="http://schemas.openxmlformats.org/drawingml/2006/main" xmlns:r="http://schemas.openxmlformats.org/officeDocument/2006/relationships" xmlns:p="http://schemas.openxmlformats.org/presentationml/2006/main" show="0">
-  <p:cSld>
-    <p:spTree>
-      <p:nvGrpSpPr>
-        <p:cNvPr id="1" name=""/>
-        <p:cNvGrpSpPr/>
-        <p:nvPr/>
-      </p:nvGrpSpPr>
-      <p:grpSpPr>
-        <a:xfrm>
-          <a:off x="0" y="0"/>
-          <a:ext cx="0" cy="0"/>
-          <a:chOff x="0" y="0"/>
-          <a:chExt cx="0" cy="0"/>
-        </a:xfrm>
-      </p:grpSpPr>
-      <p:sp>
-        <p:nvSpPr>
-          <p:cNvPr id="2" name="標題 1"/>
-          <p:cNvSpPr>
-            <a:spLocks noGrp="1"/>
-          </p:cNvSpPr>
-          <p:nvPr>
-            <p:ph type="title"/>
-          </p:nvPr>
-        </p:nvSpPr>
-        <p:spPr/>
-        <p:txBody>
-          <a:bodyPr/>
-          <a:lstStyle/>
-          <a:p>
-            <a:r>
-              <a:rPr lang="zh-TW" altLang="en-US" dirty="0" smtClean="0"/>
-              <a:t>選擇資料集－</a:t>
-            </a:r>
-            <a:r>
-              <a:rPr lang="en-US" altLang="zh-TW" dirty="0" err="1" smtClean="0"/>
-              <a:t>F</a:t>
-            </a:r>
-            <a:r>
-              <a:rPr lang="en-US" altLang="zh-TW" cap="none" dirty="0" err="1" smtClean="0"/>
-              <a:t>inMind</a:t>
-            </a:r>
-            <a:r>
-              <a:rPr lang="en-US" altLang="zh-TW" dirty="0" smtClean="0"/>
-              <a:t> </a:t>
-            </a:r>
-            <a:r>
-              <a:rPr lang="en-US" altLang="zh-TW" dirty="0" err="1" smtClean="0"/>
-              <a:t>api</a:t>
-            </a:r>
-            <a:endParaRPr lang="zh-TW" altLang="en-US" dirty="0"/>
-          </a:p>
-        </p:txBody>
-      </p:sp>
-      <p:sp>
-        <p:nvSpPr>
-          <p:cNvPr id="3" name="內容版面配置區 2"/>
-          <p:cNvSpPr>
-            <a:spLocks noGrp="1"/>
-          </p:cNvSpPr>
-          <p:nvPr>
-            <p:ph sz="quarter" idx="13"/>
-          </p:nvPr>
-        </p:nvSpPr>
-        <p:spPr/>
-        <p:txBody>
-          <a:bodyPr/>
-          <a:lstStyle/>
-          <a:p>
-            <a:r>
-              <a:rPr lang="zh-TW" altLang="en-US" cap="none" dirty="0" smtClean="0"/>
-              <a:t>期貨是投資人的博弈賽局</a:t>
-            </a:r>
-            <a:endParaRPr lang="en-US" altLang="zh-TW" cap="none" dirty="0" smtClean="0"/>
-          </a:p>
-          <a:p>
-            <a:r>
-              <a:rPr lang="zh-TW" altLang="en-US" cap="none" dirty="0" smtClean="0"/>
-              <a:t>如果我們可以用 </a:t>
-            </a:r>
-            <a:r>
-              <a:rPr lang="en-US" altLang="zh-TW" cap="none" dirty="0" smtClean="0">
-                <a:solidFill>
-                  <a:schemeClr val="accent6">
-                    <a:lumMod val="75000"/>
-                  </a:schemeClr>
-                </a:solidFill>
-              </a:rPr>
-              <a:t>LSTM</a:t>
-            </a:r>
-            <a:r>
-              <a:rPr lang="zh-TW" altLang="en-US" cap="none" dirty="0" smtClean="0">
-                <a:solidFill>
-                  <a:schemeClr val="accent6">
-                    <a:lumMod val="75000"/>
-                  </a:schemeClr>
-                </a:solidFill>
-              </a:rPr>
-              <a:t> 學習出價格的走勢</a:t>
-            </a:r>
-            <a:r>
-              <a:rPr lang="en-US" altLang="zh-TW" cap="none" dirty="0" smtClean="0"/>
-              <a:t>(</a:t>
-            </a:r>
-            <a:r>
-              <a:rPr lang="zh-TW" altLang="en-US" cap="none" dirty="0" smtClean="0"/>
-              <a:t>期貨投資人的想法</a:t>
-            </a:r>
-            <a:r>
-              <a:rPr lang="en-US" altLang="zh-TW" cap="none" dirty="0" smtClean="0"/>
-              <a:t>)</a:t>
-            </a:r>
-            <a:r>
-              <a:rPr lang="zh-TW" altLang="en-US" cap="none" dirty="0" smtClean="0"/>
-              <a:t>，是不是就能預測期貨走勢。</a:t>
-            </a:r>
-            <a:endParaRPr lang="en-US" altLang="zh-TW" cap="none" dirty="0" smtClean="0"/>
-          </a:p>
-          <a:p>
-            <a:r>
-              <a:rPr lang="zh-TW" altLang="en-US" dirty="0"/>
-              <a:t>由於 </a:t>
-            </a:r>
-            <a:r>
-              <a:rPr lang="en-US" altLang="zh-TW" cap="none" dirty="0" err="1"/>
-              <a:t>FinMind</a:t>
-            </a:r>
-            <a:r>
-              <a:rPr lang="zh-TW" altLang="en-US" cap="none" dirty="0"/>
-              <a:t> </a:t>
-            </a:r>
-            <a:r>
-              <a:rPr lang="en-US" altLang="zh-TW" cap="none" dirty="0"/>
-              <a:t>API</a:t>
-            </a:r>
-            <a:r>
-              <a:rPr lang="zh-TW" altLang="en-US" cap="none" dirty="0"/>
-              <a:t> 提供期貨資料，且</a:t>
-            </a:r>
-            <a:r>
-              <a:rPr lang="zh-TW" altLang="en-US" cap="none" dirty="0">
-                <a:solidFill>
-                  <a:schemeClr val="accent1">
-                    <a:lumMod val="75000"/>
-                  </a:schemeClr>
-                </a:solidFill>
-              </a:rPr>
-              <a:t>免費開源</a:t>
-            </a:r>
-            <a:r>
-              <a:rPr lang="zh-TW" altLang="en-US" cap="none" dirty="0"/>
-              <a:t>。</a:t>
-            </a:r>
-            <a:endParaRPr lang="en-US" altLang="zh-TW" cap="none" dirty="0"/>
-          </a:p>
-          <a:p>
-            <a:r>
-              <a:rPr lang="zh-TW" altLang="en-US" cap="none" dirty="0" smtClean="0"/>
-              <a:t>我們只需要</a:t>
-            </a:r>
-            <a:r>
-              <a:rPr lang="zh-TW" altLang="en-US" cap="none" dirty="0"/>
-              <a:t>在</a:t>
-            </a:r>
-            <a:r>
-              <a:rPr lang="zh-TW" altLang="en-US" cap="none" dirty="0" smtClean="0"/>
-              <a:t> </a:t>
-            </a:r>
-            <a:r>
-              <a:rPr lang="en-US" altLang="zh-TW" cap="none" dirty="0" err="1"/>
-              <a:t>C</a:t>
-            </a:r>
-            <a:r>
-              <a:rPr lang="en-US" altLang="zh-TW" cap="none" dirty="0" err="1" smtClean="0"/>
-              <a:t>olab</a:t>
-            </a:r>
-            <a:r>
-              <a:rPr lang="zh-TW" altLang="en-US" cap="none" dirty="0" smtClean="0"/>
-              <a:t> </a:t>
-            </a:r>
-            <a:r>
-              <a:rPr lang="en-US" altLang="zh-TW" cap="none" dirty="0" smtClean="0"/>
-              <a:t>post API </a:t>
-            </a:r>
-            <a:r>
-              <a:rPr lang="zh-TW" altLang="en-US" cap="none" dirty="0" smtClean="0"/>
-              <a:t>請求就能夠獲得資料。</a:t>
-            </a:r>
-            <a:endParaRPr lang="en-US" altLang="zh-TW" cap="none" dirty="0" smtClean="0"/>
-          </a:p>
-          <a:p>
-            <a:r>
-              <a:rPr lang="zh-TW" altLang="en-US" cap="none" dirty="0" smtClean="0"/>
-              <a:t>在 </a:t>
-            </a:r>
-            <a:r>
-              <a:rPr lang="en-US" altLang="zh-TW" cap="none" dirty="0" err="1" smtClean="0"/>
-              <a:t>Colab</a:t>
-            </a:r>
-            <a:r>
-              <a:rPr lang="zh-TW" altLang="en-US" cap="none" dirty="0" smtClean="0"/>
-              <a:t> 上使用再適合不過！</a:t>
-            </a:r>
-            <a:endParaRPr lang="en-US" altLang="zh-TW" cap="none" dirty="0" smtClean="0"/>
-          </a:p>
-          <a:p>
-            <a:endParaRPr lang="en-US" altLang="zh-TW" cap="none" dirty="0"/>
-          </a:p>
-          <a:p>
-            <a:r>
-              <a:rPr lang="zh-TW" altLang="en-US" cap="none" dirty="0" smtClean="0"/>
-              <a:t>資料選擇：台灣指數期貨，</a:t>
-            </a:r>
-            <a:r>
-              <a:rPr lang="en-US" altLang="zh-TW" cap="none" dirty="0" smtClean="0"/>
-              <a:t>2021-05-01~2021-05-29</a:t>
-            </a:r>
-            <a:r>
-              <a:rPr lang="zh-TW" altLang="en-US" cap="none" dirty="0" smtClean="0"/>
-              <a:t> 每日期貨資料</a:t>
-            </a:r>
-            <a:endParaRPr lang="en-US" altLang="zh-TW" cap="none" dirty="0" smtClean="0"/>
-          </a:p>
-          <a:p>
-            <a:endParaRPr lang="en-US" altLang="zh-TW" cap="none" dirty="0" smtClean="0"/>
-          </a:p>
-        </p:txBody>
-      </p:sp>
-    </p:spTree>
-    <p:extLst>
-      <p:ext uri="{BB962C8B-B14F-4D97-AF65-F5344CB8AC3E}">
-        <p14:creationId xmlns:p14="http://schemas.microsoft.com/office/powerpoint/2010/main" val="1654733674"/>
-      </p:ext>
-    </p:extLst>
-  </p:cSld>
-  <p:clrMapOvr>
-    <a:masterClrMapping/>
-  </p:clrMapOvr>
-  <mc:AlternateContent xmlns:mc="http://schemas.openxmlformats.org/markup-compatibility/2006">
-    <mc:Choice xmlns:p14="http://schemas.microsoft.com/office/powerpoint/2010/main" Requires="p14">
-      <p:transition spd="slow" p14:dur="2000"/>
-    </mc:Choice>
-    <mc:Fallback>
-      <p:transition spd="slow"/>
-    </mc:Fallback>
-  </mc:AlternateContent>
-</p:sld>
-</file>
-
-<file path=ppt/slides/slide6.xml><?xml version="1.0" encoding="utf-8"?>
-<p:sld xmlns:a="http://schemas.openxmlformats.org/drawingml/2006/main" xmlns:r="http://schemas.openxmlformats.org/officeDocument/2006/relationships" xmlns:p="http://schemas.openxmlformats.org/presentationml/2006/main" show="0">
-  <p:cSld>
-    <p:spTree>
-      <p:nvGrpSpPr>
-        <p:cNvPr id="1" name=""/>
-        <p:cNvGrpSpPr/>
-        <p:nvPr/>
-      </p:nvGrpSpPr>
-      <p:grpSpPr>
-        <a:xfrm>
-          <a:off x="0" y="0"/>
-          <a:ext cx="0" cy="0"/>
-          <a:chOff x="0" y="0"/>
-          <a:chExt cx="0" cy="0"/>
-        </a:xfrm>
-      </p:grpSpPr>
-      <p:sp>
-        <p:nvSpPr>
-          <p:cNvPr id="2" name="標題 1"/>
-          <p:cNvSpPr>
-            <a:spLocks noGrp="1"/>
-          </p:cNvSpPr>
-          <p:nvPr>
-            <p:ph type="title"/>
-          </p:nvPr>
-        </p:nvSpPr>
-        <p:spPr/>
-        <p:txBody>
-          <a:bodyPr/>
-          <a:lstStyle/>
-          <a:p>
-            <a:r>
-              <a:rPr lang="zh-TW" altLang="en-US" dirty="0"/>
-              <a:t>選擇資料集－</a:t>
-            </a:r>
-            <a:r>
-              <a:rPr lang="en-US" altLang="zh-TW" dirty="0" err="1"/>
-              <a:t>F</a:t>
-            </a:r>
-            <a:r>
-              <a:rPr lang="en-US" altLang="zh-TW" cap="none" dirty="0" err="1"/>
-              <a:t>inMind</a:t>
-            </a:r>
-            <a:r>
-              <a:rPr lang="en-US" altLang="zh-TW" dirty="0"/>
-              <a:t> </a:t>
-            </a:r>
-            <a:r>
-              <a:rPr lang="en-US" altLang="zh-TW" dirty="0" err="1" smtClean="0"/>
-              <a:t>api</a:t>
-            </a:r>
-            <a:r>
-              <a:rPr lang="zh-TW" altLang="en-US" dirty="0" smtClean="0"/>
-              <a:t> 使用教學</a:t>
-            </a:r>
-            <a:endParaRPr lang="zh-TW" altLang="en-US" dirty="0"/>
-          </a:p>
-        </p:txBody>
-      </p:sp>
-      <p:sp>
-        <p:nvSpPr>
-          <p:cNvPr id="3" name="內容版面配置區 2"/>
-          <p:cNvSpPr>
-            <a:spLocks noGrp="1"/>
-          </p:cNvSpPr>
-          <p:nvPr>
-            <p:ph sz="quarter" idx="13"/>
-          </p:nvPr>
-        </p:nvSpPr>
-        <p:spPr/>
-        <p:txBody>
-          <a:bodyPr/>
-          <a:lstStyle/>
-          <a:p>
-            <a:endParaRPr lang="zh-TW" altLang="en-US"/>
-          </a:p>
-        </p:txBody>
-      </p:sp>
-      <p:pic>
-        <p:nvPicPr>
-          <p:cNvPr id="4" name="圖片 3"/>
-          <p:cNvPicPr>
-            <a:picLocks noChangeAspect="1"/>
-          </p:cNvPicPr>
-          <p:nvPr/>
-        </p:nvPicPr>
-        <p:blipFill>
-          <a:blip r:embed="rId2"/>
-          <a:stretch>
-            <a:fillRect/>
-          </a:stretch>
-        </p:blipFill>
-        <p:spPr>
-          <a:xfrm>
-            <a:off x="913774" y="2367092"/>
-            <a:ext cx="6759452" cy="4204155"/>
-          </a:xfrm>
-          <a:prstGeom prst="rect">
-            <a:avLst/>
-          </a:prstGeom>
-          <a:ln w="38100" cap="sq">
-            <a:solidFill>
-              <a:srgbClr val="000000"/>
-            </a:solidFill>
-            <a:prstDash val="solid"/>
-            <a:miter lim="800000"/>
-          </a:ln>
-          <a:effectLst>
-            <a:outerShdw blurRad="50800" dist="38100" dir="2700000" algn="tl" rotWithShape="0">
-              <a:srgbClr val="000000">
-                <a:alpha val="43000"/>
-              </a:srgbClr>
-            </a:outerShdw>
-          </a:effectLst>
-        </p:spPr>
-      </p:pic>
-    </p:spTree>
-    <p:extLst>
-      <p:ext uri="{BB962C8B-B14F-4D97-AF65-F5344CB8AC3E}">
-        <p14:creationId xmlns:p14="http://schemas.microsoft.com/office/powerpoint/2010/main" val="3937903960"/>
-      </p:ext>
-    </p:extLst>
-  </p:cSld>
-  <p:clrMapOvr>
-    <a:masterClrMapping/>
-  </p:clrMapOvr>
-  <mc:AlternateContent xmlns:mc="http://schemas.openxmlformats.org/markup-compatibility/2006">
-    <mc:Choice xmlns:p14="http://schemas.microsoft.com/office/powerpoint/2010/main" Requires="p14">
-      <p:transition spd="slow" p14:dur="2000"/>
-    </mc:Choice>
-    <mc:Fallback>
-      <p:transition spd="slow"/>
-    </mc:Fallback>
-  </mc:AlternateContent>
-</p:sld>
-</file>
-
-<file path=ppt/slides/slide7.xml><?xml version="1.0" encoding="utf-8"?>
-<p:sld xmlns:a="http://schemas.openxmlformats.org/drawingml/2006/main" xmlns:r="http://schemas.openxmlformats.org/officeDocument/2006/relationships" xmlns:p="http://schemas.openxmlformats.org/presentationml/2006/main">
-  <p:cSld>
-    <p:spTree>
-      <p:nvGrpSpPr>
-        <p:cNvPr id="1" name=""/>
-        <p:cNvGrpSpPr/>
-        <p:nvPr/>
-      </p:nvGrpSpPr>
-      <p:grpSpPr>
-        <a:xfrm>
-          <a:off x="0" y="0"/>
-          <a:ext cx="0" cy="0"/>
-          <a:chOff x="0" y="0"/>
-          <a:chExt cx="0" cy="0"/>
-        </a:xfrm>
-      </p:grpSpPr>
-      <p:sp>
-        <p:nvSpPr>
-          <p:cNvPr id="2" name="標題 1"/>
-          <p:cNvSpPr>
-            <a:spLocks noGrp="1"/>
-          </p:cNvSpPr>
-          <p:nvPr>
-            <p:ph type="title"/>
-          </p:nvPr>
-        </p:nvSpPr>
-        <p:spPr/>
-        <p:txBody>
-          <a:bodyPr/>
-          <a:lstStyle/>
-          <a:p>
-            <a:r>
-              <a:rPr lang="zh-TW" altLang="en-US" dirty="0"/>
-              <a:t>印度 </a:t>
-            </a:r>
-            <a:r>
-              <a:rPr lang="en-US" altLang="zh-TW" dirty="0"/>
-              <a:t>50</a:t>
-            </a:r>
-            <a:r>
-              <a:rPr lang="zh-TW" altLang="en-US" dirty="0"/>
-              <a:t> 指數</a:t>
-            </a:r>
-            <a:r>
-              <a:rPr lang="zh-TW" altLang="en-US" dirty="0" smtClean="0"/>
-              <a:t>期貨－資料格式</a:t>
-            </a:r>
-            <a:endParaRPr lang="zh-TW" altLang="en-US" dirty="0"/>
-          </a:p>
-        </p:txBody>
-      </p:sp>
-      <p:pic>
-        <p:nvPicPr>
-          <p:cNvPr id="4" name="內容版面配置區 3"/>
-          <p:cNvPicPr>
-            <a:picLocks noGrp="1" noChangeAspect="1"/>
-          </p:cNvPicPr>
-          <p:nvPr>
-            <p:ph sz="quarter" idx="13"/>
-          </p:nvPr>
-        </p:nvPicPr>
-        <p:blipFill>
-          <a:blip r:embed="rId2"/>
-          <a:stretch>
-            <a:fillRect/>
-          </a:stretch>
-        </p:blipFill>
-        <p:spPr>
-          <a:xfrm>
-            <a:off x="913775" y="2599043"/>
-            <a:ext cx="6858000" cy="3276600"/>
-          </a:xfrm>
-          <a:prstGeom prst="rect">
-            <a:avLst/>
-          </a:prstGeom>
-          <a:ln w="38100" cap="sq">
-            <a:solidFill>
-              <a:srgbClr val="000000"/>
-            </a:solidFill>
-            <a:prstDash val="solid"/>
-            <a:miter lim="800000"/>
-          </a:ln>
-          <a:effectLst>
-            <a:outerShdw blurRad="50800" dist="38100" dir="2700000" algn="tl" rotWithShape="0">
-              <a:srgbClr val="000000">
-                <a:alpha val="43000"/>
-              </a:srgbClr>
-            </a:outerShdw>
-          </a:effectLst>
-        </p:spPr>
-      </p:pic>
-    </p:spTree>
-    <p:extLst>
-      <p:ext uri="{BB962C8B-B14F-4D97-AF65-F5344CB8AC3E}">
-        <p14:creationId xmlns:p14="http://schemas.microsoft.com/office/powerpoint/2010/main" val="3735543046"/>
-      </p:ext>
-    </p:extLst>
-  </p:cSld>
-  <p:clrMapOvr>
-    <a:masterClrMapping/>
-  </p:clrMapOvr>
-</p:sld>
-</file>
-
-<file path=ppt/slides/slide8.xml><?xml version="1.0" encoding="utf-8"?>
-<p:sld xmlns:a="http://schemas.openxmlformats.org/drawingml/2006/main" xmlns:r="http://schemas.openxmlformats.org/officeDocument/2006/relationships" xmlns:p="http://schemas.openxmlformats.org/presentationml/2006/main">
-  <p:cSld>
-    <p:spTree>
-      <p:nvGrpSpPr>
-        <p:cNvPr id="1" name=""/>
-        <p:cNvGrpSpPr/>
-        <p:nvPr/>
-      </p:nvGrpSpPr>
-      <p:grpSpPr>
-        <a:xfrm>
-          <a:off x="0" y="0"/>
-          <a:ext cx="0" cy="0"/>
-          <a:chOff x="0" y="0"/>
-          <a:chExt cx="0" cy="0"/>
-        </a:xfrm>
-      </p:grpSpPr>
-      <p:sp>
-        <p:nvSpPr>
-          <p:cNvPr id="2" name="標題 1"/>
-          <p:cNvSpPr>
-            <a:spLocks noGrp="1"/>
-          </p:cNvSpPr>
-          <p:nvPr>
-            <p:ph type="title"/>
-          </p:nvPr>
-        </p:nvSpPr>
-        <p:spPr/>
-        <p:txBody>
-          <a:bodyPr/>
-          <a:lstStyle/>
-          <a:p>
-            <a:r>
-              <a:rPr lang="en-US" altLang="zh-TW" dirty="0" smtClean="0"/>
-              <a:t>LSTM</a:t>
-            </a:r>
-            <a:r>
-              <a:rPr lang="zh-TW" altLang="en-US" dirty="0" smtClean="0"/>
-              <a:t> 程式</a:t>
-            </a:r>
-            <a:r>
-              <a:rPr lang="zh-TW" altLang="en-US" dirty="0" smtClean="0"/>
-              <a:t>執行結果</a:t>
-            </a:r>
-            <a:endParaRPr lang="zh-TW" altLang="en-US" dirty="0"/>
-          </a:p>
-        </p:txBody>
-      </p:sp>
-      <p:pic>
-        <p:nvPicPr>
-          <p:cNvPr id="5" name="內容版面配置區 4"/>
-          <p:cNvPicPr>
-            <a:picLocks noGrp="1" noChangeAspect="1"/>
-          </p:cNvPicPr>
-          <p:nvPr>
-            <p:ph sz="quarter" idx="13"/>
-          </p:nvPr>
-        </p:nvPicPr>
-        <p:blipFill>
-          <a:blip r:embed="rId2"/>
-          <a:stretch>
-            <a:fillRect/>
-          </a:stretch>
-        </p:blipFill>
-        <p:spPr>
-          <a:xfrm>
-            <a:off x="913775" y="2214694"/>
-            <a:ext cx="5732383" cy="3424237"/>
-          </a:xfrm>
-          <a:prstGeom prst="rect">
-            <a:avLst/>
-          </a:prstGeom>
-          <a:ln w="38100" cap="sq">
-            <a:solidFill>
-              <a:srgbClr val="000000"/>
-            </a:solidFill>
-            <a:prstDash val="solid"/>
-            <a:miter lim="800000"/>
-          </a:ln>
-          <a:effectLst>
-            <a:outerShdw blurRad="50800" dist="38100" dir="2700000" algn="tl" rotWithShape="0">
-              <a:srgbClr val="000000">
-                <a:alpha val="43000"/>
-              </a:srgbClr>
-            </a:outerShdw>
-          </a:effectLst>
-        </p:spPr>
-      </p:pic>
-    </p:spTree>
-    <p:extLst>
-      <p:ext uri="{BB962C8B-B14F-4D97-AF65-F5344CB8AC3E}">
-        <p14:creationId xmlns:p14="http://schemas.microsoft.com/office/powerpoint/2010/main" val="342117409"/>
-      </p:ext>
-    </p:extLst>
-  </p:cSld>
-  <p:clrMapOvr>
-    <a:masterClrMapping/>
-  </p:clrMapOvr>
-</p:sld>
-</file>
-
-<file path=ppt/slides/slide9.xml><?xml version="1.0" encoding="utf-8"?>
-<p:sld xmlns:a="http://schemas.openxmlformats.org/drawingml/2006/main" xmlns:r="http://schemas.openxmlformats.org/officeDocument/2006/relationships" xmlns:p="http://schemas.openxmlformats.org/presentationml/2006/main">
-  <p:cSld>
-    <p:spTree>
-      <p:nvGrpSpPr>
-        <p:cNvPr id="1" name=""/>
-        <p:cNvGrpSpPr/>
-        <p:nvPr/>
-      </p:nvGrpSpPr>
-      <p:grpSpPr>
-        <a:xfrm>
-          <a:off x="0" y="0"/>
-          <a:ext cx="0" cy="0"/>
-          <a:chOff x="0" y="0"/>
-          <a:chExt cx="0" cy="0"/>
-        </a:xfrm>
-      </p:grpSpPr>
-      <p:sp>
-        <p:nvSpPr>
-          <p:cNvPr id="2" name="標題 1"/>
-          <p:cNvSpPr>
-            <a:spLocks noGrp="1"/>
-          </p:cNvSpPr>
-          <p:nvPr>
-            <p:ph type="title"/>
-          </p:nvPr>
-        </p:nvSpPr>
-        <p:spPr/>
-        <p:txBody>
-          <a:bodyPr/>
-          <a:lstStyle/>
-          <a:p>
-            <a:r>
-              <a:rPr lang="zh-TW" altLang="en-US" dirty="0" smtClean="0"/>
-              <a:t>討論分析</a:t>
-            </a:r>
-            <a:endParaRPr lang="zh-TW" altLang="en-US" dirty="0"/>
-          </a:p>
-        </p:txBody>
-      </p:sp>
-      <p:sp>
-        <p:nvSpPr>
-          <p:cNvPr id="3" name="內容版面配置區 2"/>
-          <p:cNvSpPr>
-            <a:spLocks noGrp="1"/>
-          </p:cNvSpPr>
-          <p:nvPr>
-            <p:ph sz="quarter" idx="13"/>
-          </p:nvPr>
-        </p:nvSpPr>
-        <p:spPr/>
-        <p:txBody>
-          <a:bodyPr>
-            <a:normAutofit/>
-          </a:bodyPr>
-          <a:lstStyle/>
-          <a:p>
-            <a:r>
-              <a:rPr lang="en-US" altLang="zh-TW" dirty="0" smtClean="0"/>
-              <a:t>LSTM</a:t>
-            </a:r>
-            <a:r>
-              <a:rPr lang="zh-TW" altLang="en-US" dirty="0" smtClean="0"/>
-              <a:t> 花的時間比起 </a:t>
-            </a:r>
-            <a:r>
-              <a:rPr lang="en-US" altLang="zh-TW" dirty="0" smtClean="0"/>
-              <a:t>YOLO</a:t>
-            </a:r>
-            <a:r>
-              <a:rPr lang="zh-TW" altLang="en-US" dirty="0" smtClean="0"/>
-              <a:t> 快上許多，也許可以嘗試在效能好的電腦上運行。</a:t>
-            </a:r>
-            <a:endParaRPr lang="en-US" altLang="zh-TW" dirty="0" smtClean="0"/>
-          </a:p>
-          <a:p>
-            <a:r>
-              <a:rPr lang="en-US" altLang="zh-TW" dirty="0" smtClean="0"/>
-              <a:t>Epoch</a:t>
-            </a:r>
-            <a:r>
-              <a:rPr lang="zh-TW" altLang="en-US" dirty="0" smtClean="0"/>
-              <a:t> 是疊代次數，如果設定 </a:t>
-            </a:r>
-            <a:r>
-              <a:rPr lang="en-US" altLang="zh-TW" dirty="0" smtClean="0"/>
-              <a:t>300</a:t>
-            </a:r>
-            <a:r>
-              <a:rPr lang="zh-TW" altLang="en-US" dirty="0" smtClean="0"/>
-              <a:t>，並且資料量很大時那每次的疊代運性速度就會極差</a:t>
-            </a:r>
-            <a:r>
-              <a:rPr lang="en-US" altLang="zh-TW" dirty="0" smtClean="0"/>
-              <a:t>!</a:t>
-            </a:r>
-          </a:p>
-          <a:p>
-            <a:r>
-              <a:rPr lang="zh-TW" altLang="en-US" dirty="0" smtClean="0"/>
-              <a:t>可以發現預測走勢相當準確，但如果要預估當天價格並不是相當適用。</a:t>
-            </a:r>
-            <a:endParaRPr lang="en-US" altLang="zh-TW" dirty="0" smtClean="0"/>
-          </a:p>
-          <a:p>
-            <a:r>
-              <a:rPr lang="zh-TW" altLang="en-US" dirty="0" smtClean="0"/>
-              <a:t>可以考慮對期貨做波段，或是提取昨天的期貨每 </a:t>
-            </a:r>
-            <a:r>
-              <a:rPr lang="en-US" altLang="zh-TW" dirty="0" smtClean="0"/>
-              <a:t>10s</a:t>
-            </a:r>
-            <a:r>
-              <a:rPr lang="zh-TW" altLang="en-US" dirty="0" smtClean="0"/>
-              <a:t> 的資料進行今日的期貨當天走勢，進行當沖！</a:t>
-            </a:r>
-            <a:endParaRPr lang="en-US" altLang="zh-TW" dirty="0" smtClean="0"/>
-          </a:p>
-          <a:p>
-            <a:r>
-              <a:rPr lang="zh-TW" altLang="en-US" dirty="0" smtClean="0"/>
-              <a:t>只要資料給的好 </a:t>
-            </a:r>
-            <a:r>
-              <a:rPr lang="en-US" altLang="zh-TW" dirty="0" smtClean="0"/>
-              <a:t>Loss</a:t>
-            </a:r>
-            <a:r>
-              <a:rPr lang="zh-TW" altLang="en-US" dirty="0" smtClean="0"/>
-              <a:t> 比例不會大。</a:t>
-            </a:r>
-            <a:endParaRPr lang="en-US" altLang="zh-TW" dirty="0"/>
-          </a:p>
-        </p:txBody>
-      </p:sp>
-    </p:spTree>
-    <p:extLst>
-      <p:ext uri="{BB962C8B-B14F-4D97-AF65-F5344CB8AC3E}">
-        <p14:creationId xmlns:p14="http://schemas.microsoft.com/office/powerpoint/2010/main" val="1452382151"/>
       </p:ext>
     </p:extLst>
   </p:cSld>
